--- a/ppt/8 查找.pptx
+++ b/ppt/8 查找.pptx
@@ -5,19 +5,37 @@
     <p:sldMasterId id="2147483648" r:id="rId1"/>
   </p:sldMasterIdLst>
   <p:notesMasterIdLst>
-    <p:notesMasterId r:id="rId12"/>
+    <p:notesMasterId r:id="rId30"/>
   </p:notesMasterIdLst>
   <p:sldIdLst>
     <p:sldId id="258" r:id="rId2"/>
     <p:sldId id="266" r:id="rId3"/>
-    <p:sldId id="259" r:id="rId4"/>
-    <p:sldId id="280" r:id="rId5"/>
-    <p:sldId id="285" r:id="rId6"/>
-    <p:sldId id="286" r:id="rId7"/>
-    <p:sldId id="283" r:id="rId8"/>
-    <p:sldId id="279" r:id="rId9"/>
-    <p:sldId id="288" r:id="rId10"/>
-    <p:sldId id="265" r:id="rId11"/>
+    <p:sldId id="298" r:id="rId4"/>
+    <p:sldId id="259" r:id="rId5"/>
+    <p:sldId id="294" r:id="rId6"/>
+    <p:sldId id="299" r:id="rId7"/>
+    <p:sldId id="280" r:id="rId8"/>
+    <p:sldId id="289" r:id="rId9"/>
+    <p:sldId id="300" r:id="rId10"/>
+    <p:sldId id="301" r:id="rId11"/>
+    <p:sldId id="290" r:id="rId12"/>
+    <p:sldId id="302" r:id="rId13"/>
+    <p:sldId id="304" r:id="rId14"/>
+    <p:sldId id="305" r:id="rId15"/>
+    <p:sldId id="306" r:id="rId16"/>
+    <p:sldId id="307" r:id="rId17"/>
+    <p:sldId id="308" r:id="rId18"/>
+    <p:sldId id="303" r:id="rId19"/>
+    <p:sldId id="286" r:id="rId20"/>
+    <p:sldId id="291" r:id="rId21"/>
+    <p:sldId id="292" r:id="rId22"/>
+    <p:sldId id="293" r:id="rId23"/>
+    <p:sldId id="283" r:id="rId24"/>
+    <p:sldId id="296" r:id="rId25"/>
+    <p:sldId id="279" r:id="rId26"/>
+    <p:sldId id="295" r:id="rId27"/>
+    <p:sldId id="288" r:id="rId28"/>
+    <p:sldId id="265" r:id="rId29"/>
   </p:sldIdLst>
   <p:sldSz cx="12192000" cy="6858000"/>
   <p:notesSz cx="6858000" cy="9144000"/>
@@ -127,12 +145,30 @@
         <p14:section name="无标题节" id="{7F9DBBA9-7A2A-E140-81C6-6683700F6D2B}">
           <p14:sldIdLst>
             <p14:sldId id="266"/>
+            <p14:sldId id="298"/>
             <p14:sldId id="259"/>
+            <p14:sldId id="294"/>
+            <p14:sldId id="299"/>
             <p14:sldId id="280"/>
-            <p14:sldId id="285"/>
+            <p14:sldId id="289"/>
+            <p14:sldId id="300"/>
+            <p14:sldId id="301"/>
+            <p14:sldId id="290"/>
+            <p14:sldId id="302"/>
+            <p14:sldId id="304"/>
+            <p14:sldId id="305"/>
+            <p14:sldId id="306"/>
+            <p14:sldId id="307"/>
+            <p14:sldId id="308"/>
+            <p14:sldId id="303"/>
             <p14:sldId id="286"/>
+            <p14:sldId id="291"/>
+            <p14:sldId id="292"/>
+            <p14:sldId id="293"/>
             <p14:sldId id="283"/>
+            <p14:sldId id="296"/>
             <p14:sldId id="279"/>
+            <p14:sldId id="295"/>
             <p14:sldId id="288"/>
             <p14:sldId id="265"/>
           </p14:sldIdLst>
@@ -228,7 +264,7 @@
           <a:p>
             <a:fld id="{66C3546E-20F6-7649-A9A4-4E4A245D3E82}" type="datetimeFigureOut">
               <a:rPr kumimoji="1" lang="zh-CN" altLang="en-US" smtClean="0"/>
-              <a:t>2019/12/10</a:t>
+              <a:t>2020/5/12</a:t>
             </a:fld>
             <a:endParaRPr kumimoji="1" lang="zh-CN" altLang="en-US"/>
           </a:p>
@@ -539,30 +575,6 @@
           <a:bodyPr/>
           <a:lstStyle/>
           <a:p>
-            <a:pPr marL="0" marR="0" lvl="0" indent="0" algn="l" defTabSz="914400" rtl="0" eaLnBrk="1" fontAlgn="auto" latinLnBrk="0" hangingPunct="1">
-              <a:lnSpc>
-                <a:spcPct val="100000"/>
-              </a:lnSpc>
-              <a:spcBef>
-                <a:spcPts val="0"/>
-              </a:spcBef>
-              <a:spcAft>
-                <a:spcPts val="0"/>
-              </a:spcAft>
-              <a:buClrTx/>
-              <a:buSzTx/>
-              <a:buFontTx/>
-              <a:buNone/>
-              <a:tabLst/>
-              <a:defRPr/>
-            </a:pPr>
-            <a:r>
-              <a:rPr kumimoji="1" lang="zh-CN" altLang="en-US" dirty="0"/>
-              <a:t>另一个例子：狗会叫，猫会叫，鸭子也会叫，那他们可以抽象成 一个动物对象，这个动物对象有叫这个动作，但至于具体如何叫，就不是抽象数据模型的职责了，而是具体数据类型的职责</a:t>
-            </a:r>
-            <a:endParaRPr kumimoji="1" lang="en-US" altLang="zh-CN" dirty="0"/>
-          </a:p>
-          <a:p>
             <a:endParaRPr kumimoji="1" lang="zh-CN" altLang="en-US" dirty="0"/>
           </a:p>
         </p:txBody>
@@ -584,7 +596,7 @@
           <a:p>
             <a:fld id="{0F8E57A1-C481-6944-857F-EAC8E932B5ED}" type="slidenum">
               <a:rPr kumimoji="1" lang="zh-CN" altLang="en-US" smtClean="0"/>
-              <a:t>8</a:t>
+              <a:t>4</a:t>
             </a:fld>
             <a:endParaRPr kumimoji="1" lang="zh-CN" altLang="en-US"/>
           </a:p>
@@ -593,7 +605,7 @@
     </p:spTree>
     <p:extLst>
       <p:ext uri="{BB962C8B-B14F-4D97-AF65-F5344CB8AC3E}">
-        <p14:creationId xmlns:p14="http://schemas.microsoft.com/office/powerpoint/2010/main" val="4167110842"/>
+        <p14:creationId xmlns:p14="http://schemas.microsoft.com/office/powerpoint/2010/main" val="2711497884"/>
       </p:ext>
     </p:extLst>
   </p:cSld>
@@ -647,7 +659,7 @@
           <a:bodyPr/>
           <a:lstStyle/>
           <a:p>
-            <a:endParaRPr kumimoji="1" lang="zh-CN" altLang="en-US"/>
+            <a:endParaRPr kumimoji="1" lang="zh-CN" altLang="en-US" dirty="0"/>
           </a:p>
         </p:txBody>
       </p:sp>
@@ -668,7 +680,7 @@
           <a:p>
             <a:fld id="{0F8E57A1-C481-6944-857F-EAC8E932B5ED}" type="slidenum">
               <a:rPr kumimoji="1" lang="zh-CN" altLang="en-US" smtClean="0"/>
-              <a:t>9</a:t>
+              <a:t>5</a:t>
             </a:fld>
             <a:endParaRPr kumimoji="1" lang="zh-CN" altLang="en-US"/>
           </a:p>
@@ -677,7 +689,7 @@
     </p:spTree>
     <p:extLst>
       <p:ext uri="{BB962C8B-B14F-4D97-AF65-F5344CB8AC3E}">
-        <p14:creationId xmlns:p14="http://schemas.microsoft.com/office/powerpoint/2010/main" val="3812805568"/>
+        <p14:creationId xmlns:p14="http://schemas.microsoft.com/office/powerpoint/2010/main" val="313230751"/>
       </p:ext>
     </p:extLst>
   </p:cSld>
@@ -752,7 +764,391 @@
           <a:p>
             <a:fld id="{0F8E57A1-C481-6944-857F-EAC8E932B5ED}" type="slidenum">
               <a:rPr kumimoji="1" lang="zh-CN" altLang="en-US" smtClean="0"/>
-              <a:t>10</a:t>
+              <a:t>6</a:t>
+            </a:fld>
+            <a:endParaRPr kumimoji="1" lang="zh-CN" altLang="en-US"/>
+          </a:p>
+        </p:txBody>
+      </p:sp>
+    </p:spTree>
+    <p:extLst>
+      <p:ext uri="{BB962C8B-B14F-4D97-AF65-F5344CB8AC3E}">
+        <p14:creationId xmlns:p14="http://schemas.microsoft.com/office/powerpoint/2010/main" val="3259922780"/>
+      </p:ext>
+    </p:extLst>
+  </p:cSld>
+  <p:clrMapOvr>
+    <a:masterClrMapping/>
+  </p:clrMapOvr>
+</p:notes>
+</file>
+
+<file path=ppt/notesSlides/notesSlide4.xml><?xml version="1.0" encoding="utf-8"?>
+<p:notes xmlns:a="http://schemas.openxmlformats.org/drawingml/2006/main" xmlns:r="http://schemas.openxmlformats.org/officeDocument/2006/relationships" xmlns:p="http://schemas.openxmlformats.org/presentationml/2006/main">
+  <p:cSld>
+    <p:spTree>
+      <p:nvGrpSpPr>
+        <p:cNvPr id="1" name=""/>
+        <p:cNvGrpSpPr/>
+        <p:nvPr/>
+      </p:nvGrpSpPr>
+      <p:grpSpPr>
+        <a:xfrm>
+          <a:off x="0" y="0"/>
+          <a:ext cx="0" cy="0"/>
+          <a:chOff x="0" y="0"/>
+          <a:chExt cx="0" cy="0"/>
+        </a:xfrm>
+      </p:grpSpPr>
+      <p:sp>
+        <p:nvSpPr>
+          <p:cNvPr id="2" name="幻灯片图像占位符 1"/>
+          <p:cNvSpPr>
+            <a:spLocks noGrp="1" noRot="1" noChangeAspect="1"/>
+          </p:cNvSpPr>
+          <p:nvPr>
+            <p:ph type="sldImg"/>
+          </p:nvPr>
+        </p:nvSpPr>
+        <p:spPr/>
+      </p:sp>
+      <p:sp>
+        <p:nvSpPr>
+          <p:cNvPr id="3" name="备注占位符 2"/>
+          <p:cNvSpPr>
+            <a:spLocks noGrp="1"/>
+          </p:cNvSpPr>
+          <p:nvPr>
+            <p:ph type="body" idx="1"/>
+          </p:nvPr>
+        </p:nvSpPr>
+        <p:spPr/>
+        <p:txBody>
+          <a:bodyPr/>
+          <a:lstStyle/>
+          <a:p>
+            <a:pPr marL="0" marR="0" lvl="0" indent="0" algn="l" defTabSz="914400" rtl="0" eaLnBrk="1" fontAlgn="auto" latinLnBrk="0" hangingPunct="1">
+              <a:lnSpc>
+                <a:spcPct val="100000"/>
+              </a:lnSpc>
+              <a:spcBef>
+                <a:spcPts val="0"/>
+              </a:spcBef>
+              <a:spcAft>
+                <a:spcPts val="0"/>
+              </a:spcAft>
+              <a:buClrTx/>
+              <a:buSzTx/>
+              <a:buFontTx/>
+              <a:buNone/>
+              <a:tabLst/>
+              <a:defRPr/>
+            </a:pPr>
+            <a:r>
+              <a:rPr kumimoji="1" lang="zh-CN" altLang="en-US" dirty="0"/>
+              <a:t>另一个例子：狗会叫，猫会叫，鸭子也会叫，那他们可以抽象成 一个动物对象，这个动物对象有叫这个动作，但至于具体如何叫，就不是抽象数据模型的职责了，而是具体数据类型的职责</a:t>
+            </a:r>
+            <a:endParaRPr kumimoji="1" lang="en-US" altLang="zh-CN" dirty="0"/>
+          </a:p>
+          <a:p>
+            <a:endParaRPr kumimoji="1" lang="zh-CN" altLang="en-US" dirty="0"/>
+          </a:p>
+        </p:txBody>
+      </p:sp>
+      <p:sp>
+        <p:nvSpPr>
+          <p:cNvPr id="4" name="灯片编号占位符 3"/>
+          <p:cNvSpPr>
+            <a:spLocks noGrp="1"/>
+          </p:cNvSpPr>
+          <p:nvPr>
+            <p:ph type="sldNum" sz="quarter" idx="5"/>
+          </p:nvPr>
+        </p:nvSpPr>
+        <p:spPr/>
+        <p:txBody>
+          <a:bodyPr/>
+          <a:lstStyle/>
+          <a:p>
+            <a:fld id="{0F8E57A1-C481-6944-857F-EAC8E932B5ED}" type="slidenum">
+              <a:rPr kumimoji="1" lang="zh-CN" altLang="en-US" smtClean="0"/>
+              <a:t>25</a:t>
+            </a:fld>
+            <a:endParaRPr kumimoji="1" lang="zh-CN" altLang="en-US"/>
+          </a:p>
+        </p:txBody>
+      </p:sp>
+    </p:spTree>
+    <p:extLst>
+      <p:ext uri="{BB962C8B-B14F-4D97-AF65-F5344CB8AC3E}">
+        <p14:creationId xmlns:p14="http://schemas.microsoft.com/office/powerpoint/2010/main" val="4167110842"/>
+      </p:ext>
+    </p:extLst>
+  </p:cSld>
+  <p:clrMapOvr>
+    <a:masterClrMapping/>
+  </p:clrMapOvr>
+</p:notes>
+</file>
+
+<file path=ppt/notesSlides/notesSlide5.xml><?xml version="1.0" encoding="utf-8"?>
+<p:notes xmlns:a="http://schemas.openxmlformats.org/drawingml/2006/main" xmlns:r="http://schemas.openxmlformats.org/officeDocument/2006/relationships" xmlns:p="http://schemas.openxmlformats.org/presentationml/2006/main">
+  <p:cSld>
+    <p:spTree>
+      <p:nvGrpSpPr>
+        <p:cNvPr id="1" name=""/>
+        <p:cNvGrpSpPr/>
+        <p:nvPr/>
+      </p:nvGrpSpPr>
+      <p:grpSpPr>
+        <a:xfrm>
+          <a:off x="0" y="0"/>
+          <a:ext cx="0" cy="0"/>
+          <a:chOff x="0" y="0"/>
+          <a:chExt cx="0" cy="0"/>
+        </a:xfrm>
+      </p:grpSpPr>
+      <p:sp>
+        <p:nvSpPr>
+          <p:cNvPr id="2" name="幻灯片图像占位符 1"/>
+          <p:cNvSpPr>
+            <a:spLocks noGrp="1" noRot="1" noChangeAspect="1"/>
+          </p:cNvSpPr>
+          <p:nvPr>
+            <p:ph type="sldImg"/>
+          </p:nvPr>
+        </p:nvSpPr>
+        <p:spPr/>
+      </p:sp>
+      <p:sp>
+        <p:nvSpPr>
+          <p:cNvPr id="3" name="备注占位符 2"/>
+          <p:cNvSpPr>
+            <a:spLocks noGrp="1"/>
+          </p:cNvSpPr>
+          <p:nvPr>
+            <p:ph type="body" idx="1"/>
+          </p:nvPr>
+        </p:nvSpPr>
+        <p:spPr/>
+        <p:txBody>
+          <a:bodyPr/>
+          <a:lstStyle/>
+          <a:p>
+            <a:pPr marL="0" marR="0" lvl="0" indent="0" algn="l" defTabSz="914400" rtl="0" eaLnBrk="1" fontAlgn="auto" latinLnBrk="0" hangingPunct="1">
+              <a:lnSpc>
+                <a:spcPct val="100000"/>
+              </a:lnSpc>
+              <a:spcBef>
+                <a:spcPts val="0"/>
+              </a:spcBef>
+              <a:spcAft>
+                <a:spcPts val="0"/>
+              </a:spcAft>
+              <a:buClrTx/>
+              <a:buSzTx/>
+              <a:buFontTx/>
+              <a:buNone/>
+              <a:tabLst/>
+              <a:defRPr/>
+            </a:pPr>
+            <a:r>
+              <a:rPr kumimoji="1" lang="zh-CN" altLang="en-US" dirty="0"/>
+              <a:t>另一个例子：狗会叫，猫会叫，鸭子也会叫，那他们可以抽象成 一个动物对象，这个动物对象有叫这个动作，但至于具体如何叫，就不是抽象数据模型的职责了，而是具体数据类型的职责</a:t>
+            </a:r>
+            <a:endParaRPr kumimoji="1" lang="en-US" altLang="zh-CN" dirty="0"/>
+          </a:p>
+          <a:p>
+            <a:endParaRPr kumimoji="1" lang="zh-CN" altLang="en-US" dirty="0"/>
+          </a:p>
+        </p:txBody>
+      </p:sp>
+      <p:sp>
+        <p:nvSpPr>
+          <p:cNvPr id="4" name="灯片编号占位符 3"/>
+          <p:cNvSpPr>
+            <a:spLocks noGrp="1"/>
+          </p:cNvSpPr>
+          <p:nvPr>
+            <p:ph type="sldNum" sz="quarter" idx="5"/>
+          </p:nvPr>
+        </p:nvSpPr>
+        <p:spPr/>
+        <p:txBody>
+          <a:bodyPr/>
+          <a:lstStyle/>
+          <a:p>
+            <a:fld id="{0F8E57A1-C481-6944-857F-EAC8E932B5ED}" type="slidenum">
+              <a:rPr kumimoji="1" lang="zh-CN" altLang="en-US" smtClean="0"/>
+              <a:t>26</a:t>
+            </a:fld>
+            <a:endParaRPr kumimoji="1" lang="zh-CN" altLang="en-US"/>
+          </a:p>
+        </p:txBody>
+      </p:sp>
+    </p:spTree>
+    <p:extLst>
+      <p:ext uri="{BB962C8B-B14F-4D97-AF65-F5344CB8AC3E}">
+        <p14:creationId xmlns:p14="http://schemas.microsoft.com/office/powerpoint/2010/main" val="3572666140"/>
+      </p:ext>
+    </p:extLst>
+  </p:cSld>
+  <p:clrMapOvr>
+    <a:masterClrMapping/>
+  </p:clrMapOvr>
+</p:notes>
+</file>
+
+<file path=ppt/notesSlides/notesSlide6.xml><?xml version="1.0" encoding="utf-8"?>
+<p:notes xmlns:a="http://schemas.openxmlformats.org/drawingml/2006/main" xmlns:r="http://schemas.openxmlformats.org/officeDocument/2006/relationships" xmlns:p="http://schemas.openxmlformats.org/presentationml/2006/main">
+  <p:cSld>
+    <p:spTree>
+      <p:nvGrpSpPr>
+        <p:cNvPr id="1" name=""/>
+        <p:cNvGrpSpPr/>
+        <p:nvPr/>
+      </p:nvGrpSpPr>
+      <p:grpSpPr>
+        <a:xfrm>
+          <a:off x="0" y="0"/>
+          <a:ext cx="0" cy="0"/>
+          <a:chOff x="0" y="0"/>
+          <a:chExt cx="0" cy="0"/>
+        </a:xfrm>
+      </p:grpSpPr>
+      <p:sp>
+        <p:nvSpPr>
+          <p:cNvPr id="2" name="幻灯片图像占位符 1"/>
+          <p:cNvSpPr>
+            <a:spLocks noGrp="1" noRot="1" noChangeAspect="1"/>
+          </p:cNvSpPr>
+          <p:nvPr>
+            <p:ph type="sldImg"/>
+          </p:nvPr>
+        </p:nvSpPr>
+        <p:spPr/>
+      </p:sp>
+      <p:sp>
+        <p:nvSpPr>
+          <p:cNvPr id="3" name="备注占位符 2"/>
+          <p:cNvSpPr>
+            <a:spLocks noGrp="1"/>
+          </p:cNvSpPr>
+          <p:nvPr>
+            <p:ph type="body" idx="1"/>
+          </p:nvPr>
+        </p:nvSpPr>
+        <p:spPr/>
+        <p:txBody>
+          <a:bodyPr/>
+          <a:lstStyle/>
+          <a:p>
+            <a:endParaRPr kumimoji="1" lang="zh-CN" altLang="en-US"/>
+          </a:p>
+        </p:txBody>
+      </p:sp>
+      <p:sp>
+        <p:nvSpPr>
+          <p:cNvPr id="4" name="灯片编号占位符 3"/>
+          <p:cNvSpPr>
+            <a:spLocks noGrp="1"/>
+          </p:cNvSpPr>
+          <p:nvPr>
+            <p:ph type="sldNum" sz="quarter" idx="5"/>
+          </p:nvPr>
+        </p:nvSpPr>
+        <p:spPr/>
+        <p:txBody>
+          <a:bodyPr/>
+          <a:lstStyle/>
+          <a:p>
+            <a:fld id="{0F8E57A1-C481-6944-857F-EAC8E932B5ED}" type="slidenum">
+              <a:rPr kumimoji="1" lang="zh-CN" altLang="en-US" smtClean="0"/>
+              <a:t>27</a:t>
+            </a:fld>
+            <a:endParaRPr kumimoji="1" lang="zh-CN" altLang="en-US"/>
+          </a:p>
+        </p:txBody>
+      </p:sp>
+    </p:spTree>
+    <p:extLst>
+      <p:ext uri="{BB962C8B-B14F-4D97-AF65-F5344CB8AC3E}">
+        <p14:creationId xmlns:p14="http://schemas.microsoft.com/office/powerpoint/2010/main" val="3812805568"/>
+      </p:ext>
+    </p:extLst>
+  </p:cSld>
+  <p:clrMapOvr>
+    <a:masterClrMapping/>
+  </p:clrMapOvr>
+</p:notes>
+</file>
+
+<file path=ppt/notesSlides/notesSlide7.xml><?xml version="1.0" encoding="utf-8"?>
+<p:notes xmlns:a="http://schemas.openxmlformats.org/drawingml/2006/main" xmlns:r="http://schemas.openxmlformats.org/officeDocument/2006/relationships" xmlns:p="http://schemas.openxmlformats.org/presentationml/2006/main">
+  <p:cSld>
+    <p:spTree>
+      <p:nvGrpSpPr>
+        <p:cNvPr id="1" name=""/>
+        <p:cNvGrpSpPr/>
+        <p:nvPr/>
+      </p:nvGrpSpPr>
+      <p:grpSpPr>
+        <a:xfrm>
+          <a:off x="0" y="0"/>
+          <a:ext cx="0" cy="0"/>
+          <a:chOff x="0" y="0"/>
+          <a:chExt cx="0" cy="0"/>
+        </a:xfrm>
+      </p:grpSpPr>
+      <p:sp>
+        <p:nvSpPr>
+          <p:cNvPr id="2" name="幻灯片图像占位符 1"/>
+          <p:cNvSpPr>
+            <a:spLocks noGrp="1" noRot="1" noChangeAspect="1"/>
+          </p:cNvSpPr>
+          <p:nvPr>
+            <p:ph type="sldImg"/>
+          </p:nvPr>
+        </p:nvSpPr>
+        <p:spPr/>
+      </p:sp>
+      <p:sp>
+        <p:nvSpPr>
+          <p:cNvPr id="3" name="备注占位符 2"/>
+          <p:cNvSpPr>
+            <a:spLocks noGrp="1"/>
+          </p:cNvSpPr>
+          <p:nvPr>
+            <p:ph type="body" idx="1"/>
+          </p:nvPr>
+        </p:nvSpPr>
+        <p:spPr/>
+        <p:txBody>
+          <a:bodyPr/>
+          <a:lstStyle/>
+          <a:p>
+            <a:endParaRPr kumimoji="1" lang="zh-CN" altLang="en-US" dirty="0"/>
+          </a:p>
+        </p:txBody>
+      </p:sp>
+      <p:sp>
+        <p:nvSpPr>
+          <p:cNvPr id="4" name="灯片编号占位符 3"/>
+          <p:cNvSpPr>
+            <a:spLocks noGrp="1"/>
+          </p:cNvSpPr>
+          <p:nvPr>
+            <p:ph type="sldNum" sz="quarter" idx="5"/>
+          </p:nvPr>
+        </p:nvSpPr>
+        <p:spPr/>
+        <p:txBody>
+          <a:bodyPr/>
+          <a:lstStyle/>
+          <a:p>
+            <a:fld id="{0F8E57A1-C481-6944-857F-EAC8E932B5ED}" type="slidenum">
+              <a:rPr kumimoji="1" lang="zh-CN" altLang="en-US" smtClean="0"/>
+              <a:t>28</a:t>
             </a:fld>
             <a:endParaRPr kumimoji="1" lang="zh-CN" altLang="en-US"/>
           </a:p>
@@ -918,7 +1314,7 @@
           <a:p>
             <a:fld id="{1C49BB65-7B3F-4D4E-A397-BBFD82890A5A}" type="datetimeFigureOut">
               <a:rPr kumimoji="1" lang="zh-CN" altLang="en-US" smtClean="0"/>
-              <a:t>2019/12/10</a:t>
+              <a:t>2020/5/12</a:t>
             </a:fld>
             <a:endParaRPr kumimoji="1" lang="zh-CN" altLang="en-US"/>
           </a:p>
@@ -1116,7 +1512,7 @@
           <a:p>
             <a:fld id="{1C49BB65-7B3F-4D4E-A397-BBFD82890A5A}" type="datetimeFigureOut">
               <a:rPr kumimoji="1" lang="zh-CN" altLang="en-US" smtClean="0"/>
-              <a:t>2019/12/10</a:t>
+              <a:t>2020/5/12</a:t>
             </a:fld>
             <a:endParaRPr kumimoji="1" lang="zh-CN" altLang="en-US"/>
           </a:p>
@@ -1324,7 +1720,7 @@
           <a:p>
             <a:fld id="{1C49BB65-7B3F-4D4E-A397-BBFD82890A5A}" type="datetimeFigureOut">
               <a:rPr kumimoji="1" lang="zh-CN" altLang="en-US" smtClean="0"/>
-              <a:t>2019/12/10</a:t>
+              <a:t>2020/5/12</a:t>
             </a:fld>
             <a:endParaRPr kumimoji="1" lang="zh-CN" altLang="en-US"/>
           </a:p>
@@ -1522,7 +1918,7 @@
           <a:p>
             <a:fld id="{1C49BB65-7B3F-4D4E-A397-BBFD82890A5A}" type="datetimeFigureOut">
               <a:rPr kumimoji="1" lang="zh-CN" altLang="en-US" smtClean="0"/>
-              <a:t>2019/12/10</a:t>
+              <a:t>2020/5/12</a:t>
             </a:fld>
             <a:endParaRPr kumimoji="1" lang="zh-CN" altLang="en-US"/>
           </a:p>
@@ -1797,7 +2193,7 @@
           <a:p>
             <a:fld id="{1C49BB65-7B3F-4D4E-A397-BBFD82890A5A}" type="datetimeFigureOut">
               <a:rPr kumimoji="1" lang="zh-CN" altLang="en-US" smtClean="0"/>
-              <a:t>2019/12/10</a:t>
+              <a:t>2020/5/12</a:t>
             </a:fld>
             <a:endParaRPr kumimoji="1" lang="zh-CN" altLang="en-US"/>
           </a:p>
@@ -2062,7 +2458,7 @@
           <a:p>
             <a:fld id="{1C49BB65-7B3F-4D4E-A397-BBFD82890A5A}" type="datetimeFigureOut">
               <a:rPr kumimoji="1" lang="zh-CN" altLang="en-US" smtClean="0"/>
-              <a:t>2019/12/10</a:t>
+              <a:t>2020/5/12</a:t>
             </a:fld>
             <a:endParaRPr kumimoji="1" lang="zh-CN" altLang="en-US"/>
           </a:p>
@@ -2474,7 +2870,7 @@
           <a:p>
             <a:fld id="{1C49BB65-7B3F-4D4E-A397-BBFD82890A5A}" type="datetimeFigureOut">
               <a:rPr kumimoji="1" lang="zh-CN" altLang="en-US" smtClean="0"/>
-              <a:t>2019/12/10</a:t>
+              <a:t>2020/5/12</a:t>
             </a:fld>
             <a:endParaRPr kumimoji="1" lang="zh-CN" altLang="en-US"/>
           </a:p>
@@ -2615,7 +3011,7 @@
           <a:p>
             <a:fld id="{1C49BB65-7B3F-4D4E-A397-BBFD82890A5A}" type="datetimeFigureOut">
               <a:rPr kumimoji="1" lang="zh-CN" altLang="en-US" smtClean="0"/>
-              <a:t>2019/12/10</a:t>
+              <a:t>2020/5/12</a:t>
             </a:fld>
             <a:endParaRPr kumimoji="1" lang="zh-CN" altLang="en-US"/>
           </a:p>
@@ -2985,7 +3381,7 @@
           <a:p>
             <a:fld id="{1C49BB65-7B3F-4D4E-A397-BBFD82890A5A}" type="datetimeFigureOut">
               <a:rPr kumimoji="1" lang="zh-CN" altLang="en-US" smtClean="0"/>
-              <a:t>2019/12/10</a:t>
+              <a:t>2020/5/12</a:t>
             </a:fld>
             <a:endParaRPr kumimoji="1" lang="zh-CN" altLang="en-US"/>
           </a:p>
@@ -3273,7 +3669,7 @@
           <a:p>
             <a:fld id="{1C49BB65-7B3F-4D4E-A397-BBFD82890A5A}" type="datetimeFigureOut">
               <a:rPr kumimoji="1" lang="zh-CN" altLang="en-US" smtClean="0"/>
-              <a:t>2019/12/10</a:t>
+              <a:t>2020/5/12</a:t>
             </a:fld>
             <a:endParaRPr kumimoji="1" lang="zh-CN" altLang="en-US"/>
           </a:p>
@@ -3514,7 +3910,7 @@
           <a:p>
             <a:fld id="{1C49BB65-7B3F-4D4E-A397-BBFD82890A5A}" type="datetimeFigureOut">
               <a:rPr kumimoji="1" lang="zh-CN" altLang="en-US" smtClean="0"/>
-              <a:t>2019/12/10</a:t>
+              <a:t>2020/5/12</a:t>
             </a:fld>
             <a:endParaRPr kumimoji="1" lang="zh-CN" altLang="en-US"/>
           </a:p>
@@ -4076,6 +4472,20 @@
               </a:rPr>
               <a:t>第四节课 查找</a:t>
             </a:r>
+            <a:r>
+              <a:rPr kumimoji="1" lang="en-US" altLang="zh-CN" sz="4000" dirty="0">
+                <a:latin typeface="Microsoft YaHei" panose="020B0503020204020204" pitchFamily="34" charset="-122"/>
+                <a:ea typeface="Microsoft YaHei" panose="020B0503020204020204" pitchFamily="34" charset="-122"/>
+              </a:rPr>
+              <a:t>/</a:t>
+            </a:r>
+            <a:r>
+              <a:rPr kumimoji="1" lang="zh-CN" altLang="en-US" sz="4000" dirty="0">
+                <a:latin typeface="Microsoft YaHei" panose="020B0503020204020204" pitchFamily="34" charset="-122"/>
+                <a:ea typeface="Microsoft YaHei" panose="020B0503020204020204" pitchFamily="34" charset="-122"/>
+              </a:rPr>
+              <a:t>搜索</a:t>
+            </a:r>
           </a:p>
         </p:txBody>
       </p:sp>
@@ -4093,6 +4503,2975 @@
 </file>
 
 <file path=ppt/slides/slide10.xml><?xml version="1.0" encoding="utf-8"?>
+<p:sld xmlns:a="http://schemas.openxmlformats.org/drawingml/2006/main" xmlns:r="http://schemas.openxmlformats.org/officeDocument/2006/relationships" xmlns:p="http://schemas.openxmlformats.org/presentationml/2006/main">
+  <p:cSld>
+    <p:bg>
+      <p:bgPr>
+        <a:blipFill>
+          <a:blip r:embed="rId2"/>
+          <a:tile tx="0" ty="0" sx="100000" sy="100000" flip="none" algn="tl"/>
+        </a:blipFill>
+        <a:effectLst/>
+      </p:bgPr>
+    </p:bg>
+    <p:spTree>
+      <p:nvGrpSpPr>
+        <p:cNvPr id="1" name=""/>
+        <p:cNvGrpSpPr/>
+        <p:nvPr/>
+      </p:nvGrpSpPr>
+      <p:grpSpPr>
+        <a:xfrm>
+          <a:off x="0" y="0"/>
+          <a:ext cx="0" cy="0"/>
+          <a:chOff x="0" y="0"/>
+          <a:chExt cx="0" cy="0"/>
+        </a:xfrm>
+      </p:grpSpPr>
+      <p:sp>
+        <p:nvSpPr>
+          <p:cNvPr id="3" name="文本框 2">
+            <a:extLst>
+              <a:ext uri="{FF2B5EF4-FFF2-40B4-BE49-F238E27FC236}">
+                <a16:creationId xmlns:a16="http://schemas.microsoft.com/office/drawing/2014/main" id="{62BFC649-BF8E-2841-8EAF-47AFBF9D6671}"/>
+              </a:ext>
+            </a:extLst>
+          </p:cNvPr>
+          <p:cNvSpPr txBox="1"/>
+          <p:nvPr/>
+        </p:nvSpPr>
+        <p:spPr>
+          <a:xfrm>
+            <a:off x="2054352" y="630545"/>
+            <a:ext cx="8083296" cy="830997"/>
+          </a:xfrm>
+          <a:prstGeom prst="rect">
+            <a:avLst/>
+          </a:prstGeom>
+          <a:noFill/>
+        </p:spPr>
+        <p:txBody>
+          <a:bodyPr wrap="square" rtlCol="0">
+            <a:spAutoFit/>
+          </a:bodyPr>
+          <a:lstStyle/>
+          <a:p>
+            <a:pPr algn="ctr"/>
+            <a:r>
+              <a:rPr kumimoji="1" lang="en-US" altLang="zh-CN" sz="4800" dirty="0">
+                <a:latin typeface="Microsoft YaHei" panose="020B0503020204020204" pitchFamily="34" charset="-122"/>
+                <a:ea typeface="Microsoft YaHei" panose="020B0503020204020204" pitchFamily="34" charset="-122"/>
+              </a:rPr>
+              <a:t>2.1</a:t>
+            </a:r>
+            <a:r>
+              <a:rPr kumimoji="1" lang="zh-CN" altLang="en-US" sz="4800" dirty="0">
+                <a:latin typeface="Microsoft YaHei" panose="020B0503020204020204" pitchFamily="34" charset="-122"/>
+                <a:ea typeface="Microsoft YaHei" panose="020B0503020204020204" pitchFamily="34" charset="-122"/>
+              </a:rPr>
+              <a:t> 顺序查找算法优化</a:t>
+            </a:r>
+          </a:p>
+        </p:txBody>
+      </p:sp>
+      <p:sp>
+        <p:nvSpPr>
+          <p:cNvPr id="5" name="文本框 4">
+            <a:extLst>
+              <a:ext uri="{FF2B5EF4-FFF2-40B4-BE49-F238E27FC236}">
+                <a16:creationId xmlns:a16="http://schemas.microsoft.com/office/drawing/2014/main" id="{716EF87F-34AF-2743-A959-49DA0A8C9A0B}"/>
+              </a:ext>
+            </a:extLst>
+          </p:cNvPr>
+          <p:cNvSpPr txBox="1"/>
+          <p:nvPr/>
+        </p:nvSpPr>
+        <p:spPr>
+          <a:xfrm>
+            <a:off x="969831" y="3429000"/>
+            <a:ext cx="2169042" cy="1938992"/>
+          </a:xfrm>
+          <a:prstGeom prst="rect">
+            <a:avLst/>
+          </a:prstGeom>
+          <a:solidFill>
+            <a:schemeClr val="accent2"/>
+          </a:solidFill>
+        </p:spPr>
+        <p:txBody>
+          <a:bodyPr wrap="square" rtlCol="0">
+            <a:spAutoFit/>
+          </a:bodyPr>
+          <a:lstStyle/>
+          <a:p>
+            <a:r>
+              <a:rPr kumimoji="1" lang="zh-CN" altLang="en-US" sz="2400" dirty="0">
+                <a:solidFill>
+                  <a:schemeClr val="bg1"/>
+                </a:solidFill>
+                <a:latin typeface="Microsoft YaHei" panose="020B0503020204020204" pitchFamily="34" charset="-122"/>
+                <a:ea typeface="Microsoft YaHei" panose="020B0503020204020204" pitchFamily="34" charset="-122"/>
+              </a:rPr>
+              <a:t>设置一个哨兵</a:t>
+            </a:r>
+            <a:r>
+              <a:rPr kumimoji="1" lang="en-US" altLang="zh-CN" sz="2400" dirty="0">
+                <a:solidFill>
+                  <a:schemeClr val="bg1"/>
+                </a:solidFill>
+                <a:latin typeface="Microsoft YaHei" panose="020B0503020204020204" pitchFamily="34" charset="-122"/>
+                <a:ea typeface="Microsoft YaHei" panose="020B0503020204020204" pitchFamily="34" charset="-122"/>
+              </a:rPr>
+              <a:t>a[0]</a:t>
+            </a:r>
+            <a:r>
+              <a:rPr kumimoji="1" lang="zh-CN" altLang="en-US" sz="2400" dirty="0">
+                <a:solidFill>
+                  <a:schemeClr val="bg1"/>
+                </a:solidFill>
+                <a:latin typeface="Microsoft YaHei" panose="020B0503020204020204" pitchFamily="34" charset="-122"/>
+                <a:ea typeface="Microsoft YaHei" panose="020B0503020204020204" pitchFamily="34" charset="-122"/>
+              </a:rPr>
+              <a:t>，可以减少每次判断是否出界的比较消耗</a:t>
+            </a:r>
+            <a:endParaRPr kumimoji="1" lang="zh-CN" altLang="en-US" sz="2400" dirty="0">
+              <a:solidFill>
+                <a:schemeClr val="bg1"/>
+              </a:solidFill>
+            </a:endParaRPr>
+          </a:p>
+        </p:txBody>
+      </p:sp>
+      <p:pic>
+        <p:nvPicPr>
+          <p:cNvPr id="6" name="图片 5">
+            <a:extLst>
+              <a:ext uri="{FF2B5EF4-FFF2-40B4-BE49-F238E27FC236}">
+                <a16:creationId xmlns:a16="http://schemas.microsoft.com/office/drawing/2014/main" id="{D34844F0-F911-A44F-A397-3F8751590AB9}"/>
+              </a:ext>
+            </a:extLst>
+          </p:cNvPr>
+          <p:cNvPicPr>
+            <a:picLocks noChangeAspect="1"/>
+          </p:cNvPicPr>
+          <p:nvPr/>
+        </p:nvPicPr>
+        <p:blipFill>
+          <a:blip r:embed="rId3"/>
+          <a:stretch>
+            <a:fillRect/>
+          </a:stretch>
+        </p:blipFill>
+        <p:spPr>
+          <a:xfrm>
+            <a:off x="5666711" y="2010896"/>
+            <a:ext cx="4686300" cy="4775200"/>
+          </a:xfrm>
+          <a:prstGeom prst="rect">
+            <a:avLst/>
+          </a:prstGeom>
+        </p:spPr>
+      </p:pic>
+    </p:spTree>
+    <p:extLst>
+      <p:ext uri="{BB962C8B-B14F-4D97-AF65-F5344CB8AC3E}">
+        <p14:creationId xmlns:p14="http://schemas.microsoft.com/office/powerpoint/2010/main" val="1266990937"/>
+      </p:ext>
+    </p:extLst>
+  </p:cSld>
+  <p:clrMapOvr>
+    <a:masterClrMapping/>
+  </p:clrMapOvr>
+</p:sld>
+</file>
+
+<file path=ppt/slides/slide11.xml><?xml version="1.0" encoding="utf-8"?>
+<p:sld xmlns:a="http://schemas.openxmlformats.org/drawingml/2006/main" xmlns:r="http://schemas.openxmlformats.org/officeDocument/2006/relationships" xmlns:p="http://schemas.openxmlformats.org/presentationml/2006/main">
+  <p:cSld>
+    <p:bg>
+      <p:bgPr>
+        <a:blipFill>
+          <a:blip r:embed="rId2"/>
+          <a:tile tx="0" ty="0" sx="100000" sy="100000" flip="none" algn="tl"/>
+        </a:blipFill>
+        <a:effectLst/>
+      </p:bgPr>
+    </p:bg>
+    <p:spTree>
+      <p:nvGrpSpPr>
+        <p:cNvPr id="1" name=""/>
+        <p:cNvGrpSpPr/>
+        <p:nvPr/>
+      </p:nvGrpSpPr>
+      <p:grpSpPr>
+        <a:xfrm>
+          <a:off x="0" y="0"/>
+          <a:ext cx="0" cy="0"/>
+          <a:chOff x="0" y="0"/>
+          <a:chExt cx="0" cy="0"/>
+        </a:xfrm>
+      </p:grpSpPr>
+      <p:sp>
+        <p:nvSpPr>
+          <p:cNvPr id="3" name="文本框 2">
+            <a:extLst>
+              <a:ext uri="{FF2B5EF4-FFF2-40B4-BE49-F238E27FC236}">
+                <a16:creationId xmlns:a16="http://schemas.microsoft.com/office/drawing/2014/main" id="{62BFC649-BF8E-2841-8EAF-47AFBF9D6671}"/>
+              </a:ext>
+            </a:extLst>
+          </p:cNvPr>
+          <p:cNvSpPr txBox="1"/>
+          <p:nvPr/>
+        </p:nvSpPr>
+        <p:spPr>
+          <a:xfrm>
+            <a:off x="2054352" y="630545"/>
+            <a:ext cx="8083296" cy="830997"/>
+          </a:xfrm>
+          <a:prstGeom prst="rect">
+            <a:avLst/>
+          </a:prstGeom>
+          <a:noFill/>
+        </p:spPr>
+        <p:txBody>
+          <a:bodyPr wrap="square" rtlCol="0">
+            <a:spAutoFit/>
+          </a:bodyPr>
+          <a:lstStyle/>
+          <a:p>
+            <a:pPr algn="ctr"/>
+            <a:r>
+              <a:rPr kumimoji="1" lang="en-US" altLang="zh-CN" sz="4800" dirty="0">
+                <a:latin typeface="Microsoft YaHei" panose="020B0503020204020204" pitchFamily="34" charset="-122"/>
+                <a:ea typeface="Microsoft YaHei" panose="020B0503020204020204" pitchFamily="34" charset="-122"/>
+              </a:rPr>
+              <a:t>2.2</a:t>
+            </a:r>
+            <a:r>
+              <a:rPr kumimoji="1" lang="zh-CN" altLang="en-US" sz="4800" dirty="0">
+                <a:latin typeface="Microsoft YaHei" panose="020B0503020204020204" pitchFamily="34" charset="-122"/>
+                <a:ea typeface="Microsoft YaHei" panose="020B0503020204020204" pitchFamily="34" charset="-122"/>
+              </a:rPr>
+              <a:t> 有序表查找</a:t>
+            </a:r>
+          </a:p>
+        </p:txBody>
+      </p:sp>
+      <p:sp>
+        <p:nvSpPr>
+          <p:cNvPr id="8" name="文本框 7">
+            <a:extLst>
+              <a:ext uri="{FF2B5EF4-FFF2-40B4-BE49-F238E27FC236}">
+                <a16:creationId xmlns:a16="http://schemas.microsoft.com/office/drawing/2014/main" id="{75D7D6ED-43A8-DC4B-84B6-AB03F6270117}"/>
+              </a:ext>
+            </a:extLst>
+          </p:cNvPr>
+          <p:cNvSpPr txBox="1"/>
+          <p:nvPr/>
+        </p:nvSpPr>
+        <p:spPr>
+          <a:xfrm>
+            <a:off x="1832197" y="2736502"/>
+            <a:ext cx="8527606" cy="1955151"/>
+          </a:xfrm>
+          <a:prstGeom prst="rect">
+            <a:avLst/>
+          </a:prstGeom>
+          <a:noFill/>
+        </p:spPr>
+        <p:txBody>
+          <a:bodyPr wrap="square" rtlCol="0">
+            <a:spAutoFit/>
+          </a:bodyPr>
+          <a:lstStyle/>
+          <a:p>
+            <a:pPr marL="457200" indent="-457200">
+              <a:lnSpc>
+                <a:spcPct val="150000"/>
+              </a:lnSpc>
+              <a:buFont typeface="Arial" panose="020B0604020202020204" pitchFamily="34" charset="0"/>
+              <a:buChar char="•"/>
+            </a:pPr>
+            <a:r>
+              <a:rPr kumimoji="1" lang="zh-CN" altLang="en-US" sz="2800" dirty="0">
+                <a:latin typeface="Microsoft YaHei" panose="020B0503020204020204" pitchFamily="34" charset="-122"/>
+                <a:ea typeface="Microsoft YaHei" panose="020B0503020204020204" pitchFamily="34" charset="-122"/>
+              </a:rPr>
+              <a:t>顺序表查找中，表中的元素是任意顺序的</a:t>
+            </a:r>
+            <a:endParaRPr kumimoji="1" lang="en-US" altLang="zh-CN" sz="2800" dirty="0">
+              <a:latin typeface="Microsoft YaHei" panose="020B0503020204020204" pitchFamily="34" charset="-122"/>
+              <a:ea typeface="Microsoft YaHei" panose="020B0503020204020204" pitchFamily="34" charset="-122"/>
+            </a:endParaRPr>
+          </a:p>
+          <a:p>
+            <a:pPr marL="457200" indent="-457200">
+              <a:lnSpc>
+                <a:spcPct val="150000"/>
+              </a:lnSpc>
+              <a:buFont typeface="Arial" panose="020B0604020202020204" pitchFamily="34" charset="0"/>
+              <a:buChar char="•"/>
+            </a:pPr>
+            <a:r>
+              <a:rPr kumimoji="1" lang="zh-CN" altLang="en-US" sz="2800" dirty="0">
+                <a:latin typeface="Microsoft YaHei" panose="020B0503020204020204" pitchFamily="34" charset="-122"/>
+                <a:ea typeface="Microsoft YaHei" panose="020B0503020204020204" pitchFamily="34" charset="-122"/>
+              </a:rPr>
+              <a:t>有序表中，查找之前有一个</a:t>
+            </a:r>
+            <a:r>
+              <a:rPr kumimoji="1" lang="zh-CN" altLang="en-US" sz="2800" b="1" u="sng" dirty="0">
+                <a:latin typeface="Microsoft YaHei" panose="020B0503020204020204" pitchFamily="34" charset="-122"/>
+                <a:ea typeface="Microsoft YaHei" panose="020B0503020204020204" pitchFamily="34" charset="-122"/>
+              </a:rPr>
+              <a:t>前提</a:t>
+            </a:r>
+            <a:r>
+              <a:rPr kumimoji="1" lang="en-US" altLang="zh-CN" sz="2800" b="1" u="sng" dirty="0">
+                <a:latin typeface="Microsoft YaHei" panose="020B0503020204020204" pitchFamily="34" charset="-122"/>
+                <a:ea typeface="Microsoft YaHei" panose="020B0503020204020204" pitchFamily="34" charset="-122"/>
+              </a:rPr>
+              <a:t>---</a:t>
+            </a:r>
+            <a:r>
+              <a:rPr kumimoji="1" lang="zh-CN" altLang="en-US" sz="2800" b="1" u="sng" dirty="0">
+                <a:latin typeface="Microsoft YaHei" panose="020B0503020204020204" pitchFamily="34" charset="-122"/>
+                <a:ea typeface="Microsoft YaHei" panose="020B0503020204020204" pitchFamily="34" charset="-122"/>
+              </a:rPr>
+              <a:t>这个表是有序的</a:t>
+            </a:r>
+            <a:r>
+              <a:rPr kumimoji="1" lang="en-US" altLang="zh-CN" sz="2800" b="1" u="sng" dirty="0">
+                <a:latin typeface="Microsoft YaHei" panose="020B0503020204020204" pitchFamily="34" charset="-122"/>
+                <a:ea typeface="Microsoft YaHei" panose="020B0503020204020204" pitchFamily="34" charset="-122"/>
+              </a:rPr>
+              <a:t>(</a:t>
+            </a:r>
+            <a:r>
+              <a:rPr kumimoji="1" lang="zh-CN" altLang="en-US" sz="2800" b="1" u="sng" dirty="0">
+                <a:latin typeface="Microsoft YaHei" panose="020B0503020204020204" pitchFamily="34" charset="-122"/>
+                <a:ea typeface="Microsoft YaHei" panose="020B0503020204020204" pitchFamily="34" charset="-122"/>
+              </a:rPr>
+              <a:t>比如升序，或者降序排列</a:t>
+            </a:r>
+            <a:r>
+              <a:rPr kumimoji="1" lang="en-US" altLang="zh-CN" sz="2800" b="1" u="sng" dirty="0">
+                <a:latin typeface="Microsoft YaHei" panose="020B0503020204020204" pitchFamily="34" charset="-122"/>
+                <a:ea typeface="Microsoft YaHei" panose="020B0503020204020204" pitchFamily="34" charset="-122"/>
+              </a:rPr>
+              <a:t>)</a:t>
+            </a:r>
+            <a:endParaRPr kumimoji="1" lang="zh-CN" altLang="en-US" sz="2800" b="1" u="sng" dirty="0">
+              <a:latin typeface="微软雅黑" panose="020B0503020204020204" pitchFamily="34" charset="-122"/>
+              <a:ea typeface="Microsoft YaHei" panose="020B0503020204020204" pitchFamily="34" charset="-122"/>
+            </a:endParaRPr>
+          </a:p>
+        </p:txBody>
+      </p:sp>
+    </p:spTree>
+    <p:extLst>
+      <p:ext uri="{BB962C8B-B14F-4D97-AF65-F5344CB8AC3E}">
+        <p14:creationId xmlns:p14="http://schemas.microsoft.com/office/powerpoint/2010/main" val="1905025376"/>
+      </p:ext>
+    </p:extLst>
+  </p:cSld>
+  <p:clrMapOvr>
+    <a:masterClrMapping/>
+  </p:clrMapOvr>
+</p:sld>
+</file>
+
+<file path=ppt/slides/slide12.xml><?xml version="1.0" encoding="utf-8"?>
+<p:sld xmlns:a="http://schemas.openxmlformats.org/drawingml/2006/main" xmlns:r="http://schemas.openxmlformats.org/officeDocument/2006/relationships" xmlns:p="http://schemas.openxmlformats.org/presentationml/2006/main">
+  <p:cSld>
+    <p:bg>
+      <p:bgPr>
+        <a:blipFill>
+          <a:blip r:embed="rId2"/>
+          <a:tile tx="0" ty="0" sx="100000" sy="100000" flip="none" algn="tl"/>
+        </a:blipFill>
+        <a:effectLst/>
+      </p:bgPr>
+    </p:bg>
+    <p:spTree>
+      <p:nvGrpSpPr>
+        <p:cNvPr id="1" name=""/>
+        <p:cNvGrpSpPr/>
+        <p:nvPr/>
+      </p:nvGrpSpPr>
+      <p:grpSpPr>
+        <a:xfrm>
+          <a:off x="0" y="0"/>
+          <a:ext cx="0" cy="0"/>
+          <a:chOff x="0" y="0"/>
+          <a:chExt cx="0" cy="0"/>
+        </a:xfrm>
+      </p:grpSpPr>
+      <p:sp>
+        <p:nvSpPr>
+          <p:cNvPr id="3" name="文本框 2">
+            <a:extLst>
+              <a:ext uri="{FF2B5EF4-FFF2-40B4-BE49-F238E27FC236}">
+                <a16:creationId xmlns:a16="http://schemas.microsoft.com/office/drawing/2014/main" id="{62BFC649-BF8E-2841-8EAF-47AFBF9D6671}"/>
+              </a:ext>
+            </a:extLst>
+          </p:cNvPr>
+          <p:cNvSpPr txBox="1"/>
+          <p:nvPr/>
+        </p:nvSpPr>
+        <p:spPr>
+          <a:xfrm>
+            <a:off x="255181" y="616688"/>
+            <a:ext cx="11015331" cy="830997"/>
+          </a:xfrm>
+          <a:prstGeom prst="rect">
+            <a:avLst/>
+          </a:prstGeom>
+          <a:noFill/>
+        </p:spPr>
+        <p:txBody>
+          <a:bodyPr wrap="square" rtlCol="0">
+            <a:spAutoFit/>
+          </a:bodyPr>
+          <a:lstStyle/>
+          <a:p>
+            <a:pPr algn="ctr"/>
+            <a:r>
+              <a:rPr kumimoji="1" lang="en-US" altLang="zh-CN" sz="4800" dirty="0">
+                <a:latin typeface="Microsoft YaHei" panose="020B0503020204020204" pitchFamily="34" charset="-122"/>
+                <a:ea typeface="Microsoft YaHei" panose="020B0503020204020204" pitchFamily="34" charset="-122"/>
+              </a:rPr>
+              <a:t>2.2</a:t>
+            </a:r>
+            <a:r>
+              <a:rPr kumimoji="1" lang="zh-CN" altLang="en-US" sz="4800" dirty="0">
+                <a:latin typeface="Microsoft YaHei" panose="020B0503020204020204" pitchFamily="34" charset="-122"/>
+                <a:ea typeface="Microsoft YaHei" panose="020B0503020204020204" pitchFamily="34" charset="-122"/>
+              </a:rPr>
+              <a:t>  硬件基础</a:t>
+            </a:r>
+            <a:r>
+              <a:rPr kumimoji="1" lang="en-US" altLang="zh-CN" sz="4800" dirty="0">
+                <a:latin typeface="Microsoft YaHei" panose="020B0503020204020204" pitchFamily="34" charset="-122"/>
+                <a:ea typeface="Microsoft YaHei" panose="020B0503020204020204" pitchFamily="34" charset="-122"/>
+              </a:rPr>
+              <a:t>---</a:t>
+            </a:r>
+            <a:r>
+              <a:rPr kumimoji="1" lang="zh-CN" altLang="en-US" sz="4800" dirty="0">
+                <a:latin typeface="Microsoft YaHei" panose="020B0503020204020204" pitchFamily="34" charset="-122"/>
+                <a:ea typeface="Microsoft YaHei" panose="020B0503020204020204" pitchFamily="34" charset="-122"/>
+              </a:rPr>
+              <a:t>主频和运行时间的关系</a:t>
+            </a:r>
+          </a:p>
+        </p:txBody>
+      </p:sp>
+      <p:sp>
+        <p:nvSpPr>
+          <p:cNvPr id="8" name="文本框 7">
+            <a:extLst>
+              <a:ext uri="{FF2B5EF4-FFF2-40B4-BE49-F238E27FC236}">
+                <a16:creationId xmlns:a16="http://schemas.microsoft.com/office/drawing/2014/main" id="{75D7D6ED-43A8-DC4B-84B6-AB03F6270117}"/>
+              </a:ext>
+            </a:extLst>
+          </p:cNvPr>
+          <p:cNvSpPr txBox="1"/>
+          <p:nvPr/>
+        </p:nvSpPr>
+        <p:spPr>
+          <a:xfrm>
+            <a:off x="1640811" y="1814572"/>
+            <a:ext cx="8527606" cy="3351046"/>
+          </a:xfrm>
+          <a:prstGeom prst="rect">
+            <a:avLst/>
+          </a:prstGeom>
+          <a:noFill/>
+        </p:spPr>
+        <p:txBody>
+          <a:bodyPr wrap="square" rtlCol="0">
+            <a:spAutoFit/>
+          </a:bodyPr>
+          <a:lstStyle/>
+          <a:p>
+            <a:pPr marL="342900" indent="-342900">
+              <a:lnSpc>
+                <a:spcPct val="150000"/>
+              </a:lnSpc>
+              <a:buFont typeface="Arial" panose="020B0604020202020204" pitchFamily="34" charset="0"/>
+              <a:buChar char="•"/>
+            </a:pPr>
+            <a:r>
+              <a:rPr kumimoji="1" lang="en-US" altLang="zh-CN" sz="2400" dirty="0">
+                <a:latin typeface="Microsoft YaHei" panose="020B0503020204020204" pitchFamily="34" charset="-122"/>
+                <a:ea typeface="Microsoft YaHei" panose="020B0503020204020204" pitchFamily="34" charset="-122"/>
+              </a:rPr>
+              <a:t>CPU</a:t>
+            </a:r>
+            <a:r>
+              <a:rPr kumimoji="1" lang="zh-CN" altLang="en-US" sz="2400" dirty="0">
+                <a:latin typeface="Microsoft YaHei" panose="020B0503020204020204" pitchFamily="34" charset="-122"/>
+                <a:ea typeface="Microsoft YaHei" panose="020B0503020204020204" pitchFamily="34" charset="-122"/>
+              </a:rPr>
+              <a:t>都有主频，频率代表着处理速度，代表着单位时间处理量的高低，一般来说越高越好，它的倒数</a:t>
+            </a:r>
+            <a:r>
+              <a:rPr kumimoji="1" lang="en-US" altLang="zh-CN" sz="2400" dirty="0">
+                <a:latin typeface="Microsoft YaHei" panose="020B0503020204020204" pitchFamily="34" charset="-122"/>
+                <a:ea typeface="Microsoft YaHei" panose="020B0503020204020204" pitchFamily="34" charset="-122"/>
+              </a:rPr>
+              <a:t>(1/</a:t>
+            </a:r>
+            <a:r>
+              <a:rPr kumimoji="1" lang="zh-CN" altLang="en-US" sz="2400" dirty="0">
+                <a:latin typeface="Microsoft YaHei" panose="020B0503020204020204" pitchFamily="34" charset="-122"/>
+                <a:ea typeface="Microsoft YaHei" panose="020B0503020204020204" pitchFamily="34" charset="-122"/>
+              </a:rPr>
+              <a:t>主频）代表了时钟周期</a:t>
+            </a:r>
+            <a:endParaRPr kumimoji="1" lang="en-US" altLang="zh-CN" sz="2400" dirty="0">
+              <a:latin typeface="Microsoft YaHei" panose="020B0503020204020204" pitchFamily="34" charset="-122"/>
+              <a:ea typeface="Microsoft YaHei" panose="020B0503020204020204" pitchFamily="34" charset="-122"/>
+            </a:endParaRPr>
+          </a:p>
+          <a:p>
+            <a:pPr marL="342900" indent="-342900">
+              <a:lnSpc>
+                <a:spcPct val="150000"/>
+              </a:lnSpc>
+              <a:buFont typeface="Arial" panose="020B0604020202020204" pitchFamily="34" charset="0"/>
+              <a:buChar char="•"/>
+            </a:pPr>
+            <a:r>
+              <a:rPr kumimoji="1" lang="zh-CN" altLang="en-US" sz="2400" dirty="0">
+                <a:latin typeface="Microsoft YaHei" panose="020B0503020204020204" pitchFamily="34" charset="-122"/>
+                <a:ea typeface="Microsoft YaHei" panose="020B0503020204020204" pitchFamily="34" charset="-122"/>
+              </a:rPr>
+              <a:t>高级语言的任何语句最终都会转换为汇编和机器指令</a:t>
+            </a:r>
+            <a:endParaRPr kumimoji="1" lang="en-US" altLang="zh-CN" sz="2400" dirty="0">
+              <a:latin typeface="Microsoft YaHei" panose="020B0503020204020204" pitchFamily="34" charset="-122"/>
+              <a:ea typeface="Microsoft YaHei" panose="020B0503020204020204" pitchFamily="34" charset="-122"/>
+            </a:endParaRPr>
+          </a:p>
+          <a:p>
+            <a:pPr marL="342900" indent="-342900">
+              <a:lnSpc>
+                <a:spcPct val="150000"/>
+              </a:lnSpc>
+              <a:buFont typeface="Arial" panose="020B0604020202020204" pitchFamily="34" charset="0"/>
+              <a:buChar char="•"/>
+            </a:pPr>
+            <a:r>
+              <a:rPr kumimoji="1" lang="zh-CN" altLang="en-US" sz="2400" dirty="0">
+                <a:latin typeface="Microsoft YaHei" panose="020B0503020204020204" pitchFamily="34" charset="-122"/>
+                <a:ea typeface="Microsoft YaHei" panose="020B0503020204020204" pitchFamily="34" charset="-122"/>
+              </a:rPr>
+              <a:t>每条指令执行的时间都是以</a:t>
+            </a:r>
+            <a:r>
+              <a:rPr kumimoji="1" lang="en-US" altLang="zh-CN" sz="2400" dirty="0" err="1">
+                <a:latin typeface="Microsoft YaHei" panose="020B0503020204020204" pitchFamily="34" charset="-122"/>
+                <a:ea typeface="Microsoft YaHei" panose="020B0503020204020204" pitchFamily="34" charset="-122"/>
+              </a:rPr>
+              <a:t>cpu</a:t>
+            </a:r>
+            <a:r>
+              <a:rPr kumimoji="1" lang="zh-CN" altLang="en-US" sz="2400" dirty="0">
+                <a:latin typeface="Microsoft YaHei" panose="020B0503020204020204" pitchFamily="34" charset="-122"/>
+                <a:ea typeface="Microsoft YaHei" panose="020B0503020204020204" pitchFamily="34" charset="-122"/>
+              </a:rPr>
+              <a:t>的时钟周期为基本单位，比如一条</a:t>
+            </a:r>
+            <a:r>
+              <a:rPr kumimoji="1" lang="en-US" altLang="zh-CN" sz="2400" dirty="0">
+                <a:latin typeface="Microsoft YaHei" panose="020B0503020204020204" pitchFamily="34" charset="-122"/>
+                <a:ea typeface="Microsoft YaHei" panose="020B0503020204020204" pitchFamily="34" charset="-122"/>
+              </a:rPr>
+              <a:t>if</a:t>
+            </a:r>
+            <a:r>
+              <a:rPr kumimoji="1" lang="zh-CN" altLang="en-US" sz="2400" dirty="0">
+                <a:latin typeface="Microsoft YaHei" panose="020B0503020204020204" pitchFamily="34" charset="-122"/>
+                <a:ea typeface="Microsoft YaHei" panose="020B0503020204020204" pitchFamily="34" charset="-122"/>
+              </a:rPr>
+              <a:t>判断语句需要</a:t>
+            </a:r>
+            <a:r>
+              <a:rPr kumimoji="1" lang="en-US" altLang="zh-CN" sz="2400" dirty="0">
+                <a:latin typeface="Microsoft YaHei" panose="020B0503020204020204" pitchFamily="34" charset="-122"/>
+                <a:ea typeface="Microsoft YaHei" panose="020B0503020204020204" pitchFamily="34" charset="-122"/>
+              </a:rPr>
+              <a:t>4</a:t>
+            </a:r>
+            <a:r>
+              <a:rPr kumimoji="1" lang="zh-CN" altLang="en-US" sz="2400" dirty="0">
+                <a:latin typeface="Microsoft YaHei" panose="020B0503020204020204" pitchFamily="34" charset="-122"/>
+                <a:ea typeface="Microsoft YaHei" panose="020B0503020204020204" pitchFamily="34" charset="-122"/>
+              </a:rPr>
+              <a:t>个时钟周期</a:t>
+            </a:r>
+            <a:endParaRPr kumimoji="1" lang="en-US" altLang="zh-CN" sz="2400" dirty="0">
+              <a:latin typeface="Microsoft YaHei" panose="020B0503020204020204" pitchFamily="34" charset="-122"/>
+              <a:ea typeface="Microsoft YaHei" panose="020B0503020204020204" pitchFamily="34" charset="-122"/>
+            </a:endParaRPr>
+          </a:p>
+        </p:txBody>
+      </p:sp>
+    </p:spTree>
+    <p:extLst>
+      <p:ext uri="{BB962C8B-B14F-4D97-AF65-F5344CB8AC3E}">
+        <p14:creationId xmlns:p14="http://schemas.microsoft.com/office/powerpoint/2010/main" val="881192361"/>
+      </p:ext>
+    </p:extLst>
+  </p:cSld>
+  <p:clrMapOvr>
+    <a:masterClrMapping/>
+  </p:clrMapOvr>
+</p:sld>
+</file>
+
+<file path=ppt/slides/slide13.xml><?xml version="1.0" encoding="utf-8"?>
+<p:sld xmlns:a="http://schemas.openxmlformats.org/drawingml/2006/main" xmlns:r="http://schemas.openxmlformats.org/officeDocument/2006/relationships" xmlns:p="http://schemas.openxmlformats.org/presentationml/2006/main">
+  <p:cSld>
+    <p:bg>
+      <p:bgPr>
+        <a:blipFill>
+          <a:blip r:embed="rId2"/>
+          <a:tile tx="0" ty="0" sx="100000" sy="100000" flip="none" algn="tl"/>
+        </a:blipFill>
+        <a:effectLst/>
+      </p:bgPr>
+    </p:bg>
+    <p:spTree>
+      <p:nvGrpSpPr>
+        <p:cNvPr id="1" name=""/>
+        <p:cNvGrpSpPr/>
+        <p:nvPr/>
+      </p:nvGrpSpPr>
+      <p:grpSpPr>
+        <a:xfrm>
+          <a:off x="0" y="0"/>
+          <a:ext cx="0" cy="0"/>
+          <a:chOff x="0" y="0"/>
+          <a:chExt cx="0" cy="0"/>
+        </a:xfrm>
+      </p:grpSpPr>
+      <p:sp>
+        <p:nvSpPr>
+          <p:cNvPr id="3" name="文本框 2">
+            <a:extLst>
+              <a:ext uri="{FF2B5EF4-FFF2-40B4-BE49-F238E27FC236}">
+                <a16:creationId xmlns:a16="http://schemas.microsoft.com/office/drawing/2014/main" id="{62BFC649-BF8E-2841-8EAF-47AFBF9D6671}"/>
+              </a:ext>
+            </a:extLst>
+          </p:cNvPr>
+          <p:cNvSpPr txBox="1"/>
+          <p:nvPr/>
+        </p:nvSpPr>
+        <p:spPr>
+          <a:xfrm>
+            <a:off x="2054352" y="630545"/>
+            <a:ext cx="8083296" cy="830997"/>
+          </a:xfrm>
+          <a:prstGeom prst="rect">
+            <a:avLst/>
+          </a:prstGeom>
+          <a:noFill/>
+        </p:spPr>
+        <p:txBody>
+          <a:bodyPr wrap="square" rtlCol="0">
+            <a:spAutoFit/>
+          </a:bodyPr>
+          <a:lstStyle/>
+          <a:p>
+            <a:pPr algn="ctr"/>
+            <a:r>
+              <a:rPr kumimoji="1" lang="en-US" altLang="zh-CN" sz="4800" dirty="0">
+                <a:latin typeface="Microsoft YaHei" panose="020B0503020204020204" pitchFamily="34" charset="-122"/>
+                <a:ea typeface="Microsoft YaHei" panose="020B0503020204020204" pitchFamily="34" charset="-122"/>
+              </a:rPr>
+              <a:t>2.2</a:t>
+            </a:r>
+            <a:r>
+              <a:rPr kumimoji="1" lang="zh-CN" altLang="en-US" sz="4800" dirty="0">
+                <a:latin typeface="Microsoft YaHei" panose="020B0503020204020204" pitchFamily="34" charset="-122"/>
+                <a:ea typeface="Microsoft YaHei" panose="020B0503020204020204" pitchFamily="34" charset="-122"/>
+              </a:rPr>
+              <a:t>  有序表</a:t>
+            </a:r>
+            <a:r>
+              <a:rPr kumimoji="1" lang="en-US" altLang="zh-CN" sz="4800" dirty="0">
+                <a:latin typeface="Microsoft YaHei" panose="020B0503020204020204" pitchFamily="34" charset="-122"/>
+                <a:ea typeface="Microsoft YaHei" panose="020B0503020204020204" pitchFamily="34" charset="-122"/>
+              </a:rPr>
+              <a:t>---</a:t>
+            </a:r>
+            <a:r>
+              <a:rPr kumimoji="1" lang="zh-CN" altLang="en-US" sz="4800" dirty="0">
+                <a:latin typeface="Microsoft YaHei" panose="020B0503020204020204" pitchFamily="34" charset="-122"/>
+                <a:ea typeface="Microsoft YaHei" panose="020B0503020204020204" pitchFamily="34" charset="-122"/>
+              </a:rPr>
+              <a:t>二分查找</a:t>
+            </a:r>
+          </a:p>
+        </p:txBody>
+      </p:sp>
+      <p:sp>
+        <p:nvSpPr>
+          <p:cNvPr id="8" name="文本框 7">
+            <a:extLst>
+              <a:ext uri="{FF2B5EF4-FFF2-40B4-BE49-F238E27FC236}">
+                <a16:creationId xmlns:a16="http://schemas.microsoft.com/office/drawing/2014/main" id="{75D7D6ED-43A8-DC4B-84B6-AB03F6270117}"/>
+              </a:ext>
+            </a:extLst>
+          </p:cNvPr>
+          <p:cNvSpPr txBox="1"/>
+          <p:nvPr/>
+        </p:nvSpPr>
+        <p:spPr>
+          <a:xfrm>
+            <a:off x="1832197" y="1686981"/>
+            <a:ext cx="8527606" cy="5567037"/>
+          </a:xfrm>
+          <a:prstGeom prst="rect">
+            <a:avLst/>
+          </a:prstGeom>
+          <a:noFill/>
+        </p:spPr>
+        <p:txBody>
+          <a:bodyPr wrap="square" rtlCol="0">
+            <a:spAutoFit/>
+          </a:bodyPr>
+          <a:lstStyle/>
+          <a:p>
+            <a:pPr>
+              <a:lnSpc>
+                <a:spcPct val="150000"/>
+              </a:lnSpc>
+            </a:pPr>
+            <a:r>
+              <a:rPr kumimoji="1" lang="zh-CN" altLang="en-US" sz="2400" dirty="0">
+                <a:latin typeface="Microsoft YaHei" panose="020B0503020204020204" pitchFamily="34" charset="-122"/>
+                <a:ea typeface="Microsoft YaHei" panose="020B0503020204020204" pitchFamily="34" charset="-122"/>
+              </a:rPr>
+              <a:t>假设存在一个</a:t>
+            </a:r>
+            <a:r>
+              <a:rPr kumimoji="1" lang="en-US" altLang="zh-CN" sz="2400" dirty="0">
+                <a:latin typeface="Microsoft YaHei" panose="020B0503020204020204" pitchFamily="34" charset="-122"/>
+                <a:ea typeface="Microsoft YaHei" panose="020B0503020204020204" pitchFamily="34" charset="-122"/>
+              </a:rPr>
+              <a:t>100</a:t>
+            </a:r>
+            <a:r>
+              <a:rPr kumimoji="1" lang="zh-CN" altLang="en-US" sz="2400" dirty="0">
+                <a:latin typeface="Microsoft YaHei" panose="020B0503020204020204" pitchFamily="34" charset="-122"/>
+                <a:ea typeface="Microsoft YaHei" panose="020B0503020204020204" pitchFamily="34" charset="-122"/>
+              </a:rPr>
+              <a:t>亿数据的数据表，没有排序，当你要查找一个数据的时候，时间复杂度为</a:t>
+            </a:r>
+            <a:r>
+              <a:rPr kumimoji="1" lang="en-US" altLang="zh-CN" sz="2400" dirty="0">
+                <a:latin typeface="Microsoft YaHei" panose="020B0503020204020204" pitchFamily="34" charset="-122"/>
+                <a:ea typeface="Microsoft YaHei" panose="020B0503020204020204" pitchFamily="34" charset="-122"/>
+              </a:rPr>
+              <a:t>O(n),</a:t>
+            </a:r>
+            <a:r>
+              <a:rPr kumimoji="1" lang="zh-CN" altLang="en-US" sz="2400" dirty="0">
+                <a:latin typeface="Microsoft YaHei" panose="020B0503020204020204" pitchFamily="34" charset="-122"/>
+                <a:ea typeface="Microsoft YaHei" panose="020B0503020204020204" pitchFamily="34" charset="-122"/>
+              </a:rPr>
+              <a:t>最坏的情况，需要判断</a:t>
+            </a:r>
+            <a:r>
+              <a:rPr kumimoji="1" lang="en-US" altLang="zh-CN" sz="2400" dirty="0">
+                <a:latin typeface="Microsoft YaHei" panose="020B0503020204020204" pitchFamily="34" charset="-122"/>
+                <a:ea typeface="Microsoft YaHei" panose="020B0503020204020204" pitchFamily="34" charset="-122"/>
+              </a:rPr>
+              <a:t>100</a:t>
+            </a:r>
+            <a:r>
+              <a:rPr kumimoji="1" lang="zh-CN" altLang="en-US" sz="2400" dirty="0">
+                <a:latin typeface="Microsoft YaHei" panose="020B0503020204020204" pitchFamily="34" charset="-122"/>
+                <a:ea typeface="Microsoft YaHei" panose="020B0503020204020204" pitchFamily="34" charset="-122"/>
+              </a:rPr>
+              <a:t>亿数量级次数才能结束。</a:t>
+            </a:r>
+            <a:endParaRPr kumimoji="1" lang="en-US" altLang="zh-CN" sz="2400" dirty="0">
+              <a:latin typeface="Microsoft YaHei" panose="020B0503020204020204" pitchFamily="34" charset="-122"/>
+              <a:ea typeface="Microsoft YaHei" panose="020B0503020204020204" pitchFamily="34" charset="-122"/>
+            </a:endParaRPr>
+          </a:p>
+          <a:p>
+            <a:pPr>
+              <a:lnSpc>
+                <a:spcPct val="150000"/>
+              </a:lnSpc>
+            </a:pPr>
+            <a:r>
+              <a:rPr kumimoji="1" lang="zh-CN" altLang="en-US" sz="2400" dirty="0">
+                <a:latin typeface="Microsoft YaHei" panose="020B0503020204020204" pitchFamily="34" charset="-122"/>
+                <a:ea typeface="Microsoft YaHei" panose="020B0503020204020204" pitchFamily="34" charset="-122"/>
+              </a:rPr>
+              <a:t>那我们算算这个算法需要消耗的时间</a:t>
+            </a:r>
+            <a:endParaRPr kumimoji="1" lang="en-US" altLang="zh-CN" sz="2400" dirty="0">
+              <a:latin typeface="Microsoft YaHei" panose="020B0503020204020204" pitchFamily="34" charset="-122"/>
+              <a:ea typeface="Microsoft YaHei" panose="020B0503020204020204" pitchFamily="34" charset="-122"/>
+            </a:endParaRPr>
+          </a:p>
+          <a:p>
+            <a:pPr>
+              <a:lnSpc>
+                <a:spcPct val="150000"/>
+              </a:lnSpc>
+            </a:pPr>
+            <a:r>
+              <a:rPr kumimoji="1" lang="zh-CN" altLang="en-US" sz="2400" dirty="0">
+                <a:latin typeface="Microsoft YaHei" panose="020B0503020204020204" pitchFamily="34" charset="-122"/>
+                <a:ea typeface="Microsoft YaHei" panose="020B0503020204020204" pitchFamily="34" charset="-122"/>
+              </a:rPr>
+              <a:t>假如：一个服务器电脑</a:t>
+            </a:r>
+            <a:r>
+              <a:rPr kumimoji="1" lang="en-US" altLang="zh-CN" sz="2400" dirty="0" err="1">
+                <a:latin typeface="Microsoft YaHei" panose="020B0503020204020204" pitchFamily="34" charset="-122"/>
+                <a:ea typeface="Microsoft YaHei" panose="020B0503020204020204" pitchFamily="34" charset="-122"/>
+              </a:rPr>
+              <a:t>cpu</a:t>
+            </a:r>
+            <a:r>
+              <a:rPr kumimoji="1" lang="zh-CN" altLang="en-US" sz="2400" dirty="0">
+                <a:latin typeface="Microsoft YaHei" panose="020B0503020204020204" pitchFamily="34" charset="-122"/>
+                <a:ea typeface="Microsoft YaHei" panose="020B0503020204020204" pitchFamily="34" charset="-122"/>
+              </a:rPr>
+              <a:t>是</a:t>
+            </a:r>
+            <a:r>
+              <a:rPr kumimoji="1" lang="en-US" altLang="zh-CN" sz="2400" dirty="0">
+                <a:latin typeface="Microsoft YaHei" panose="020B0503020204020204" pitchFamily="34" charset="-122"/>
+                <a:ea typeface="Microsoft YaHei" panose="020B0503020204020204" pitchFamily="34" charset="-122"/>
+              </a:rPr>
+              <a:t>4Ghz</a:t>
+            </a:r>
+            <a:r>
+              <a:rPr kumimoji="1" lang="zh-CN" altLang="en-US" sz="2400" dirty="0">
+                <a:latin typeface="Microsoft YaHei" panose="020B0503020204020204" pitchFamily="34" charset="-122"/>
+                <a:ea typeface="Microsoft YaHei" panose="020B0503020204020204" pitchFamily="34" charset="-122"/>
+              </a:rPr>
+              <a:t>，一秒钟产生</a:t>
+            </a:r>
+            <a:r>
+              <a:rPr kumimoji="1" lang="en-US" altLang="zh-CN" sz="2400" dirty="0">
+                <a:latin typeface="Microsoft YaHei" panose="020B0503020204020204" pitchFamily="34" charset="-122"/>
+                <a:ea typeface="Microsoft YaHei" panose="020B0503020204020204" pitchFamily="34" charset="-122"/>
+              </a:rPr>
+              <a:t>40</a:t>
+            </a:r>
+            <a:r>
+              <a:rPr kumimoji="1" lang="zh-CN" altLang="en-US" sz="2400" dirty="0">
+                <a:latin typeface="Microsoft YaHei" panose="020B0503020204020204" pitchFamily="34" charset="-122"/>
+                <a:ea typeface="Microsoft YaHei" panose="020B0503020204020204" pitchFamily="34" charset="-122"/>
+              </a:rPr>
+              <a:t>亿个脉冲，作为</a:t>
+            </a:r>
+            <a:r>
+              <a:rPr kumimoji="1" lang="en-US" altLang="zh-CN" sz="2400" dirty="0">
+                <a:latin typeface="Microsoft YaHei" panose="020B0503020204020204" pitchFamily="34" charset="-122"/>
+                <a:ea typeface="Microsoft YaHei" panose="020B0503020204020204" pitchFamily="34" charset="-122"/>
+              </a:rPr>
+              <a:t>CPU</a:t>
+            </a:r>
+            <a:r>
+              <a:rPr kumimoji="1" lang="zh-CN" altLang="en-US" sz="2400" dirty="0">
+                <a:latin typeface="Microsoft YaHei" panose="020B0503020204020204" pitchFamily="34" charset="-122"/>
+                <a:ea typeface="Microsoft YaHei" panose="020B0503020204020204" pitchFamily="34" charset="-122"/>
+              </a:rPr>
+              <a:t>操作的最小时间单位的时钟周期是（</a:t>
+            </a:r>
+            <a:r>
+              <a:rPr kumimoji="1" lang="en-US" altLang="zh-CN" sz="2400" dirty="0">
+                <a:latin typeface="Microsoft YaHei" panose="020B0503020204020204" pitchFamily="34" charset="-122"/>
+                <a:ea typeface="Microsoft YaHei" panose="020B0503020204020204" pitchFamily="34" charset="-122"/>
+              </a:rPr>
+              <a:t>1/40</a:t>
+            </a:r>
+            <a:r>
+              <a:rPr kumimoji="1" lang="zh-CN" altLang="en-US" sz="2400" dirty="0">
+                <a:latin typeface="Microsoft YaHei" panose="020B0503020204020204" pitchFamily="34" charset="-122"/>
+                <a:ea typeface="Microsoft YaHei" panose="020B0503020204020204" pitchFamily="34" charset="-122"/>
+              </a:rPr>
+              <a:t>亿） 秒，假设</a:t>
+            </a:r>
+            <a:r>
+              <a:rPr kumimoji="1" lang="en-US" altLang="zh-CN" sz="2400" dirty="0">
+                <a:latin typeface="Microsoft YaHei" panose="020B0503020204020204" pitchFamily="34" charset="-122"/>
+                <a:ea typeface="Microsoft YaHei" panose="020B0503020204020204" pitchFamily="34" charset="-122"/>
+              </a:rPr>
+              <a:t>if</a:t>
+            </a:r>
+            <a:r>
+              <a:rPr kumimoji="1" lang="zh-CN" altLang="en-US" sz="2400" dirty="0">
+                <a:latin typeface="Microsoft YaHei" panose="020B0503020204020204" pitchFamily="34" charset="-122"/>
+                <a:ea typeface="Microsoft YaHei" panose="020B0503020204020204" pitchFamily="34" charset="-122"/>
+              </a:rPr>
+              <a:t>判断语句需要消耗</a:t>
+            </a:r>
+            <a:r>
+              <a:rPr kumimoji="1" lang="en-US" altLang="zh-CN" sz="2400" dirty="0">
+                <a:latin typeface="Microsoft YaHei" panose="020B0503020204020204" pitchFamily="34" charset="-122"/>
+                <a:ea typeface="Microsoft YaHei" panose="020B0503020204020204" pitchFamily="34" charset="-122"/>
+              </a:rPr>
+              <a:t>4</a:t>
+            </a:r>
+            <a:r>
+              <a:rPr kumimoji="1" lang="zh-CN" altLang="en-US" sz="2400" dirty="0">
+                <a:latin typeface="Microsoft YaHei" panose="020B0503020204020204" pitchFamily="34" charset="-122"/>
+                <a:ea typeface="Microsoft YaHei" panose="020B0503020204020204" pitchFamily="34" charset="-122"/>
+              </a:rPr>
+              <a:t>个时钟周期，那么对于</a:t>
+            </a:r>
+            <a:r>
+              <a:rPr kumimoji="1" lang="en-US" altLang="zh-CN" sz="2400" dirty="0">
+                <a:latin typeface="Microsoft YaHei" panose="020B0503020204020204" pitchFamily="34" charset="-122"/>
+                <a:ea typeface="Microsoft YaHei" panose="020B0503020204020204" pitchFamily="34" charset="-122"/>
+              </a:rPr>
+              <a:t>100</a:t>
+            </a:r>
+            <a:r>
+              <a:rPr kumimoji="1" lang="zh-CN" altLang="en-US" sz="2400" dirty="0">
+                <a:latin typeface="Microsoft YaHei" panose="020B0503020204020204" pitchFamily="34" charset="-122"/>
+                <a:ea typeface="Microsoft YaHei" panose="020B0503020204020204" pitchFamily="34" charset="-122"/>
+              </a:rPr>
+              <a:t>亿次判断，大约需要</a:t>
+            </a:r>
+            <a:r>
+              <a:rPr kumimoji="1" lang="en-US" altLang="zh-CN" sz="2400" dirty="0">
+                <a:latin typeface="Microsoft YaHei" panose="020B0503020204020204" pitchFamily="34" charset="-122"/>
+                <a:ea typeface="Microsoft YaHei" panose="020B0503020204020204" pitchFamily="34" charset="-122"/>
+              </a:rPr>
+              <a:t>2.5</a:t>
+            </a:r>
+            <a:r>
+              <a:rPr kumimoji="1" lang="zh-CN" altLang="en-US" sz="2400" dirty="0">
+                <a:latin typeface="Microsoft YaHei" panose="020B0503020204020204" pitchFamily="34" charset="-122"/>
+                <a:ea typeface="Microsoft YaHei" panose="020B0503020204020204" pitchFamily="34" charset="-122"/>
+              </a:rPr>
+              <a:t>秒。这样的时间对于手机端，或者网页端面前等待结果的人来说已经是算慢了</a:t>
+            </a:r>
+          </a:p>
+          <a:p>
+            <a:pPr>
+              <a:lnSpc>
+                <a:spcPct val="150000"/>
+              </a:lnSpc>
+            </a:pPr>
+            <a:endParaRPr kumimoji="1" lang="zh-CN" altLang="en-US" sz="2400" dirty="0">
+              <a:latin typeface="Microsoft YaHei" panose="020B0503020204020204" pitchFamily="34" charset="-122"/>
+              <a:ea typeface="Microsoft YaHei" panose="020B0503020204020204" pitchFamily="34" charset="-122"/>
+            </a:endParaRPr>
+          </a:p>
+        </p:txBody>
+      </p:sp>
+    </p:spTree>
+    <p:extLst>
+      <p:ext uri="{BB962C8B-B14F-4D97-AF65-F5344CB8AC3E}">
+        <p14:creationId xmlns:p14="http://schemas.microsoft.com/office/powerpoint/2010/main" val="389698326"/>
+      </p:ext>
+    </p:extLst>
+  </p:cSld>
+  <p:clrMapOvr>
+    <a:masterClrMapping/>
+  </p:clrMapOvr>
+</p:sld>
+</file>
+
+<file path=ppt/slides/slide14.xml><?xml version="1.0" encoding="utf-8"?>
+<p:sld xmlns:a="http://schemas.openxmlformats.org/drawingml/2006/main" xmlns:r="http://schemas.openxmlformats.org/officeDocument/2006/relationships" xmlns:p="http://schemas.openxmlformats.org/presentationml/2006/main">
+  <p:cSld>
+    <p:bg>
+      <p:bgPr>
+        <a:blipFill>
+          <a:blip r:embed="rId2"/>
+          <a:tile tx="0" ty="0" sx="100000" sy="100000" flip="none" algn="tl"/>
+        </a:blipFill>
+        <a:effectLst/>
+      </p:bgPr>
+    </p:bg>
+    <p:spTree>
+      <p:nvGrpSpPr>
+        <p:cNvPr id="1" name=""/>
+        <p:cNvGrpSpPr/>
+        <p:nvPr/>
+      </p:nvGrpSpPr>
+      <p:grpSpPr>
+        <a:xfrm>
+          <a:off x="0" y="0"/>
+          <a:ext cx="0" cy="0"/>
+          <a:chOff x="0" y="0"/>
+          <a:chExt cx="0" cy="0"/>
+        </a:xfrm>
+      </p:grpSpPr>
+      <p:sp>
+        <p:nvSpPr>
+          <p:cNvPr id="3" name="文本框 2">
+            <a:extLst>
+              <a:ext uri="{FF2B5EF4-FFF2-40B4-BE49-F238E27FC236}">
+                <a16:creationId xmlns:a16="http://schemas.microsoft.com/office/drawing/2014/main" id="{62BFC649-BF8E-2841-8EAF-47AFBF9D6671}"/>
+              </a:ext>
+            </a:extLst>
+          </p:cNvPr>
+          <p:cNvSpPr txBox="1"/>
+          <p:nvPr/>
+        </p:nvSpPr>
+        <p:spPr>
+          <a:xfrm>
+            <a:off x="2054352" y="630545"/>
+            <a:ext cx="8083296" cy="830997"/>
+          </a:xfrm>
+          <a:prstGeom prst="rect">
+            <a:avLst/>
+          </a:prstGeom>
+          <a:noFill/>
+        </p:spPr>
+        <p:txBody>
+          <a:bodyPr wrap="square" rtlCol="0">
+            <a:spAutoFit/>
+          </a:bodyPr>
+          <a:lstStyle/>
+          <a:p>
+            <a:pPr algn="ctr"/>
+            <a:r>
+              <a:rPr kumimoji="1" lang="en-US" altLang="zh-CN" sz="4800" dirty="0">
+                <a:latin typeface="Microsoft YaHei" panose="020B0503020204020204" pitchFamily="34" charset="-122"/>
+                <a:ea typeface="Microsoft YaHei" panose="020B0503020204020204" pitchFamily="34" charset="-122"/>
+              </a:rPr>
+              <a:t>2.2</a:t>
+            </a:r>
+            <a:r>
+              <a:rPr kumimoji="1" lang="zh-CN" altLang="en-US" sz="4800" dirty="0">
+                <a:latin typeface="Microsoft YaHei" panose="020B0503020204020204" pitchFamily="34" charset="-122"/>
+                <a:ea typeface="Microsoft YaHei" panose="020B0503020204020204" pitchFamily="34" charset="-122"/>
+              </a:rPr>
+              <a:t>  二分查找</a:t>
+            </a:r>
+          </a:p>
+        </p:txBody>
+      </p:sp>
+      <p:sp>
+        <p:nvSpPr>
+          <p:cNvPr id="8" name="文本框 7">
+            <a:extLst>
+              <a:ext uri="{FF2B5EF4-FFF2-40B4-BE49-F238E27FC236}">
+                <a16:creationId xmlns:a16="http://schemas.microsoft.com/office/drawing/2014/main" id="{75D7D6ED-43A8-DC4B-84B6-AB03F6270117}"/>
+              </a:ext>
+            </a:extLst>
+          </p:cNvPr>
+          <p:cNvSpPr txBox="1"/>
+          <p:nvPr/>
+        </p:nvSpPr>
+        <p:spPr>
+          <a:xfrm>
+            <a:off x="1832197" y="1686981"/>
+            <a:ext cx="8527606" cy="2243050"/>
+          </a:xfrm>
+          <a:prstGeom prst="rect">
+            <a:avLst/>
+          </a:prstGeom>
+          <a:noFill/>
+        </p:spPr>
+        <p:txBody>
+          <a:bodyPr wrap="square" rtlCol="0">
+            <a:spAutoFit/>
+          </a:bodyPr>
+          <a:lstStyle/>
+          <a:p>
+            <a:pPr>
+              <a:lnSpc>
+                <a:spcPct val="150000"/>
+              </a:lnSpc>
+            </a:pPr>
+            <a:r>
+              <a:rPr kumimoji="1" lang="zh-CN" altLang="en-US" sz="2400" dirty="0">
+                <a:latin typeface="Microsoft YaHei" panose="020B0503020204020204" pitchFamily="34" charset="-122"/>
+                <a:ea typeface="Microsoft YaHei" panose="020B0503020204020204" pitchFamily="34" charset="-122"/>
+              </a:rPr>
+              <a:t>我们可以用二分查找来大大降低这个消耗。</a:t>
+            </a:r>
+            <a:endParaRPr kumimoji="1" lang="en-US" altLang="zh-CN" sz="2400" dirty="0">
+              <a:latin typeface="Microsoft YaHei" panose="020B0503020204020204" pitchFamily="34" charset="-122"/>
+              <a:ea typeface="Microsoft YaHei" panose="020B0503020204020204" pitchFamily="34" charset="-122"/>
+            </a:endParaRPr>
+          </a:p>
+          <a:p>
+            <a:pPr>
+              <a:lnSpc>
+                <a:spcPct val="150000"/>
+              </a:lnSpc>
+            </a:pPr>
+            <a:r>
+              <a:rPr kumimoji="1" lang="zh-CN" altLang="en-US" sz="2400" dirty="0">
+                <a:latin typeface="Microsoft YaHei" panose="020B0503020204020204" pitchFamily="34" charset="-122"/>
+                <a:ea typeface="Microsoft YaHei" panose="020B0503020204020204" pitchFamily="34" charset="-122"/>
+              </a:rPr>
+              <a:t>什么是二分查找：</a:t>
+            </a:r>
+            <a:endParaRPr kumimoji="1" lang="en-US" altLang="zh-CN" sz="2400" dirty="0">
+              <a:latin typeface="Microsoft YaHei" panose="020B0503020204020204" pitchFamily="34" charset="-122"/>
+              <a:ea typeface="Microsoft YaHei" panose="020B0503020204020204" pitchFamily="34" charset="-122"/>
+            </a:endParaRPr>
+          </a:p>
+          <a:p>
+            <a:pPr>
+              <a:lnSpc>
+                <a:spcPct val="150000"/>
+              </a:lnSpc>
+            </a:pPr>
+            <a:r>
+              <a:rPr kumimoji="1" lang="zh-CN" altLang="en-US" sz="2400" dirty="0">
+                <a:latin typeface="Microsoft YaHei" panose="020B0503020204020204" pitchFamily="34" charset="-122"/>
+                <a:ea typeface="Microsoft YaHei" panose="020B0503020204020204" pitchFamily="34" charset="-122"/>
+              </a:rPr>
+              <a:t>首先查找表要排序</a:t>
+            </a:r>
+            <a:endParaRPr kumimoji="1" lang="en-US" altLang="zh-CN" sz="2400" dirty="0">
+              <a:latin typeface="Microsoft YaHei" panose="020B0503020204020204" pitchFamily="34" charset="-122"/>
+              <a:ea typeface="Microsoft YaHei" panose="020B0503020204020204" pitchFamily="34" charset="-122"/>
+            </a:endParaRPr>
+          </a:p>
+          <a:p>
+            <a:pPr>
+              <a:lnSpc>
+                <a:spcPct val="150000"/>
+              </a:lnSpc>
+            </a:pPr>
+            <a:r>
+              <a:rPr kumimoji="1" lang="zh-CN" altLang="en-US" sz="2400" dirty="0">
+                <a:latin typeface="Microsoft YaHei" panose="020B0503020204020204" pitchFamily="34" charset="-122"/>
+                <a:ea typeface="Microsoft YaHei" panose="020B0503020204020204" pitchFamily="34" charset="-122"/>
+              </a:rPr>
+              <a:t>每次从当前范围的中点进行判断，如果满足条件</a:t>
+            </a:r>
+            <a:endParaRPr kumimoji="1" lang="en-US" altLang="zh-CN" sz="2400" dirty="0">
+              <a:latin typeface="Microsoft YaHei" panose="020B0503020204020204" pitchFamily="34" charset="-122"/>
+              <a:ea typeface="Microsoft YaHei" panose="020B0503020204020204" pitchFamily="34" charset="-122"/>
+            </a:endParaRPr>
+          </a:p>
+        </p:txBody>
+      </p:sp>
+    </p:spTree>
+    <p:extLst>
+      <p:ext uri="{BB962C8B-B14F-4D97-AF65-F5344CB8AC3E}">
+        <p14:creationId xmlns:p14="http://schemas.microsoft.com/office/powerpoint/2010/main" val="2302764750"/>
+      </p:ext>
+    </p:extLst>
+  </p:cSld>
+  <p:clrMapOvr>
+    <a:masterClrMapping/>
+  </p:clrMapOvr>
+</p:sld>
+</file>
+
+<file path=ppt/slides/slide15.xml><?xml version="1.0" encoding="utf-8"?>
+<p:sld xmlns:a="http://schemas.openxmlformats.org/drawingml/2006/main" xmlns:r="http://schemas.openxmlformats.org/officeDocument/2006/relationships" xmlns:p="http://schemas.openxmlformats.org/presentationml/2006/main">
+  <p:cSld>
+    <p:bg>
+      <p:bgPr>
+        <a:blipFill>
+          <a:blip r:embed="rId2"/>
+          <a:tile tx="0" ty="0" sx="100000" sy="100000" flip="none" algn="tl"/>
+        </a:blipFill>
+        <a:effectLst/>
+      </p:bgPr>
+    </p:bg>
+    <p:spTree>
+      <p:nvGrpSpPr>
+        <p:cNvPr id="1" name=""/>
+        <p:cNvGrpSpPr/>
+        <p:nvPr/>
+      </p:nvGrpSpPr>
+      <p:grpSpPr>
+        <a:xfrm>
+          <a:off x="0" y="0"/>
+          <a:ext cx="0" cy="0"/>
+          <a:chOff x="0" y="0"/>
+          <a:chExt cx="0" cy="0"/>
+        </a:xfrm>
+      </p:grpSpPr>
+      <p:sp>
+        <p:nvSpPr>
+          <p:cNvPr id="3" name="文本框 2">
+            <a:extLst>
+              <a:ext uri="{FF2B5EF4-FFF2-40B4-BE49-F238E27FC236}">
+                <a16:creationId xmlns:a16="http://schemas.microsoft.com/office/drawing/2014/main" id="{62BFC649-BF8E-2841-8EAF-47AFBF9D6671}"/>
+              </a:ext>
+            </a:extLst>
+          </p:cNvPr>
+          <p:cNvSpPr txBox="1"/>
+          <p:nvPr/>
+        </p:nvSpPr>
+        <p:spPr>
+          <a:xfrm>
+            <a:off x="2054352" y="630545"/>
+            <a:ext cx="8083296" cy="830997"/>
+          </a:xfrm>
+          <a:prstGeom prst="rect">
+            <a:avLst/>
+          </a:prstGeom>
+          <a:noFill/>
+        </p:spPr>
+        <p:txBody>
+          <a:bodyPr wrap="square" rtlCol="0">
+            <a:spAutoFit/>
+          </a:bodyPr>
+          <a:lstStyle/>
+          <a:p>
+            <a:pPr algn="ctr"/>
+            <a:r>
+              <a:rPr kumimoji="1" lang="en-US" altLang="zh-CN" sz="4800" dirty="0">
+                <a:latin typeface="Microsoft YaHei" panose="020B0503020204020204" pitchFamily="34" charset="-122"/>
+                <a:ea typeface="Microsoft YaHei" panose="020B0503020204020204" pitchFamily="34" charset="-122"/>
+              </a:rPr>
+              <a:t>2.2</a:t>
+            </a:r>
+            <a:r>
+              <a:rPr kumimoji="1" lang="zh-CN" altLang="en-US" sz="4800" dirty="0">
+                <a:latin typeface="Microsoft YaHei" panose="020B0503020204020204" pitchFamily="34" charset="-122"/>
+                <a:ea typeface="Microsoft YaHei" panose="020B0503020204020204" pitchFamily="34" charset="-122"/>
+              </a:rPr>
+              <a:t>  二分查找</a:t>
+            </a:r>
+          </a:p>
+        </p:txBody>
+      </p:sp>
+      <p:pic>
+        <p:nvPicPr>
+          <p:cNvPr id="5" name="图片 4">
+            <a:extLst>
+              <a:ext uri="{FF2B5EF4-FFF2-40B4-BE49-F238E27FC236}">
+                <a16:creationId xmlns:a16="http://schemas.microsoft.com/office/drawing/2014/main" id="{D6E54DC6-C92A-8343-BFEA-13E4ED21C00C}"/>
+              </a:ext>
+            </a:extLst>
+          </p:cNvPr>
+          <p:cNvPicPr>
+            <a:picLocks noChangeAspect="1"/>
+          </p:cNvPicPr>
+          <p:nvPr/>
+        </p:nvPicPr>
+        <p:blipFill>
+          <a:blip r:embed="rId3"/>
+          <a:stretch>
+            <a:fillRect/>
+          </a:stretch>
+        </p:blipFill>
+        <p:spPr>
+          <a:xfrm>
+            <a:off x="3282507" y="1998355"/>
+            <a:ext cx="6350000" cy="4229100"/>
+          </a:xfrm>
+          <a:prstGeom prst="rect">
+            <a:avLst/>
+          </a:prstGeom>
+        </p:spPr>
+      </p:pic>
+    </p:spTree>
+    <p:extLst>
+      <p:ext uri="{BB962C8B-B14F-4D97-AF65-F5344CB8AC3E}">
+        <p14:creationId xmlns:p14="http://schemas.microsoft.com/office/powerpoint/2010/main" val="2449606271"/>
+      </p:ext>
+    </p:extLst>
+  </p:cSld>
+  <p:clrMapOvr>
+    <a:masterClrMapping/>
+  </p:clrMapOvr>
+</p:sld>
+</file>
+
+<file path=ppt/slides/slide16.xml><?xml version="1.0" encoding="utf-8"?>
+<p:sld xmlns:a="http://schemas.openxmlformats.org/drawingml/2006/main" xmlns:r="http://schemas.openxmlformats.org/officeDocument/2006/relationships" xmlns:p="http://schemas.openxmlformats.org/presentationml/2006/main">
+  <p:cSld>
+    <p:bg>
+      <p:bgPr>
+        <a:blipFill>
+          <a:blip r:embed="rId2"/>
+          <a:tile tx="0" ty="0" sx="100000" sy="100000" flip="none" algn="tl"/>
+        </a:blipFill>
+        <a:effectLst/>
+      </p:bgPr>
+    </p:bg>
+    <p:spTree>
+      <p:nvGrpSpPr>
+        <p:cNvPr id="1" name=""/>
+        <p:cNvGrpSpPr/>
+        <p:nvPr/>
+      </p:nvGrpSpPr>
+      <p:grpSpPr>
+        <a:xfrm>
+          <a:off x="0" y="0"/>
+          <a:ext cx="0" cy="0"/>
+          <a:chOff x="0" y="0"/>
+          <a:chExt cx="0" cy="0"/>
+        </a:xfrm>
+      </p:grpSpPr>
+      <p:sp>
+        <p:nvSpPr>
+          <p:cNvPr id="3" name="文本框 2">
+            <a:extLst>
+              <a:ext uri="{FF2B5EF4-FFF2-40B4-BE49-F238E27FC236}">
+                <a16:creationId xmlns:a16="http://schemas.microsoft.com/office/drawing/2014/main" id="{62BFC649-BF8E-2841-8EAF-47AFBF9D6671}"/>
+              </a:ext>
+            </a:extLst>
+          </p:cNvPr>
+          <p:cNvSpPr txBox="1"/>
+          <p:nvPr/>
+        </p:nvSpPr>
+        <p:spPr>
+          <a:xfrm>
+            <a:off x="2054352" y="630545"/>
+            <a:ext cx="8083296" cy="830997"/>
+          </a:xfrm>
+          <a:prstGeom prst="rect">
+            <a:avLst/>
+          </a:prstGeom>
+          <a:noFill/>
+        </p:spPr>
+        <p:txBody>
+          <a:bodyPr wrap="square" rtlCol="0">
+            <a:spAutoFit/>
+          </a:bodyPr>
+          <a:lstStyle/>
+          <a:p>
+            <a:pPr algn="ctr"/>
+            <a:r>
+              <a:rPr kumimoji="1" lang="en-US" altLang="zh-CN" sz="4800" dirty="0">
+                <a:latin typeface="Microsoft YaHei" panose="020B0503020204020204" pitchFamily="34" charset="-122"/>
+                <a:ea typeface="Microsoft YaHei" panose="020B0503020204020204" pitchFamily="34" charset="-122"/>
+              </a:rPr>
+              <a:t>2.2</a:t>
+            </a:r>
+            <a:r>
+              <a:rPr kumimoji="1" lang="zh-CN" altLang="en-US" sz="4800" dirty="0">
+                <a:latin typeface="Microsoft YaHei" panose="020B0503020204020204" pitchFamily="34" charset="-122"/>
+                <a:ea typeface="Microsoft YaHei" panose="020B0503020204020204" pitchFamily="34" charset="-122"/>
+              </a:rPr>
+              <a:t>  二分查找</a:t>
+            </a:r>
+          </a:p>
+        </p:txBody>
+      </p:sp>
+      <p:pic>
+        <p:nvPicPr>
+          <p:cNvPr id="4" name="图片 3">
+            <a:extLst>
+              <a:ext uri="{FF2B5EF4-FFF2-40B4-BE49-F238E27FC236}">
+                <a16:creationId xmlns:a16="http://schemas.microsoft.com/office/drawing/2014/main" id="{8A558CCD-86B3-E841-93BF-0E40AF5BA2EF}"/>
+              </a:ext>
+            </a:extLst>
+          </p:cNvPr>
+          <p:cNvPicPr>
+            <a:picLocks noChangeAspect="1"/>
+          </p:cNvPicPr>
+          <p:nvPr/>
+        </p:nvPicPr>
+        <p:blipFill>
+          <a:blip r:embed="rId3"/>
+          <a:stretch>
+            <a:fillRect/>
+          </a:stretch>
+        </p:blipFill>
+        <p:spPr>
+          <a:xfrm>
+            <a:off x="3346302" y="1998355"/>
+            <a:ext cx="6350000" cy="4229100"/>
+          </a:xfrm>
+          <a:prstGeom prst="rect">
+            <a:avLst/>
+          </a:prstGeom>
+        </p:spPr>
+      </p:pic>
+    </p:spTree>
+    <p:extLst>
+      <p:ext uri="{BB962C8B-B14F-4D97-AF65-F5344CB8AC3E}">
+        <p14:creationId xmlns:p14="http://schemas.microsoft.com/office/powerpoint/2010/main" val="3484645221"/>
+      </p:ext>
+    </p:extLst>
+  </p:cSld>
+  <p:clrMapOvr>
+    <a:masterClrMapping/>
+  </p:clrMapOvr>
+</p:sld>
+</file>
+
+<file path=ppt/slides/slide17.xml><?xml version="1.0" encoding="utf-8"?>
+<p:sld xmlns:a="http://schemas.openxmlformats.org/drawingml/2006/main" xmlns:r="http://schemas.openxmlformats.org/officeDocument/2006/relationships" xmlns:p="http://schemas.openxmlformats.org/presentationml/2006/main">
+  <p:cSld>
+    <p:bg>
+      <p:bgPr>
+        <a:blipFill>
+          <a:blip r:embed="rId2"/>
+          <a:tile tx="0" ty="0" sx="100000" sy="100000" flip="none" algn="tl"/>
+        </a:blipFill>
+        <a:effectLst/>
+      </p:bgPr>
+    </p:bg>
+    <p:spTree>
+      <p:nvGrpSpPr>
+        <p:cNvPr id="1" name=""/>
+        <p:cNvGrpSpPr/>
+        <p:nvPr/>
+      </p:nvGrpSpPr>
+      <p:grpSpPr>
+        <a:xfrm>
+          <a:off x="0" y="0"/>
+          <a:ext cx="0" cy="0"/>
+          <a:chOff x="0" y="0"/>
+          <a:chExt cx="0" cy="0"/>
+        </a:xfrm>
+      </p:grpSpPr>
+      <p:sp>
+        <p:nvSpPr>
+          <p:cNvPr id="3" name="文本框 2">
+            <a:extLst>
+              <a:ext uri="{FF2B5EF4-FFF2-40B4-BE49-F238E27FC236}">
+                <a16:creationId xmlns:a16="http://schemas.microsoft.com/office/drawing/2014/main" id="{62BFC649-BF8E-2841-8EAF-47AFBF9D6671}"/>
+              </a:ext>
+            </a:extLst>
+          </p:cNvPr>
+          <p:cNvSpPr txBox="1"/>
+          <p:nvPr/>
+        </p:nvSpPr>
+        <p:spPr>
+          <a:xfrm>
+            <a:off x="2054352" y="630545"/>
+            <a:ext cx="8083296" cy="830997"/>
+          </a:xfrm>
+          <a:prstGeom prst="rect">
+            <a:avLst/>
+          </a:prstGeom>
+          <a:noFill/>
+        </p:spPr>
+        <p:txBody>
+          <a:bodyPr wrap="square" rtlCol="0">
+            <a:spAutoFit/>
+          </a:bodyPr>
+          <a:lstStyle/>
+          <a:p>
+            <a:pPr algn="ctr"/>
+            <a:r>
+              <a:rPr kumimoji="1" lang="en-US" altLang="zh-CN" sz="4800" dirty="0">
+                <a:latin typeface="Microsoft YaHei" panose="020B0503020204020204" pitchFamily="34" charset="-122"/>
+                <a:ea typeface="Microsoft YaHei" panose="020B0503020204020204" pitchFamily="34" charset="-122"/>
+              </a:rPr>
+              <a:t>2.2</a:t>
+            </a:r>
+            <a:r>
+              <a:rPr kumimoji="1" lang="zh-CN" altLang="en-US" sz="4800" dirty="0">
+                <a:latin typeface="Microsoft YaHei" panose="020B0503020204020204" pitchFamily="34" charset="-122"/>
+                <a:ea typeface="Microsoft YaHei" panose="020B0503020204020204" pitchFamily="34" charset="-122"/>
+              </a:rPr>
+              <a:t>  二分查找</a:t>
+            </a:r>
+          </a:p>
+        </p:txBody>
+      </p:sp>
+      <p:pic>
+        <p:nvPicPr>
+          <p:cNvPr id="5" name="图片 4">
+            <a:extLst>
+              <a:ext uri="{FF2B5EF4-FFF2-40B4-BE49-F238E27FC236}">
+                <a16:creationId xmlns:a16="http://schemas.microsoft.com/office/drawing/2014/main" id="{2E5D5A25-526A-5148-B524-B59B3F950EAD}"/>
+              </a:ext>
+            </a:extLst>
+          </p:cNvPr>
+          <p:cNvPicPr>
+            <a:picLocks noChangeAspect="1"/>
+          </p:cNvPicPr>
+          <p:nvPr/>
+        </p:nvPicPr>
+        <p:blipFill>
+          <a:blip r:embed="rId3"/>
+          <a:stretch>
+            <a:fillRect/>
+          </a:stretch>
+        </p:blipFill>
+        <p:spPr>
+          <a:xfrm>
+            <a:off x="3557477" y="1730449"/>
+            <a:ext cx="5715000" cy="4800600"/>
+          </a:xfrm>
+          <a:prstGeom prst="rect">
+            <a:avLst/>
+          </a:prstGeom>
+        </p:spPr>
+      </p:pic>
+    </p:spTree>
+    <p:extLst>
+      <p:ext uri="{BB962C8B-B14F-4D97-AF65-F5344CB8AC3E}">
+        <p14:creationId xmlns:p14="http://schemas.microsoft.com/office/powerpoint/2010/main" val="530877482"/>
+      </p:ext>
+    </p:extLst>
+  </p:cSld>
+  <p:clrMapOvr>
+    <a:masterClrMapping/>
+  </p:clrMapOvr>
+</p:sld>
+</file>
+
+<file path=ppt/slides/slide18.xml><?xml version="1.0" encoding="utf-8"?>
+<p:sld xmlns:a="http://schemas.openxmlformats.org/drawingml/2006/main" xmlns:r="http://schemas.openxmlformats.org/officeDocument/2006/relationships" xmlns:p="http://schemas.openxmlformats.org/presentationml/2006/main">
+  <p:cSld>
+    <p:bg>
+      <p:bgPr>
+        <a:blipFill>
+          <a:blip r:embed="rId2"/>
+          <a:tile tx="0" ty="0" sx="100000" sy="100000" flip="none" algn="tl"/>
+        </a:blipFill>
+        <a:effectLst/>
+      </p:bgPr>
+    </p:bg>
+    <p:spTree>
+      <p:nvGrpSpPr>
+        <p:cNvPr id="1" name=""/>
+        <p:cNvGrpSpPr/>
+        <p:nvPr/>
+      </p:nvGrpSpPr>
+      <p:grpSpPr>
+        <a:xfrm>
+          <a:off x="0" y="0"/>
+          <a:ext cx="0" cy="0"/>
+          <a:chOff x="0" y="0"/>
+          <a:chExt cx="0" cy="0"/>
+        </a:xfrm>
+      </p:grpSpPr>
+      <p:sp>
+        <p:nvSpPr>
+          <p:cNvPr id="3" name="文本框 2">
+            <a:extLst>
+              <a:ext uri="{FF2B5EF4-FFF2-40B4-BE49-F238E27FC236}">
+                <a16:creationId xmlns:a16="http://schemas.microsoft.com/office/drawing/2014/main" id="{62BFC649-BF8E-2841-8EAF-47AFBF9D6671}"/>
+              </a:ext>
+            </a:extLst>
+          </p:cNvPr>
+          <p:cNvSpPr txBox="1"/>
+          <p:nvPr/>
+        </p:nvSpPr>
+        <p:spPr>
+          <a:xfrm>
+            <a:off x="2054352" y="630545"/>
+            <a:ext cx="8083296" cy="830997"/>
+          </a:xfrm>
+          <a:prstGeom prst="rect">
+            <a:avLst/>
+          </a:prstGeom>
+          <a:noFill/>
+        </p:spPr>
+        <p:txBody>
+          <a:bodyPr wrap="square" rtlCol="0">
+            <a:spAutoFit/>
+          </a:bodyPr>
+          <a:lstStyle/>
+          <a:p>
+            <a:pPr algn="ctr"/>
+            <a:r>
+              <a:rPr kumimoji="1" lang="en-US" altLang="zh-CN" sz="4800" dirty="0">
+                <a:latin typeface="Microsoft YaHei" panose="020B0503020204020204" pitchFamily="34" charset="-122"/>
+                <a:ea typeface="Microsoft YaHei" panose="020B0503020204020204" pitchFamily="34" charset="-122"/>
+              </a:rPr>
+              <a:t>2.2</a:t>
+            </a:r>
+            <a:r>
+              <a:rPr kumimoji="1" lang="zh-CN" altLang="en-US" sz="4800" dirty="0">
+                <a:latin typeface="Microsoft YaHei" panose="020B0503020204020204" pitchFamily="34" charset="-122"/>
+                <a:ea typeface="Microsoft YaHei" panose="020B0503020204020204" pitchFamily="34" charset="-122"/>
+              </a:rPr>
+              <a:t>  树型有序表</a:t>
+            </a:r>
+          </a:p>
+        </p:txBody>
+      </p:sp>
+      <p:sp>
+        <p:nvSpPr>
+          <p:cNvPr id="8" name="文本框 7">
+            <a:extLst>
+              <a:ext uri="{FF2B5EF4-FFF2-40B4-BE49-F238E27FC236}">
+                <a16:creationId xmlns:a16="http://schemas.microsoft.com/office/drawing/2014/main" id="{75D7D6ED-43A8-DC4B-84B6-AB03F6270117}"/>
+              </a:ext>
+            </a:extLst>
+          </p:cNvPr>
+          <p:cNvSpPr txBox="1"/>
+          <p:nvPr/>
+        </p:nvSpPr>
+        <p:spPr>
+          <a:xfrm>
+            <a:off x="1832197" y="2736502"/>
+            <a:ext cx="8527606" cy="1955151"/>
+          </a:xfrm>
+          <a:prstGeom prst="rect">
+            <a:avLst/>
+          </a:prstGeom>
+          <a:noFill/>
+        </p:spPr>
+        <p:txBody>
+          <a:bodyPr wrap="square" rtlCol="0">
+            <a:spAutoFit/>
+          </a:bodyPr>
+          <a:lstStyle/>
+          <a:p>
+            <a:pPr marL="457200" indent="-457200">
+              <a:lnSpc>
+                <a:spcPct val="150000"/>
+              </a:lnSpc>
+              <a:buFont typeface="Arial" panose="020B0604020202020204" pitchFamily="34" charset="0"/>
+              <a:buChar char="•"/>
+            </a:pPr>
+            <a:r>
+              <a:rPr kumimoji="1" lang="zh-CN" altLang="en-US" sz="2800" dirty="0">
+                <a:latin typeface="Microsoft YaHei" panose="020B0503020204020204" pitchFamily="34" charset="-122"/>
+                <a:ea typeface="Microsoft YaHei" panose="020B0503020204020204" pitchFamily="34" charset="-122"/>
+              </a:rPr>
+              <a:t>顺序表查找中，表中的元素是任意顺序的</a:t>
+            </a:r>
+            <a:endParaRPr kumimoji="1" lang="en-US" altLang="zh-CN" sz="2800" dirty="0">
+              <a:latin typeface="Microsoft YaHei" panose="020B0503020204020204" pitchFamily="34" charset="-122"/>
+              <a:ea typeface="Microsoft YaHei" panose="020B0503020204020204" pitchFamily="34" charset="-122"/>
+            </a:endParaRPr>
+          </a:p>
+          <a:p>
+            <a:pPr marL="457200" indent="-457200">
+              <a:lnSpc>
+                <a:spcPct val="150000"/>
+              </a:lnSpc>
+              <a:buFont typeface="Arial" panose="020B0604020202020204" pitchFamily="34" charset="0"/>
+              <a:buChar char="•"/>
+            </a:pPr>
+            <a:r>
+              <a:rPr kumimoji="1" lang="zh-CN" altLang="en-US" sz="2800" dirty="0">
+                <a:latin typeface="Microsoft YaHei" panose="020B0503020204020204" pitchFamily="34" charset="-122"/>
+                <a:ea typeface="Microsoft YaHei" panose="020B0503020204020204" pitchFamily="34" charset="-122"/>
+              </a:rPr>
+              <a:t>有序表中，查找之前有一个</a:t>
+            </a:r>
+            <a:r>
+              <a:rPr kumimoji="1" lang="zh-CN" altLang="en-US" sz="2800" b="1" u="sng" dirty="0">
+                <a:latin typeface="Microsoft YaHei" panose="020B0503020204020204" pitchFamily="34" charset="-122"/>
+                <a:ea typeface="Microsoft YaHei" panose="020B0503020204020204" pitchFamily="34" charset="-122"/>
+              </a:rPr>
+              <a:t>前提</a:t>
+            </a:r>
+            <a:r>
+              <a:rPr kumimoji="1" lang="en-US" altLang="zh-CN" sz="2800" b="1" u="sng" dirty="0">
+                <a:latin typeface="Microsoft YaHei" panose="020B0503020204020204" pitchFamily="34" charset="-122"/>
+                <a:ea typeface="Microsoft YaHei" panose="020B0503020204020204" pitchFamily="34" charset="-122"/>
+              </a:rPr>
+              <a:t>---</a:t>
+            </a:r>
+            <a:r>
+              <a:rPr kumimoji="1" lang="zh-CN" altLang="en-US" sz="2800" b="1" u="sng" dirty="0">
+                <a:latin typeface="Microsoft YaHei" panose="020B0503020204020204" pitchFamily="34" charset="-122"/>
+                <a:ea typeface="Microsoft YaHei" panose="020B0503020204020204" pitchFamily="34" charset="-122"/>
+              </a:rPr>
+              <a:t>这个表是有序的</a:t>
+            </a:r>
+            <a:r>
+              <a:rPr kumimoji="1" lang="en-US" altLang="zh-CN" sz="2800" b="1" u="sng" dirty="0">
+                <a:latin typeface="Microsoft YaHei" panose="020B0503020204020204" pitchFamily="34" charset="-122"/>
+                <a:ea typeface="Microsoft YaHei" panose="020B0503020204020204" pitchFamily="34" charset="-122"/>
+              </a:rPr>
+              <a:t>(</a:t>
+            </a:r>
+            <a:r>
+              <a:rPr kumimoji="1" lang="zh-CN" altLang="en-US" sz="2800" b="1" u="sng" dirty="0">
+                <a:latin typeface="Microsoft YaHei" panose="020B0503020204020204" pitchFamily="34" charset="-122"/>
+                <a:ea typeface="Microsoft YaHei" panose="020B0503020204020204" pitchFamily="34" charset="-122"/>
+              </a:rPr>
+              <a:t>比如升序，或者降序排列</a:t>
+            </a:r>
+            <a:r>
+              <a:rPr kumimoji="1" lang="en-US" altLang="zh-CN" sz="2800" b="1" u="sng" dirty="0">
+                <a:latin typeface="Microsoft YaHei" panose="020B0503020204020204" pitchFamily="34" charset="-122"/>
+                <a:ea typeface="Microsoft YaHei" panose="020B0503020204020204" pitchFamily="34" charset="-122"/>
+              </a:rPr>
+              <a:t>)</a:t>
+            </a:r>
+            <a:endParaRPr kumimoji="1" lang="zh-CN" altLang="en-US" sz="2800" b="1" u="sng" dirty="0">
+              <a:latin typeface="微软雅黑" panose="020B0503020204020204" pitchFamily="34" charset="-122"/>
+              <a:ea typeface="Microsoft YaHei" panose="020B0503020204020204" pitchFamily="34" charset="-122"/>
+            </a:endParaRPr>
+          </a:p>
+        </p:txBody>
+      </p:sp>
+    </p:spTree>
+    <p:extLst>
+      <p:ext uri="{BB962C8B-B14F-4D97-AF65-F5344CB8AC3E}">
+        <p14:creationId xmlns:p14="http://schemas.microsoft.com/office/powerpoint/2010/main" val="3825433050"/>
+      </p:ext>
+    </p:extLst>
+  </p:cSld>
+  <p:clrMapOvr>
+    <a:masterClrMapping/>
+  </p:clrMapOvr>
+</p:sld>
+</file>
+
+<file path=ppt/slides/slide19.xml><?xml version="1.0" encoding="utf-8"?>
+<p:sld xmlns:a="http://schemas.openxmlformats.org/drawingml/2006/main" xmlns:r="http://schemas.openxmlformats.org/officeDocument/2006/relationships" xmlns:p="http://schemas.openxmlformats.org/presentationml/2006/main">
+  <p:cSld>
+    <p:bg>
+      <p:bgPr>
+        <a:blipFill>
+          <a:blip r:embed="rId2"/>
+          <a:tile tx="0" ty="0" sx="100000" sy="100000" flip="none" algn="tl"/>
+        </a:blipFill>
+        <a:effectLst/>
+      </p:bgPr>
+    </p:bg>
+    <p:spTree>
+      <p:nvGrpSpPr>
+        <p:cNvPr id="1" name=""/>
+        <p:cNvGrpSpPr/>
+        <p:nvPr/>
+      </p:nvGrpSpPr>
+      <p:grpSpPr>
+        <a:xfrm>
+          <a:off x="0" y="0"/>
+          <a:ext cx="0" cy="0"/>
+          <a:chOff x="0" y="0"/>
+          <a:chExt cx="0" cy="0"/>
+        </a:xfrm>
+      </p:grpSpPr>
+      <p:sp>
+        <p:nvSpPr>
+          <p:cNvPr id="3" name="文本框 2">
+            <a:extLst>
+              <a:ext uri="{FF2B5EF4-FFF2-40B4-BE49-F238E27FC236}">
+                <a16:creationId xmlns:a16="http://schemas.microsoft.com/office/drawing/2014/main" id="{62BFC649-BF8E-2841-8EAF-47AFBF9D6671}"/>
+              </a:ext>
+            </a:extLst>
+          </p:cNvPr>
+          <p:cNvSpPr txBox="1"/>
+          <p:nvPr/>
+        </p:nvSpPr>
+        <p:spPr>
+          <a:xfrm>
+            <a:off x="2054352" y="655874"/>
+            <a:ext cx="8083296" cy="830997"/>
+          </a:xfrm>
+          <a:prstGeom prst="rect">
+            <a:avLst/>
+          </a:prstGeom>
+          <a:noFill/>
+        </p:spPr>
+        <p:txBody>
+          <a:bodyPr wrap="square" rtlCol="0">
+            <a:spAutoFit/>
+          </a:bodyPr>
+          <a:lstStyle/>
+          <a:p>
+            <a:pPr algn="ctr"/>
+            <a:r>
+              <a:rPr kumimoji="1" lang="en-US" altLang="zh-CN" sz="4800" dirty="0">
+                <a:latin typeface="Microsoft YaHei" panose="020B0503020204020204" pitchFamily="34" charset="-122"/>
+                <a:ea typeface="Microsoft YaHei" panose="020B0503020204020204" pitchFamily="34" charset="-122"/>
+              </a:rPr>
+              <a:t>3.</a:t>
+            </a:r>
+            <a:r>
+              <a:rPr kumimoji="1" lang="zh-CN" altLang="en-US" sz="4800" dirty="0">
+                <a:latin typeface="Microsoft YaHei" panose="020B0503020204020204" pitchFamily="34" charset="-122"/>
+                <a:ea typeface="Microsoft YaHei" panose="020B0503020204020204" pitchFamily="34" charset="-122"/>
+              </a:rPr>
+              <a:t>动态查找</a:t>
+            </a:r>
+          </a:p>
+        </p:txBody>
+      </p:sp>
+      <p:sp>
+        <p:nvSpPr>
+          <p:cNvPr id="2" name="文本框 1">
+            <a:extLst>
+              <a:ext uri="{FF2B5EF4-FFF2-40B4-BE49-F238E27FC236}">
+                <a16:creationId xmlns:a16="http://schemas.microsoft.com/office/drawing/2014/main" id="{538F5205-E016-3B42-804F-62EA89F246AD}"/>
+              </a:ext>
+            </a:extLst>
+          </p:cNvPr>
+          <p:cNvSpPr txBox="1"/>
+          <p:nvPr/>
+        </p:nvSpPr>
+        <p:spPr>
+          <a:xfrm>
+            <a:off x="1786270" y="2360428"/>
+            <a:ext cx="9696893" cy="1569660"/>
+          </a:xfrm>
+          <a:prstGeom prst="rect">
+            <a:avLst/>
+          </a:prstGeom>
+          <a:noFill/>
+        </p:spPr>
+        <p:txBody>
+          <a:bodyPr wrap="square" rtlCol="0">
+            <a:spAutoFit/>
+          </a:bodyPr>
+          <a:lstStyle/>
+          <a:p>
+            <a:r>
+              <a:rPr kumimoji="1" lang="zh-CN" altLang="en-US" sz="2400" dirty="0"/>
+              <a:t>动态查找是一个对表进行“创建、扩充、修改、删除”的过程。动态查找的过程中对表的操作会多两个动作：如果某特定的关键字在表中不存在，则按照一定的规则将其插入表中；如果度已经存在，则可以对其执行删除操作。动态查找的过程虽然只是多了“插入”和“删除”的操作。</a:t>
+            </a:r>
+          </a:p>
+        </p:txBody>
+      </p:sp>
+    </p:spTree>
+    <p:extLst>
+      <p:ext uri="{BB962C8B-B14F-4D97-AF65-F5344CB8AC3E}">
+        <p14:creationId xmlns:p14="http://schemas.microsoft.com/office/powerpoint/2010/main" val="1981531383"/>
+      </p:ext>
+    </p:extLst>
+  </p:cSld>
+  <p:clrMapOvr>
+    <a:masterClrMapping/>
+  </p:clrMapOvr>
+</p:sld>
+</file>
+
+<file path=ppt/slides/slide2.xml><?xml version="1.0" encoding="utf-8"?>
+<p:sld xmlns:a="http://schemas.openxmlformats.org/drawingml/2006/main" xmlns:r="http://schemas.openxmlformats.org/officeDocument/2006/relationships" xmlns:p="http://schemas.openxmlformats.org/presentationml/2006/main">
+  <p:cSld>
+    <p:bg>
+      <p:bgPr>
+        <a:blipFill>
+          <a:blip r:embed="rId2"/>
+          <a:tile tx="0" ty="0" sx="100000" sy="100000" flip="none" algn="tl"/>
+        </a:blipFill>
+        <a:effectLst/>
+      </p:bgPr>
+    </p:bg>
+    <p:spTree>
+      <p:nvGrpSpPr>
+        <p:cNvPr id="1" name=""/>
+        <p:cNvGrpSpPr/>
+        <p:nvPr/>
+      </p:nvGrpSpPr>
+      <p:grpSpPr>
+        <a:xfrm>
+          <a:off x="0" y="0"/>
+          <a:ext cx="0" cy="0"/>
+          <a:chOff x="0" y="0"/>
+          <a:chExt cx="0" cy="0"/>
+        </a:xfrm>
+      </p:grpSpPr>
+      <p:sp>
+        <p:nvSpPr>
+          <p:cNvPr id="2" name="文本框 1">
+            <a:extLst>
+              <a:ext uri="{FF2B5EF4-FFF2-40B4-BE49-F238E27FC236}">
+                <a16:creationId xmlns:a16="http://schemas.microsoft.com/office/drawing/2014/main" id="{12AA8BCC-7B15-4842-80C2-48C079429338}"/>
+              </a:ext>
+            </a:extLst>
+          </p:cNvPr>
+          <p:cNvSpPr txBox="1"/>
+          <p:nvPr/>
+        </p:nvSpPr>
+        <p:spPr>
+          <a:xfrm>
+            <a:off x="2520000" y="720000"/>
+            <a:ext cx="7735824" cy="830997"/>
+          </a:xfrm>
+          <a:prstGeom prst="rect">
+            <a:avLst/>
+          </a:prstGeom>
+          <a:noFill/>
+        </p:spPr>
+        <p:txBody>
+          <a:bodyPr wrap="square" rtlCol="0">
+            <a:spAutoFit/>
+          </a:bodyPr>
+          <a:lstStyle/>
+          <a:p>
+            <a:pPr algn="ctr"/>
+            <a:r>
+              <a:rPr kumimoji="1" lang="zh-CN" altLang="en-US" sz="4800" dirty="0">
+                <a:latin typeface="Microsoft YaHei" panose="020B0503020204020204" pitchFamily="34" charset="-122"/>
+                <a:ea typeface="Microsoft YaHei" panose="020B0503020204020204" pitchFamily="34" charset="-122"/>
+              </a:rPr>
+              <a:t>这节课讲啥？</a:t>
+            </a:r>
+          </a:p>
+        </p:txBody>
+      </p:sp>
+      <p:sp>
+        <p:nvSpPr>
+          <p:cNvPr id="8" name="文本框 7">
+            <a:extLst>
+              <a:ext uri="{FF2B5EF4-FFF2-40B4-BE49-F238E27FC236}">
+                <a16:creationId xmlns:a16="http://schemas.microsoft.com/office/drawing/2014/main" id="{B294230C-E86E-7247-BAC6-5F43DED3D0AF}"/>
+              </a:ext>
+            </a:extLst>
+          </p:cNvPr>
+          <p:cNvSpPr txBox="1"/>
+          <p:nvPr/>
+        </p:nvSpPr>
+        <p:spPr>
+          <a:xfrm>
+            <a:off x="4571094" y="1550997"/>
+            <a:ext cx="4489778" cy="5660561"/>
+          </a:xfrm>
+          <a:prstGeom prst="rect">
+            <a:avLst/>
+          </a:prstGeom>
+          <a:noFill/>
+        </p:spPr>
+        <p:txBody>
+          <a:bodyPr wrap="square" tIns="360000" bIns="360000" rtlCol="0">
+            <a:spAutoFit/>
+          </a:bodyPr>
+          <a:lstStyle/>
+          <a:p>
+            <a:pPr marL="571500" indent="-571500">
+              <a:lnSpc>
+                <a:spcPct val="150000"/>
+              </a:lnSpc>
+              <a:buFont typeface="Wingdings" pitchFamily="2" charset="2"/>
+              <a:buChar char="Ø"/>
+            </a:pPr>
+            <a:r>
+              <a:rPr kumimoji="1" lang="zh-CN" altLang="en-US" sz="2400" dirty="0">
+                <a:latin typeface="Microsoft YaHei" panose="020B0503020204020204" pitchFamily="34" charset="-122"/>
+                <a:ea typeface="Microsoft YaHei" panose="020B0503020204020204" pitchFamily="34" charset="-122"/>
+              </a:rPr>
+              <a:t>什么是查找</a:t>
+            </a:r>
+            <a:endParaRPr kumimoji="1" lang="en-US" altLang="zh-CN" sz="2400" dirty="0">
+              <a:latin typeface="Microsoft YaHei" panose="020B0503020204020204" pitchFamily="34" charset="-122"/>
+              <a:ea typeface="Microsoft YaHei" panose="020B0503020204020204" pitchFamily="34" charset="-122"/>
+            </a:endParaRPr>
+          </a:p>
+          <a:p>
+            <a:pPr marL="571500" indent="-571500">
+              <a:lnSpc>
+                <a:spcPct val="150000"/>
+              </a:lnSpc>
+              <a:buFont typeface="Wingdings" pitchFamily="2" charset="2"/>
+              <a:buChar char="Ø"/>
+            </a:pPr>
+            <a:r>
+              <a:rPr kumimoji="1" lang="zh-CN" altLang="en-US" sz="2400" dirty="0">
+                <a:latin typeface="Microsoft YaHei" panose="020B0503020204020204" pitchFamily="34" charset="-122"/>
+                <a:ea typeface="Microsoft YaHei" panose="020B0503020204020204" pitchFamily="34" charset="-122"/>
+              </a:rPr>
+              <a:t>静态查找</a:t>
+            </a:r>
+            <a:endParaRPr kumimoji="1" lang="en-US" altLang="zh-CN" sz="2400" dirty="0">
+              <a:latin typeface="Microsoft YaHei" panose="020B0503020204020204" pitchFamily="34" charset="-122"/>
+              <a:ea typeface="Microsoft YaHei" panose="020B0503020204020204" pitchFamily="34" charset="-122"/>
+            </a:endParaRPr>
+          </a:p>
+          <a:p>
+            <a:pPr marL="1028700" lvl="1" indent="-571500">
+              <a:lnSpc>
+                <a:spcPct val="150000"/>
+              </a:lnSpc>
+              <a:buFont typeface="Wingdings" pitchFamily="2" charset="2"/>
+              <a:buChar char="Ø"/>
+            </a:pPr>
+            <a:r>
+              <a:rPr kumimoji="1" lang="zh-CN" altLang="en-US" sz="2400" dirty="0">
+                <a:latin typeface="Microsoft YaHei" panose="020B0503020204020204" pitchFamily="34" charset="-122"/>
+                <a:ea typeface="Microsoft YaHei" panose="020B0503020204020204" pitchFamily="34" charset="-122"/>
+              </a:rPr>
+              <a:t>顺序表查找</a:t>
+            </a:r>
+            <a:endParaRPr kumimoji="1" lang="en-US" altLang="zh-CN" sz="2400" dirty="0">
+              <a:latin typeface="Microsoft YaHei" panose="020B0503020204020204" pitchFamily="34" charset="-122"/>
+              <a:ea typeface="Microsoft YaHei" panose="020B0503020204020204" pitchFamily="34" charset="-122"/>
+            </a:endParaRPr>
+          </a:p>
+          <a:p>
+            <a:pPr marL="1028700" lvl="1" indent="-571500">
+              <a:lnSpc>
+                <a:spcPct val="150000"/>
+              </a:lnSpc>
+              <a:spcBef>
+                <a:spcPts val="100"/>
+              </a:spcBef>
+              <a:buFont typeface="Wingdings" pitchFamily="2" charset="2"/>
+              <a:buChar char="Ø"/>
+            </a:pPr>
+            <a:r>
+              <a:rPr kumimoji="1" lang="zh-CN" altLang="en-US" sz="2400" dirty="0">
+                <a:latin typeface="Microsoft YaHei" panose="020B0503020204020204" pitchFamily="34" charset="-122"/>
+                <a:ea typeface="Microsoft YaHei" panose="020B0503020204020204" pitchFamily="34" charset="-122"/>
+              </a:rPr>
+              <a:t>有序表查找</a:t>
+            </a:r>
+          </a:p>
+          <a:p>
+            <a:pPr marL="571500" indent="-571500">
+              <a:lnSpc>
+                <a:spcPct val="150000"/>
+              </a:lnSpc>
+              <a:buFont typeface="Wingdings" pitchFamily="2" charset="2"/>
+              <a:buChar char="Ø"/>
+            </a:pPr>
+            <a:r>
+              <a:rPr kumimoji="1" lang="zh-CN" altLang="en-US" sz="2400" dirty="0">
+                <a:latin typeface="Microsoft YaHei" panose="020B0503020204020204" pitchFamily="34" charset="-122"/>
+                <a:ea typeface="Microsoft YaHei" panose="020B0503020204020204" pitchFamily="34" charset="-122"/>
+              </a:rPr>
+              <a:t>动态查找</a:t>
+            </a:r>
+            <a:endParaRPr kumimoji="1" lang="en-US" altLang="zh-CN" sz="2400" dirty="0">
+              <a:latin typeface="Microsoft YaHei" panose="020B0503020204020204" pitchFamily="34" charset="-122"/>
+              <a:ea typeface="Microsoft YaHei" panose="020B0503020204020204" pitchFamily="34" charset="-122"/>
+            </a:endParaRPr>
+          </a:p>
+          <a:p>
+            <a:pPr marL="1028700" lvl="1" indent="-571500">
+              <a:lnSpc>
+                <a:spcPct val="150000"/>
+              </a:lnSpc>
+              <a:buFont typeface="Wingdings" pitchFamily="2" charset="2"/>
+              <a:buChar char="Ø"/>
+            </a:pPr>
+            <a:r>
+              <a:rPr kumimoji="1" lang="zh-CN" altLang="en-US" sz="2400" dirty="0">
+                <a:latin typeface="Microsoft YaHei" panose="020B0503020204020204" pitchFamily="34" charset="-122"/>
+                <a:ea typeface="Microsoft YaHei" panose="020B0503020204020204" pitchFamily="34" charset="-122"/>
+              </a:rPr>
+              <a:t>二叉排序树</a:t>
+            </a:r>
+            <a:endParaRPr kumimoji="1" lang="en-US" altLang="zh-CN" sz="2400" dirty="0">
+              <a:latin typeface="Microsoft YaHei" panose="020B0503020204020204" pitchFamily="34" charset="-122"/>
+              <a:ea typeface="Microsoft YaHei" panose="020B0503020204020204" pitchFamily="34" charset="-122"/>
+            </a:endParaRPr>
+          </a:p>
+          <a:p>
+            <a:pPr marL="1028700" lvl="1" indent="-571500">
+              <a:lnSpc>
+                <a:spcPct val="150000"/>
+              </a:lnSpc>
+              <a:buFont typeface="Wingdings" pitchFamily="2" charset="2"/>
+              <a:buChar char="Ø"/>
+            </a:pPr>
+            <a:r>
+              <a:rPr kumimoji="1" lang="zh-CN" altLang="en-US" sz="2400" dirty="0">
+                <a:latin typeface="Microsoft YaHei" panose="020B0503020204020204" pitchFamily="34" charset="-122"/>
+                <a:ea typeface="Microsoft YaHei" panose="020B0503020204020204" pitchFamily="34" charset="-122"/>
+              </a:rPr>
+              <a:t>平衡二叉树</a:t>
+            </a:r>
+            <a:endParaRPr kumimoji="1" lang="en-US" altLang="zh-CN" sz="2400" dirty="0">
+              <a:latin typeface="Microsoft YaHei" panose="020B0503020204020204" pitchFamily="34" charset="-122"/>
+              <a:ea typeface="Microsoft YaHei" panose="020B0503020204020204" pitchFamily="34" charset="-122"/>
+            </a:endParaRPr>
+          </a:p>
+          <a:p>
+            <a:pPr marL="571500" indent="-571500">
+              <a:lnSpc>
+                <a:spcPct val="150000"/>
+              </a:lnSpc>
+              <a:buFont typeface="Wingdings" pitchFamily="2" charset="2"/>
+              <a:buChar char="Ø"/>
+            </a:pPr>
+            <a:r>
+              <a:rPr kumimoji="1" lang="zh-CN" altLang="en-US" sz="2400" dirty="0">
+                <a:latin typeface="Microsoft YaHei" panose="020B0503020204020204" pitchFamily="34" charset="-122"/>
+                <a:ea typeface="Microsoft YaHei" panose="020B0503020204020204" pitchFamily="34" charset="-122"/>
+              </a:rPr>
+              <a:t>二叉查找</a:t>
+            </a:r>
+            <a:endParaRPr kumimoji="1" lang="en-US" altLang="zh-CN" sz="2400" dirty="0">
+              <a:latin typeface="Microsoft YaHei" panose="020B0503020204020204" pitchFamily="34" charset="-122"/>
+              <a:ea typeface="Microsoft YaHei" panose="020B0503020204020204" pitchFamily="34" charset="-122"/>
+            </a:endParaRPr>
+          </a:p>
+          <a:p>
+            <a:pPr marL="571500" indent="-571500">
+              <a:lnSpc>
+                <a:spcPct val="150000"/>
+              </a:lnSpc>
+              <a:buFont typeface="Wingdings" pitchFamily="2" charset="2"/>
+              <a:buChar char="Ø"/>
+            </a:pPr>
+            <a:r>
+              <a:rPr kumimoji="1" lang="zh-CN" altLang="en-US" sz="2400" dirty="0">
+                <a:latin typeface="Microsoft YaHei" panose="020B0503020204020204" pitchFamily="34" charset="-122"/>
+                <a:ea typeface="Microsoft YaHei" panose="020B0503020204020204" pitchFamily="34" charset="-122"/>
+              </a:rPr>
+              <a:t>散列表</a:t>
+            </a:r>
+            <a:r>
+              <a:rPr kumimoji="1" lang="en-US" altLang="zh-CN" sz="2400" dirty="0">
+                <a:latin typeface="Microsoft YaHei" panose="020B0503020204020204" pitchFamily="34" charset="-122"/>
+                <a:ea typeface="Microsoft YaHei" panose="020B0503020204020204" pitchFamily="34" charset="-122"/>
+              </a:rPr>
+              <a:t>Hash</a:t>
+            </a:r>
+            <a:r>
+              <a:rPr kumimoji="1" lang="zh-CN" altLang="en-US" sz="2400" dirty="0">
+                <a:latin typeface="Microsoft YaHei" panose="020B0503020204020204" pitchFamily="34" charset="-122"/>
+                <a:ea typeface="Microsoft YaHei" panose="020B0503020204020204" pitchFamily="34" charset="-122"/>
+              </a:rPr>
+              <a:t>查找</a:t>
+            </a:r>
+            <a:endParaRPr kumimoji="1" lang="en-US" altLang="zh-CN" sz="2400" dirty="0">
+              <a:latin typeface="Microsoft YaHei" panose="020B0503020204020204" pitchFamily="34" charset="-122"/>
+              <a:ea typeface="Microsoft YaHei" panose="020B0503020204020204" pitchFamily="34" charset="-122"/>
+            </a:endParaRPr>
+          </a:p>
+        </p:txBody>
+      </p:sp>
+    </p:spTree>
+    <p:extLst>
+      <p:ext uri="{BB962C8B-B14F-4D97-AF65-F5344CB8AC3E}">
+        <p14:creationId xmlns:p14="http://schemas.microsoft.com/office/powerpoint/2010/main" val="4038558307"/>
+      </p:ext>
+    </p:extLst>
+  </p:cSld>
+  <p:clrMapOvr>
+    <a:masterClrMapping/>
+  </p:clrMapOvr>
+</p:sld>
+</file>
+
+<file path=ppt/slides/slide20.xml><?xml version="1.0" encoding="utf-8"?>
+<p:sld xmlns:a="http://schemas.openxmlformats.org/drawingml/2006/main" xmlns:r="http://schemas.openxmlformats.org/officeDocument/2006/relationships" xmlns:p="http://schemas.openxmlformats.org/presentationml/2006/main">
+  <p:cSld>
+    <p:bg>
+      <p:bgPr>
+        <a:blipFill>
+          <a:blip r:embed="rId2"/>
+          <a:tile tx="0" ty="0" sx="100000" sy="100000" flip="none" algn="tl"/>
+        </a:blipFill>
+        <a:effectLst/>
+      </p:bgPr>
+    </p:bg>
+    <p:spTree>
+      <p:nvGrpSpPr>
+        <p:cNvPr id="1" name=""/>
+        <p:cNvGrpSpPr/>
+        <p:nvPr/>
+      </p:nvGrpSpPr>
+      <p:grpSpPr>
+        <a:xfrm>
+          <a:off x="0" y="0"/>
+          <a:ext cx="0" cy="0"/>
+          <a:chOff x="0" y="0"/>
+          <a:chExt cx="0" cy="0"/>
+        </a:xfrm>
+      </p:grpSpPr>
+      <p:sp>
+        <p:nvSpPr>
+          <p:cNvPr id="3" name="文本框 2">
+            <a:extLst>
+              <a:ext uri="{FF2B5EF4-FFF2-40B4-BE49-F238E27FC236}">
+                <a16:creationId xmlns:a16="http://schemas.microsoft.com/office/drawing/2014/main" id="{62BFC649-BF8E-2841-8EAF-47AFBF9D6671}"/>
+              </a:ext>
+            </a:extLst>
+          </p:cNvPr>
+          <p:cNvSpPr txBox="1"/>
+          <p:nvPr/>
+        </p:nvSpPr>
+        <p:spPr>
+          <a:xfrm>
+            <a:off x="2054352" y="655874"/>
+            <a:ext cx="8083296" cy="830997"/>
+          </a:xfrm>
+          <a:prstGeom prst="rect">
+            <a:avLst/>
+          </a:prstGeom>
+          <a:noFill/>
+        </p:spPr>
+        <p:txBody>
+          <a:bodyPr wrap="square" rtlCol="0">
+            <a:spAutoFit/>
+          </a:bodyPr>
+          <a:lstStyle/>
+          <a:p>
+            <a:pPr algn="ctr"/>
+            <a:r>
+              <a:rPr kumimoji="1" lang="en-US" altLang="zh-CN" sz="4800" dirty="0">
+                <a:latin typeface="Microsoft YaHei" panose="020B0503020204020204" pitchFamily="34" charset="-122"/>
+                <a:ea typeface="Microsoft YaHei" panose="020B0503020204020204" pitchFamily="34" charset="-122"/>
+              </a:rPr>
+              <a:t>3.1.</a:t>
+            </a:r>
+            <a:r>
+              <a:rPr kumimoji="1" lang="zh-CN" altLang="en-US" sz="4800" dirty="0">
+                <a:latin typeface="Microsoft YaHei" panose="020B0503020204020204" pitchFamily="34" charset="-122"/>
+                <a:ea typeface="Microsoft YaHei" panose="020B0503020204020204" pitchFamily="34" charset="-122"/>
+              </a:rPr>
+              <a:t>二叉查找</a:t>
+            </a:r>
+          </a:p>
+        </p:txBody>
+      </p:sp>
+    </p:spTree>
+    <p:extLst>
+      <p:ext uri="{BB962C8B-B14F-4D97-AF65-F5344CB8AC3E}">
+        <p14:creationId xmlns:p14="http://schemas.microsoft.com/office/powerpoint/2010/main" val="846971500"/>
+      </p:ext>
+    </p:extLst>
+  </p:cSld>
+  <p:clrMapOvr>
+    <a:masterClrMapping/>
+  </p:clrMapOvr>
+</p:sld>
+</file>
+
+<file path=ppt/slides/slide21.xml><?xml version="1.0" encoding="utf-8"?>
+<p:sld xmlns:a="http://schemas.openxmlformats.org/drawingml/2006/main" xmlns:r="http://schemas.openxmlformats.org/officeDocument/2006/relationships" xmlns:p="http://schemas.openxmlformats.org/presentationml/2006/main">
+  <p:cSld>
+    <p:bg>
+      <p:bgPr>
+        <a:blipFill>
+          <a:blip r:embed="rId2"/>
+          <a:tile tx="0" ty="0" sx="100000" sy="100000" flip="none" algn="tl"/>
+        </a:blipFill>
+        <a:effectLst/>
+      </p:bgPr>
+    </p:bg>
+    <p:spTree>
+      <p:nvGrpSpPr>
+        <p:cNvPr id="1" name=""/>
+        <p:cNvGrpSpPr/>
+        <p:nvPr/>
+      </p:nvGrpSpPr>
+      <p:grpSpPr>
+        <a:xfrm>
+          <a:off x="0" y="0"/>
+          <a:ext cx="0" cy="0"/>
+          <a:chOff x="0" y="0"/>
+          <a:chExt cx="0" cy="0"/>
+        </a:xfrm>
+      </p:grpSpPr>
+      <p:sp>
+        <p:nvSpPr>
+          <p:cNvPr id="3" name="文本框 2">
+            <a:extLst>
+              <a:ext uri="{FF2B5EF4-FFF2-40B4-BE49-F238E27FC236}">
+                <a16:creationId xmlns:a16="http://schemas.microsoft.com/office/drawing/2014/main" id="{62BFC649-BF8E-2841-8EAF-47AFBF9D6671}"/>
+              </a:ext>
+            </a:extLst>
+          </p:cNvPr>
+          <p:cNvSpPr txBox="1"/>
+          <p:nvPr/>
+        </p:nvSpPr>
+        <p:spPr>
+          <a:xfrm>
+            <a:off x="2054352" y="655874"/>
+            <a:ext cx="8083296" cy="830997"/>
+          </a:xfrm>
+          <a:prstGeom prst="rect">
+            <a:avLst/>
+          </a:prstGeom>
+          <a:noFill/>
+        </p:spPr>
+        <p:txBody>
+          <a:bodyPr wrap="square" rtlCol="0">
+            <a:spAutoFit/>
+          </a:bodyPr>
+          <a:lstStyle/>
+          <a:p>
+            <a:pPr algn="ctr"/>
+            <a:r>
+              <a:rPr kumimoji="1" lang="en-US" altLang="zh-CN" sz="4800" dirty="0">
+                <a:latin typeface="Microsoft YaHei" panose="020B0503020204020204" pitchFamily="34" charset="-122"/>
+                <a:ea typeface="Microsoft YaHei" panose="020B0503020204020204" pitchFamily="34" charset="-122"/>
+              </a:rPr>
+              <a:t>3.2.</a:t>
+            </a:r>
+            <a:r>
+              <a:rPr kumimoji="1" lang="zh-CN" altLang="en-US" sz="4800" dirty="0">
+                <a:latin typeface="Microsoft YaHei" panose="020B0503020204020204" pitchFamily="34" charset="-122"/>
+                <a:ea typeface="Microsoft YaHei" panose="020B0503020204020204" pitchFamily="34" charset="-122"/>
+              </a:rPr>
+              <a:t> 平衡二叉树</a:t>
+            </a:r>
+          </a:p>
+        </p:txBody>
+      </p:sp>
+    </p:spTree>
+    <p:extLst>
+      <p:ext uri="{BB962C8B-B14F-4D97-AF65-F5344CB8AC3E}">
+        <p14:creationId xmlns:p14="http://schemas.microsoft.com/office/powerpoint/2010/main" val="829333169"/>
+      </p:ext>
+    </p:extLst>
+  </p:cSld>
+  <p:clrMapOvr>
+    <a:masterClrMapping/>
+  </p:clrMapOvr>
+</p:sld>
+</file>
+
+<file path=ppt/slides/slide22.xml><?xml version="1.0" encoding="utf-8"?>
+<p:sld xmlns:a="http://schemas.openxmlformats.org/drawingml/2006/main" xmlns:r="http://schemas.openxmlformats.org/officeDocument/2006/relationships" xmlns:p="http://schemas.openxmlformats.org/presentationml/2006/main">
+  <p:cSld>
+    <p:bg>
+      <p:bgPr>
+        <a:blipFill>
+          <a:blip r:embed="rId2"/>
+          <a:tile tx="0" ty="0" sx="100000" sy="100000" flip="none" algn="tl"/>
+        </a:blipFill>
+        <a:effectLst/>
+      </p:bgPr>
+    </p:bg>
+    <p:spTree>
+      <p:nvGrpSpPr>
+        <p:cNvPr id="1" name=""/>
+        <p:cNvGrpSpPr/>
+        <p:nvPr/>
+      </p:nvGrpSpPr>
+      <p:grpSpPr>
+        <a:xfrm>
+          <a:off x="0" y="0"/>
+          <a:ext cx="0" cy="0"/>
+          <a:chOff x="0" y="0"/>
+          <a:chExt cx="0" cy="0"/>
+        </a:xfrm>
+      </p:grpSpPr>
+      <p:sp>
+        <p:nvSpPr>
+          <p:cNvPr id="3" name="文本框 2">
+            <a:extLst>
+              <a:ext uri="{FF2B5EF4-FFF2-40B4-BE49-F238E27FC236}">
+                <a16:creationId xmlns:a16="http://schemas.microsoft.com/office/drawing/2014/main" id="{62BFC649-BF8E-2841-8EAF-47AFBF9D6671}"/>
+              </a:ext>
+            </a:extLst>
+          </p:cNvPr>
+          <p:cNvSpPr txBox="1"/>
+          <p:nvPr/>
+        </p:nvSpPr>
+        <p:spPr>
+          <a:xfrm>
+            <a:off x="2054352" y="655874"/>
+            <a:ext cx="8083296" cy="830997"/>
+          </a:xfrm>
+          <a:prstGeom prst="rect">
+            <a:avLst/>
+          </a:prstGeom>
+          <a:noFill/>
+        </p:spPr>
+        <p:txBody>
+          <a:bodyPr wrap="square" rtlCol="0">
+            <a:spAutoFit/>
+          </a:bodyPr>
+          <a:lstStyle/>
+          <a:p>
+            <a:pPr algn="ctr"/>
+            <a:r>
+              <a:rPr kumimoji="1" lang="en-US" altLang="zh-CN" sz="4800" dirty="0">
+                <a:latin typeface="Microsoft YaHei" panose="020B0503020204020204" pitchFamily="34" charset="-122"/>
+                <a:ea typeface="Microsoft YaHei" panose="020B0503020204020204" pitchFamily="34" charset="-122"/>
+              </a:rPr>
+              <a:t>3.3.</a:t>
+            </a:r>
+            <a:r>
+              <a:rPr kumimoji="1" lang="zh-CN" altLang="en-US" sz="4800" dirty="0">
+                <a:latin typeface="Microsoft YaHei" panose="020B0503020204020204" pitchFamily="34" charset="-122"/>
+                <a:ea typeface="Microsoft YaHei" panose="020B0503020204020204" pitchFamily="34" charset="-122"/>
+              </a:rPr>
+              <a:t> </a:t>
+            </a:r>
+            <a:r>
+              <a:rPr kumimoji="1" lang="en-US" altLang="zh-CN" sz="4800" dirty="0">
+                <a:latin typeface="Microsoft YaHei" panose="020B0503020204020204" pitchFamily="34" charset="-122"/>
+                <a:ea typeface="Microsoft YaHei" panose="020B0503020204020204" pitchFamily="34" charset="-122"/>
+              </a:rPr>
+              <a:t>B_</a:t>
+            </a:r>
+            <a:r>
+              <a:rPr kumimoji="1" lang="zh-CN" altLang="en-US" sz="4800" dirty="0">
+                <a:latin typeface="Microsoft YaHei" panose="020B0503020204020204" pitchFamily="34" charset="-122"/>
+                <a:ea typeface="Microsoft YaHei" panose="020B0503020204020204" pitchFamily="34" charset="-122"/>
+              </a:rPr>
+              <a:t>树和</a:t>
+            </a:r>
+            <a:r>
+              <a:rPr kumimoji="1" lang="en-US" altLang="zh-CN" sz="4800" dirty="0">
+                <a:latin typeface="Microsoft YaHei" panose="020B0503020204020204" pitchFamily="34" charset="-122"/>
+                <a:ea typeface="Microsoft YaHei" panose="020B0503020204020204" pitchFamily="34" charset="-122"/>
+              </a:rPr>
+              <a:t>B+</a:t>
+            </a:r>
+            <a:r>
+              <a:rPr kumimoji="1" lang="zh-CN" altLang="en-US" sz="4800" dirty="0">
+                <a:latin typeface="Microsoft YaHei" panose="020B0503020204020204" pitchFamily="34" charset="-122"/>
+                <a:ea typeface="Microsoft YaHei" panose="020B0503020204020204" pitchFamily="34" charset="-122"/>
+              </a:rPr>
+              <a:t>树</a:t>
+            </a:r>
+          </a:p>
+        </p:txBody>
+      </p:sp>
+    </p:spTree>
+    <p:extLst>
+      <p:ext uri="{BB962C8B-B14F-4D97-AF65-F5344CB8AC3E}">
+        <p14:creationId xmlns:p14="http://schemas.microsoft.com/office/powerpoint/2010/main" val="4124277410"/>
+      </p:ext>
+    </p:extLst>
+  </p:cSld>
+  <p:clrMapOvr>
+    <a:masterClrMapping/>
+  </p:clrMapOvr>
+</p:sld>
+</file>
+
+<file path=ppt/slides/slide23.xml><?xml version="1.0" encoding="utf-8"?>
+<p:sld xmlns:a="http://schemas.openxmlformats.org/drawingml/2006/main" xmlns:r="http://schemas.openxmlformats.org/officeDocument/2006/relationships" xmlns:p="http://schemas.openxmlformats.org/presentationml/2006/main">
+  <p:cSld>
+    <p:bg>
+      <p:bgPr>
+        <a:blipFill>
+          <a:blip r:embed="rId2"/>
+          <a:tile tx="0" ty="0" sx="100000" sy="100000" flip="none" algn="tl"/>
+        </a:blipFill>
+        <a:effectLst/>
+      </p:bgPr>
+    </p:bg>
+    <p:spTree>
+      <p:nvGrpSpPr>
+        <p:cNvPr id="1" name=""/>
+        <p:cNvGrpSpPr/>
+        <p:nvPr/>
+      </p:nvGrpSpPr>
+      <p:grpSpPr>
+        <a:xfrm>
+          <a:off x="0" y="0"/>
+          <a:ext cx="0" cy="0"/>
+          <a:chOff x="0" y="0"/>
+          <a:chExt cx="0" cy="0"/>
+        </a:xfrm>
+      </p:grpSpPr>
+      <p:sp>
+        <p:nvSpPr>
+          <p:cNvPr id="3" name="文本框 2">
+            <a:extLst>
+              <a:ext uri="{FF2B5EF4-FFF2-40B4-BE49-F238E27FC236}">
+                <a16:creationId xmlns:a16="http://schemas.microsoft.com/office/drawing/2014/main" id="{62BFC649-BF8E-2841-8EAF-47AFBF9D6671}"/>
+              </a:ext>
+            </a:extLst>
+          </p:cNvPr>
+          <p:cNvSpPr txBox="1"/>
+          <p:nvPr/>
+        </p:nvSpPr>
+        <p:spPr>
+          <a:xfrm>
+            <a:off x="2054352" y="718220"/>
+            <a:ext cx="8083296" cy="830997"/>
+          </a:xfrm>
+          <a:prstGeom prst="rect">
+            <a:avLst/>
+          </a:prstGeom>
+          <a:noFill/>
+        </p:spPr>
+        <p:txBody>
+          <a:bodyPr wrap="square" rtlCol="0">
+            <a:spAutoFit/>
+          </a:bodyPr>
+          <a:lstStyle/>
+          <a:p>
+            <a:pPr algn="ctr"/>
+            <a:r>
+              <a:rPr kumimoji="1" lang="en-US" altLang="zh-CN" sz="4800" dirty="0">
+                <a:latin typeface="Microsoft YaHei" panose="020B0503020204020204" pitchFamily="34" charset="-122"/>
+                <a:ea typeface="Microsoft YaHei" panose="020B0503020204020204" pitchFamily="34" charset="-122"/>
+              </a:rPr>
+              <a:t>5.</a:t>
+            </a:r>
+            <a:r>
+              <a:rPr kumimoji="1" lang="zh-CN" altLang="en-US" sz="4800" dirty="0">
+                <a:latin typeface="Microsoft YaHei" panose="020B0503020204020204" pitchFamily="34" charset="-122"/>
+                <a:ea typeface="Microsoft YaHei" panose="020B0503020204020204" pitchFamily="34" charset="-122"/>
+              </a:rPr>
+              <a:t>哈希表查找</a:t>
+            </a:r>
+          </a:p>
+        </p:txBody>
+      </p:sp>
+      <p:sp>
+        <p:nvSpPr>
+          <p:cNvPr id="2" name="文本框 1">
+            <a:extLst>
+              <a:ext uri="{FF2B5EF4-FFF2-40B4-BE49-F238E27FC236}">
+                <a16:creationId xmlns:a16="http://schemas.microsoft.com/office/drawing/2014/main" id="{2348A353-F74A-F749-85B3-0743B6EAB0EF}"/>
+              </a:ext>
+            </a:extLst>
+          </p:cNvPr>
+          <p:cNvSpPr txBox="1"/>
+          <p:nvPr/>
+        </p:nvSpPr>
+        <p:spPr>
+          <a:xfrm>
+            <a:off x="2466753" y="2445488"/>
+            <a:ext cx="6039294" cy="523220"/>
+          </a:xfrm>
+          <a:prstGeom prst="rect">
+            <a:avLst/>
+          </a:prstGeom>
+          <a:noFill/>
+        </p:spPr>
+        <p:txBody>
+          <a:bodyPr wrap="square" rtlCol="0">
+            <a:spAutoFit/>
+          </a:bodyPr>
+          <a:lstStyle/>
+          <a:p>
+            <a:r>
+              <a:rPr kumimoji="1" lang="zh-CN" altLang="en-US" sz="2800" dirty="0"/>
+              <a:t>基于单链表的基础，增加循环的功能</a:t>
+            </a:r>
+          </a:p>
+        </p:txBody>
+      </p:sp>
+    </p:spTree>
+    <p:extLst>
+      <p:ext uri="{BB962C8B-B14F-4D97-AF65-F5344CB8AC3E}">
+        <p14:creationId xmlns:p14="http://schemas.microsoft.com/office/powerpoint/2010/main" val="1742615019"/>
+      </p:ext>
+    </p:extLst>
+  </p:cSld>
+  <p:clrMapOvr>
+    <a:masterClrMapping/>
+  </p:clrMapOvr>
+</p:sld>
+</file>
+
+<file path=ppt/slides/slide24.xml><?xml version="1.0" encoding="utf-8"?>
+<p:sld xmlns:a="http://schemas.openxmlformats.org/drawingml/2006/main" xmlns:r="http://schemas.openxmlformats.org/officeDocument/2006/relationships" xmlns:p="http://schemas.openxmlformats.org/presentationml/2006/main">
+  <p:cSld>
+    <p:bg>
+      <p:bgPr>
+        <a:blipFill>
+          <a:blip r:embed="rId2"/>
+          <a:tile tx="0" ty="0" sx="100000" sy="100000" flip="none" algn="tl"/>
+        </a:blipFill>
+        <a:effectLst/>
+      </p:bgPr>
+    </p:bg>
+    <p:spTree>
+      <p:nvGrpSpPr>
+        <p:cNvPr id="1" name=""/>
+        <p:cNvGrpSpPr/>
+        <p:nvPr/>
+      </p:nvGrpSpPr>
+      <p:grpSpPr>
+        <a:xfrm>
+          <a:off x="0" y="0"/>
+          <a:ext cx="0" cy="0"/>
+          <a:chOff x="0" y="0"/>
+          <a:chExt cx="0" cy="0"/>
+        </a:xfrm>
+      </p:grpSpPr>
+      <p:sp>
+        <p:nvSpPr>
+          <p:cNvPr id="3" name="文本框 2">
+            <a:extLst>
+              <a:ext uri="{FF2B5EF4-FFF2-40B4-BE49-F238E27FC236}">
+                <a16:creationId xmlns:a16="http://schemas.microsoft.com/office/drawing/2014/main" id="{62BFC649-BF8E-2841-8EAF-47AFBF9D6671}"/>
+              </a:ext>
+            </a:extLst>
+          </p:cNvPr>
+          <p:cNvSpPr txBox="1"/>
+          <p:nvPr/>
+        </p:nvSpPr>
+        <p:spPr>
+          <a:xfrm>
+            <a:off x="2054352" y="718220"/>
+            <a:ext cx="8083296" cy="830997"/>
+          </a:xfrm>
+          <a:prstGeom prst="rect">
+            <a:avLst/>
+          </a:prstGeom>
+          <a:noFill/>
+        </p:spPr>
+        <p:txBody>
+          <a:bodyPr wrap="square" rtlCol="0">
+            <a:spAutoFit/>
+          </a:bodyPr>
+          <a:lstStyle/>
+          <a:p>
+            <a:pPr algn="ctr"/>
+            <a:r>
+              <a:rPr kumimoji="1" lang="en-US" altLang="zh-CN" sz="4800" dirty="0">
+                <a:latin typeface="Microsoft YaHei" panose="020B0503020204020204" pitchFamily="34" charset="-122"/>
+                <a:ea typeface="Microsoft YaHei" panose="020B0503020204020204" pitchFamily="34" charset="-122"/>
+              </a:rPr>
+              <a:t>PageRank</a:t>
+            </a:r>
+            <a:r>
+              <a:rPr kumimoji="1" lang="zh-CN" altLang="en-US" sz="4800" dirty="0">
+                <a:latin typeface="Microsoft YaHei" panose="020B0503020204020204" pitchFamily="34" charset="-122"/>
+                <a:ea typeface="Microsoft YaHei" panose="020B0503020204020204" pitchFamily="34" charset="-122"/>
+              </a:rPr>
+              <a:t>算法</a:t>
+            </a:r>
+          </a:p>
+        </p:txBody>
+      </p:sp>
+      <p:sp>
+        <p:nvSpPr>
+          <p:cNvPr id="2" name="文本框 1">
+            <a:extLst>
+              <a:ext uri="{FF2B5EF4-FFF2-40B4-BE49-F238E27FC236}">
+                <a16:creationId xmlns:a16="http://schemas.microsoft.com/office/drawing/2014/main" id="{2348A353-F74A-F749-85B3-0743B6EAB0EF}"/>
+              </a:ext>
+            </a:extLst>
+          </p:cNvPr>
+          <p:cNvSpPr txBox="1"/>
+          <p:nvPr/>
+        </p:nvSpPr>
+        <p:spPr>
+          <a:xfrm>
+            <a:off x="2466753" y="2445488"/>
+            <a:ext cx="6039294" cy="3108543"/>
+          </a:xfrm>
+          <a:prstGeom prst="rect">
+            <a:avLst/>
+          </a:prstGeom>
+          <a:noFill/>
+        </p:spPr>
+        <p:txBody>
+          <a:bodyPr wrap="square" rtlCol="0">
+            <a:spAutoFit/>
+          </a:bodyPr>
+          <a:lstStyle/>
+          <a:p>
+            <a:r>
+              <a:rPr lang="en-US" altLang="zh-CN" sz="2800" dirty="0">
+                <a:hlinkClick r:id="rId3"/>
+              </a:rPr>
+              <a:t>https://zhuanlan.zhihu.com/p/86004363</a:t>
+            </a:r>
+            <a:endParaRPr lang="en-US" altLang="zh-CN" sz="2800" dirty="0"/>
+          </a:p>
+          <a:p>
+            <a:endParaRPr kumimoji="1" lang="en-US" altLang="zh-CN" sz="2800" dirty="0"/>
+          </a:p>
+          <a:p>
+            <a:endParaRPr kumimoji="1" lang="en-US" altLang="zh-CN" sz="2800" dirty="0"/>
+          </a:p>
+          <a:p>
+            <a:r>
+              <a:rPr kumimoji="1" lang="zh-CN" altLang="en-US" sz="2800" dirty="0"/>
+              <a:t>视频</a:t>
+            </a:r>
+            <a:endParaRPr kumimoji="1" lang="en-US" altLang="zh-CN" sz="2800" dirty="0"/>
+          </a:p>
+          <a:p>
+            <a:r>
+              <a:rPr lang="en-US" altLang="zh-CN" sz="2800" dirty="0">
+                <a:hlinkClick r:id="rId4"/>
+              </a:rPr>
+              <a:t>https://www.bilibili.com/video/av21858150/</a:t>
+            </a:r>
+            <a:endParaRPr kumimoji="1" lang="zh-CN" altLang="en-US" sz="2800" dirty="0"/>
+          </a:p>
+        </p:txBody>
+      </p:sp>
+    </p:spTree>
+    <p:extLst>
+      <p:ext uri="{BB962C8B-B14F-4D97-AF65-F5344CB8AC3E}">
+        <p14:creationId xmlns:p14="http://schemas.microsoft.com/office/powerpoint/2010/main" val="3110550938"/>
+      </p:ext>
+    </p:extLst>
+  </p:cSld>
+  <p:clrMapOvr>
+    <a:masterClrMapping/>
+  </p:clrMapOvr>
+</p:sld>
+</file>
+
+<file path=ppt/slides/slide25.xml><?xml version="1.0" encoding="utf-8"?>
+<p:sld xmlns:a="http://schemas.openxmlformats.org/drawingml/2006/main" xmlns:r="http://schemas.openxmlformats.org/officeDocument/2006/relationships" xmlns:p="http://schemas.openxmlformats.org/presentationml/2006/main">
+  <p:cSld>
+    <p:bg>
+      <p:bgPr>
+        <a:blipFill>
+          <a:blip r:embed="rId3"/>
+          <a:tile tx="0" ty="0" sx="100000" sy="100000" flip="none" algn="tl"/>
+        </a:blipFill>
+        <a:effectLst/>
+      </p:bgPr>
+    </p:bg>
+    <p:spTree>
+      <p:nvGrpSpPr>
+        <p:cNvPr id="1" name=""/>
+        <p:cNvGrpSpPr/>
+        <p:nvPr/>
+      </p:nvGrpSpPr>
+      <p:grpSpPr>
+        <a:xfrm>
+          <a:off x="0" y="0"/>
+          <a:ext cx="0" cy="0"/>
+          <a:chOff x="0" y="0"/>
+          <a:chExt cx="0" cy="0"/>
+        </a:xfrm>
+      </p:grpSpPr>
+      <p:sp>
+        <p:nvSpPr>
+          <p:cNvPr id="2" name="文本框 1">
+            <a:extLst>
+              <a:ext uri="{FF2B5EF4-FFF2-40B4-BE49-F238E27FC236}">
+                <a16:creationId xmlns:a16="http://schemas.microsoft.com/office/drawing/2014/main" id="{12AA8BCC-7B15-4842-80C2-48C079429338}"/>
+              </a:ext>
+            </a:extLst>
+          </p:cNvPr>
+          <p:cNvSpPr txBox="1"/>
+          <p:nvPr/>
+        </p:nvSpPr>
+        <p:spPr>
+          <a:xfrm>
+            <a:off x="2228088" y="2921168"/>
+            <a:ext cx="7735824" cy="1015663"/>
+          </a:xfrm>
+          <a:prstGeom prst="rect">
+            <a:avLst/>
+          </a:prstGeom>
+          <a:noFill/>
+        </p:spPr>
+        <p:txBody>
+          <a:bodyPr wrap="square" rtlCol="0">
+            <a:spAutoFit/>
+          </a:bodyPr>
+          <a:lstStyle/>
+          <a:p>
+            <a:pPr algn="ctr"/>
+            <a:r>
+              <a:rPr kumimoji="1" lang="zh-CN" altLang="en-US" sz="6000" dirty="0">
+                <a:latin typeface="Microsoft YaHei" panose="020B0503020204020204" pitchFamily="34" charset="-122"/>
+                <a:ea typeface="Microsoft YaHei" panose="020B0503020204020204" pitchFamily="34" charset="-122"/>
+              </a:rPr>
+              <a:t>这堂课我们学了撒？</a:t>
+            </a:r>
+          </a:p>
+        </p:txBody>
+      </p:sp>
+    </p:spTree>
+    <p:extLst>
+      <p:ext uri="{BB962C8B-B14F-4D97-AF65-F5344CB8AC3E}">
+        <p14:creationId xmlns:p14="http://schemas.microsoft.com/office/powerpoint/2010/main" val="3338372476"/>
+      </p:ext>
+    </p:extLst>
+  </p:cSld>
+  <p:clrMapOvr>
+    <a:masterClrMapping/>
+  </p:clrMapOvr>
+</p:sld>
+</file>
+
+<file path=ppt/slides/slide26.xml><?xml version="1.0" encoding="utf-8"?>
+<p:sld xmlns:a="http://schemas.openxmlformats.org/drawingml/2006/main" xmlns:r="http://schemas.openxmlformats.org/officeDocument/2006/relationships" xmlns:p="http://schemas.openxmlformats.org/presentationml/2006/main">
+  <p:cSld>
+    <p:bg>
+      <p:bgPr>
+        <a:blipFill>
+          <a:blip r:embed="rId3"/>
+          <a:tile tx="0" ty="0" sx="100000" sy="100000" flip="none" algn="tl"/>
+        </a:blipFill>
+        <a:effectLst/>
+      </p:bgPr>
+    </p:bg>
+    <p:spTree>
+      <p:nvGrpSpPr>
+        <p:cNvPr id="1" name=""/>
+        <p:cNvGrpSpPr/>
+        <p:nvPr/>
+      </p:nvGrpSpPr>
+      <p:grpSpPr>
+        <a:xfrm>
+          <a:off x="0" y="0"/>
+          <a:ext cx="0" cy="0"/>
+          <a:chOff x="0" y="0"/>
+          <a:chExt cx="0" cy="0"/>
+        </a:xfrm>
+      </p:grpSpPr>
+      <p:sp>
+        <p:nvSpPr>
+          <p:cNvPr id="2" name="文本框 1">
+            <a:extLst>
+              <a:ext uri="{FF2B5EF4-FFF2-40B4-BE49-F238E27FC236}">
+                <a16:creationId xmlns:a16="http://schemas.microsoft.com/office/drawing/2014/main" id="{12AA8BCC-7B15-4842-80C2-48C079429338}"/>
+              </a:ext>
+            </a:extLst>
+          </p:cNvPr>
+          <p:cNvSpPr txBox="1"/>
+          <p:nvPr/>
+        </p:nvSpPr>
+        <p:spPr>
+          <a:xfrm>
+            <a:off x="2228088" y="2921168"/>
+            <a:ext cx="7735824" cy="1015663"/>
+          </a:xfrm>
+          <a:prstGeom prst="rect">
+            <a:avLst/>
+          </a:prstGeom>
+          <a:noFill/>
+        </p:spPr>
+        <p:txBody>
+          <a:bodyPr wrap="square" rtlCol="0">
+            <a:spAutoFit/>
+          </a:bodyPr>
+          <a:lstStyle/>
+          <a:p>
+            <a:pPr algn="ctr"/>
+            <a:r>
+              <a:rPr kumimoji="1" lang="zh-CN" altLang="en-US" sz="6000" dirty="0">
+                <a:latin typeface="Microsoft YaHei" panose="020B0503020204020204" pitchFamily="34" charset="-122"/>
+                <a:ea typeface="Microsoft YaHei" panose="020B0503020204020204" pitchFamily="34" charset="-122"/>
+              </a:rPr>
+              <a:t>这堂课我们学了撒？</a:t>
+            </a:r>
+          </a:p>
+        </p:txBody>
+      </p:sp>
+    </p:spTree>
+    <p:extLst>
+      <p:ext uri="{BB962C8B-B14F-4D97-AF65-F5344CB8AC3E}">
+        <p14:creationId xmlns:p14="http://schemas.microsoft.com/office/powerpoint/2010/main" val="1332306482"/>
+      </p:ext>
+    </p:extLst>
+  </p:cSld>
+  <p:clrMapOvr>
+    <a:masterClrMapping/>
+  </p:clrMapOvr>
+</p:sld>
+</file>
+
+<file path=ppt/slides/slide27.xml><?xml version="1.0" encoding="utf-8"?>
+<p:sld xmlns:a="http://schemas.openxmlformats.org/drawingml/2006/main" xmlns:r="http://schemas.openxmlformats.org/officeDocument/2006/relationships" xmlns:p="http://schemas.openxmlformats.org/presentationml/2006/main">
+  <p:cSld>
+    <p:bg>
+      <p:bgPr>
+        <a:blipFill>
+          <a:blip r:embed="rId3"/>
+          <a:tile tx="0" ty="0" sx="100000" sy="100000" flip="none" algn="tl"/>
+        </a:blipFill>
+        <a:effectLst/>
+      </p:bgPr>
+    </p:bg>
+    <p:spTree>
+      <p:nvGrpSpPr>
+        <p:cNvPr id="1" name=""/>
+        <p:cNvGrpSpPr/>
+        <p:nvPr/>
+      </p:nvGrpSpPr>
+      <p:grpSpPr>
+        <a:xfrm>
+          <a:off x="0" y="0"/>
+          <a:ext cx="0" cy="0"/>
+          <a:chOff x="0" y="0"/>
+          <a:chExt cx="0" cy="0"/>
+        </a:xfrm>
+      </p:grpSpPr>
+      <p:sp>
+        <p:nvSpPr>
+          <p:cNvPr id="3" name="文本框 2">
+            <a:extLst>
+              <a:ext uri="{FF2B5EF4-FFF2-40B4-BE49-F238E27FC236}">
+                <a16:creationId xmlns:a16="http://schemas.microsoft.com/office/drawing/2014/main" id="{62BFC649-BF8E-2841-8EAF-47AFBF9D6671}"/>
+              </a:ext>
+            </a:extLst>
+          </p:cNvPr>
+          <p:cNvSpPr txBox="1"/>
+          <p:nvPr/>
+        </p:nvSpPr>
+        <p:spPr>
+          <a:xfrm>
+            <a:off x="914400" y="581161"/>
+            <a:ext cx="10363200" cy="830997"/>
+          </a:xfrm>
+          <a:prstGeom prst="rect">
+            <a:avLst/>
+          </a:prstGeom>
+          <a:noFill/>
+        </p:spPr>
+        <p:txBody>
+          <a:bodyPr wrap="square" rtlCol="0">
+            <a:spAutoFit/>
+          </a:bodyPr>
+          <a:lstStyle/>
+          <a:p>
+            <a:pPr algn="ctr"/>
+            <a:r>
+              <a:rPr kumimoji="1" lang="zh-CN" altLang="en-US" sz="4800" dirty="0">
+                <a:latin typeface="Microsoft YaHei" panose="020B0503020204020204" pitchFamily="34" charset="-122"/>
+                <a:ea typeface="Microsoft YaHei" panose="020B0503020204020204" pitchFamily="34" charset="-122"/>
+              </a:rPr>
+              <a:t>总结</a:t>
+            </a:r>
+            <a:endParaRPr kumimoji="1" lang="en-US" altLang="zh-CN" sz="4800" dirty="0">
+              <a:latin typeface="Microsoft YaHei" panose="020B0503020204020204" pitchFamily="34" charset="-122"/>
+              <a:ea typeface="Microsoft YaHei" panose="020B0503020204020204" pitchFamily="34" charset="-122"/>
+            </a:endParaRPr>
+          </a:p>
+        </p:txBody>
+      </p:sp>
+      <p:sp>
+        <p:nvSpPr>
+          <p:cNvPr id="5" name="文本框 4">
+            <a:extLst>
+              <a:ext uri="{FF2B5EF4-FFF2-40B4-BE49-F238E27FC236}">
+                <a16:creationId xmlns:a16="http://schemas.microsoft.com/office/drawing/2014/main" id="{70A8FD9E-655D-F742-ACDB-18BF84BE05B3}"/>
+              </a:ext>
+            </a:extLst>
+          </p:cNvPr>
+          <p:cNvSpPr txBox="1"/>
+          <p:nvPr/>
+        </p:nvSpPr>
+        <p:spPr>
+          <a:xfrm>
+            <a:off x="765810" y="2785730"/>
+            <a:ext cx="9037409" cy="523220"/>
+          </a:xfrm>
+          <a:prstGeom prst="rect">
+            <a:avLst/>
+          </a:prstGeom>
+          <a:noFill/>
+        </p:spPr>
+        <p:txBody>
+          <a:bodyPr wrap="square" rtlCol="0">
+            <a:spAutoFit/>
+          </a:bodyPr>
+          <a:lstStyle/>
+          <a:p>
+            <a:r>
+              <a:rPr kumimoji="1" lang="zh-CN" altLang="en-US" sz="2800" dirty="0">
+                <a:latin typeface="Microsoft YaHei" panose="020B0503020204020204" pitchFamily="34" charset="-122"/>
+                <a:ea typeface="Microsoft YaHei" panose="020B0503020204020204" pitchFamily="34" charset="-122"/>
+              </a:rPr>
+              <a:t>重点： 两种存储方式 以及它们对应的</a:t>
+            </a:r>
+            <a:r>
+              <a:rPr kumimoji="1" lang="en-US" altLang="zh-CN" sz="2800" dirty="0">
+                <a:latin typeface="Microsoft YaHei" panose="020B0503020204020204" pitchFamily="34" charset="-122"/>
+                <a:ea typeface="Microsoft YaHei" panose="020B0503020204020204" pitchFamily="34" charset="-122"/>
+              </a:rPr>
+              <a:t>crud</a:t>
+            </a:r>
+            <a:endParaRPr kumimoji="1" lang="zh-CN" altLang="en-US" sz="2800" dirty="0">
+              <a:latin typeface="Microsoft YaHei" panose="020B0503020204020204" pitchFamily="34" charset="-122"/>
+              <a:ea typeface="Microsoft YaHei" panose="020B0503020204020204" pitchFamily="34" charset="-122"/>
+            </a:endParaRPr>
+          </a:p>
+        </p:txBody>
+      </p:sp>
+    </p:spTree>
+    <p:extLst>
+      <p:ext uri="{BB962C8B-B14F-4D97-AF65-F5344CB8AC3E}">
+        <p14:creationId xmlns:p14="http://schemas.microsoft.com/office/powerpoint/2010/main" val="4062917305"/>
+      </p:ext>
+    </p:extLst>
+  </p:cSld>
+  <p:clrMapOvr>
+    <a:masterClrMapping/>
+  </p:clrMapOvr>
+</p:sld>
+</file>
+
+<file path=ppt/slides/slide28.xml><?xml version="1.0" encoding="utf-8"?>
 <p:sld xmlns:a="http://schemas.openxmlformats.org/drawingml/2006/main" xmlns:r="http://schemas.openxmlformats.org/officeDocument/2006/relationships" xmlns:p="http://schemas.openxmlformats.org/presentationml/2006/main">
   <p:cSld>
     <p:bg>
@@ -4136,245 +7515,6 @@
 </p:sld>
 </file>
 
-<file path=ppt/slides/slide2.xml><?xml version="1.0" encoding="utf-8"?>
-<p:sld xmlns:a="http://schemas.openxmlformats.org/drawingml/2006/main" xmlns:r="http://schemas.openxmlformats.org/officeDocument/2006/relationships" xmlns:p="http://schemas.openxmlformats.org/presentationml/2006/main">
-  <p:cSld>
-    <p:bg>
-      <p:bgPr>
-        <a:blipFill>
-          <a:blip r:embed="rId2"/>
-          <a:tile tx="0" ty="0" sx="100000" sy="100000" flip="none" algn="tl"/>
-        </a:blipFill>
-        <a:effectLst/>
-      </p:bgPr>
-    </p:bg>
-    <p:spTree>
-      <p:nvGrpSpPr>
-        <p:cNvPr id="1" name=""/>
-        <p:cNvGrpSpPr/>
-        <p:nvPr/>
-      </p:nvGrpSpPr>
-      <p:grpSpPr>
-        <a:xfrm>
-          <a:off x="0" y="0"/>
-          <a:ext cx="0" cy="0"/>
-          <a:chOff x="0" y="0"/>
-          <a:chExt cx="0" cy="0"/>
-        </a:xfrm>
-      </p:grpSpPr>
-      <p:sp>
-        <p:nvSpPr>
-          <p:cNvPr id="2" name="文本框 1">
-            <a:extLst>
-              <a:ext uri="{FF2B5EF4-FFF2-40B4-BE49-F238E27FC236}">
-                <a16:creationId xmlns:a16="http://schemas.microsoft.com/office/drawing/2014/main" id="{12AA8BCC-7B15-4842-80C2-48C079429338}"/>
-              </a:ext>
-            </a:extLst>
-          </p:cNvPr>
-          <p:cNvSpPr txBox="1"/>
-          <p:nvPr/>
-        </p:nvSpPr>
-        <p:spPr>
-          <a:xfrm>
-            <a:off x="2520000" y="720000"/>
-            <a:ext cx="7735824" cy="830997"/>
-          </a:xfrm>
-          <a:prstGeom prst="rect">
-            <a:avLst/>
-          </a:prstGeom>
-          <a:noFill/>
-        </p:spPr>
-        <p:txBody>
-          <a:bodyPr wrap="square" rtlCol="0">
-            <a:spAutoFit/>
-          </a:bodyPr>
-          <a:lstStyle/>
-          <a:p>
-            <a:pPr algn="ctr"/>
-            <a:r>
-              <a:rPr kumimoji="1" lang="zh-CN" altLang="en-US" sz="4800" dirty="0">
-                <a:latin typeface="Microsoft YaHei" panose="020B0503020204020204" pitchFamily="34" charset="-122"/>
-                <a:ea typeface="Microsoft YaHei" panose="020B0503020204020204" pitchFamily="34" charset="-122"/>
-              </a:rPr>
-              <a:t>这节课讲啥？</a:t>
-            </a:r>
-          </a:p>
-        </p:txBody>
-      </p:sp>
-      <p:sp>
-        <p:nvSpPr>
-          <p:cNvPr id="8" name="文本框 7">
-            <a:extLst>
-              <a:ext uri="{FF2B5EF4-FFF2-40B4-BE49-F238E27FC236}">
-                <a16:creationId xmlns:a16="http://schemas.microsoft.com/office/drawing/2014/main" id="{B294230C-E86E-7247-BAC6-5F43DED3D0AF}"/>
-              </a:ext>
-            </a:extLst>
-          </p:cNvPr>
-          <p:cNvSpPr txBox="1"/>
-          <p:nvPr/>
-        </p:nvSpPr>
-        <p:spPr>
-          <a:xfrm>
-            <a:off x="2118840" y="1550997"/>
-            <a:ext cx="8538144" cy="5695058"/>
-          </a:xfrm>
-          <a:prstGeom prst="rect">
-            <a:avLst/>
-          </a:prstGeom>
-          <a:noFill/>
-        </p:spPr>
-        <p:txBody>
-          <a:bodyPr wrap="square" tIns="360000" bIns="360000" rtlCol="0">
-            <a:spAutoFit/>
-          </a:bodyPr>
-          <a:lstStyle/>
-          <a:p>
-            <a:pPr marL="571500" indent="-571500">
-              <a:lnSpc>
-                <a:spcPct val="150000"/>
-              </a:lnSpc>
-              <a:buFont typeface="Wingdings" pitchFamily="2" charset="2"/>
-              <a:buChar char="Ø"/>
-            </a:pPr>
-            <a:r>
-              <a:rPr kumimoji="1" lang="zh-CN" altLang="en-US" sz="2800" dirty="0">
-                <a:latin typeface="Microsoft YaHei" panose="020B0503020204020204" pitchFamily="34" charset="-122"/>
-                <a:ea typeface="Microsoft YaHei" panose="020B0503020204020204" pitchFamily="34" charset="-122"/>
-              </a:rPr>
-              <a:t>什么是查找</a:t>
-            </a:r>
-            <a:endParaRPr kumimoji="1" lang="en-US" altLang="zh-CN" sz="2800" dirty="0">
-              <a:latin typeface="Microsoft YaHei" panose="020B0503020204020204" pitchFamily="34" charset="-122"/>
-              <a:ea typeface="Microsoft YaHei" panose="020B0503020204020204" pitchFamily="34" charset="-122"/>
-            </a:endParaRPr>
-          </a:p>
-          <a:p>
-            <a:pPr marL="571500" indent="-571500">
-              <a:lnSpc>
-                <a:spcPct val="150000"/>
-              </a:lnSpc>
-              <a:buFont typeface="Wingdings" pitchFamily="2" charset="2"/>
-              <a:buChar char="Ø"/>
-            </a:pPr>
-            <a:r>
-              <a:rPr kumimoji="1" lang="zh-CN" altLang="en-US" sz="2800" dirty="0">
-                <a:latin typeface="Microsoft YaHei" panose="020B0503020204020204" pitchFamily="34" charset="-122"/>
-                <a:ea typeface="Microsoft YaHei" panose="020B0503020204020204" pitchFamily="34" charset="-122"/>
-              </a:rPr>
-              <a:t>顺序表查找</a:t>
-            </a:r>
-            <a:endParaRPr kumimoji="1" lang="en-US" altLang="zh-CN" sz="2800" dirty="0">
-              <a:latin typeface="Microsoft YaHei" panose="020B0503020204020204" pitchFamily="34" charset="-122"/>
-              <a:ea typeface="Microsoft YaHei" panose="020B0503020204020204" pitchFamily="34" charset="-122"/>
-            </a:endParaRPr>
-          </a:p>
-          <a:p>
-            <a:pPr marL="571500" indent="-571500">
-              <a:lnSpc>
-                <a:spcPct val="150000"/>
-              </a:lnSpc>
-              <a:spcBef>
-                <a:spcPts val="100"/>
-              </a:spcBef>
-              <a:buFont typeface="Wingdings" pitchFamily="2" charset="2"/>
-              <a:buChar char="Ø"/>
-            </a:pPr>
-            <a:r>
-              <a:rPr kumimoji="1" lang="zh-CN" altLang="en-US" sz="2800" dirty="0">
-                <a:latin typeface="Microsoft YaHei" panose="020B0503020204020204" pitchFamily="34" charset="-122"/>
-                <a:ea typeface="Microsoft YaHei" panose="020B0503020204020204" pitchFamily="34" charset="-122"/>
-              </a:rPr>
-              <a:t>有序表查找</a:t>
-            </a:r>
-          </a:p>
-          <a:p>
-            <a:pPr marL="571500" indent="-571500">
-              <a:lnSpc>
-                <a:spcPct val="150000"/>
-              </a:lnSpc>
-              <a:buFont typeface="Wingdings" pitchFamily="2" charset="2"/>
-              <a:buChar char="Ø"/>
-            </a:pPr>
-            <a:r>
-              <a:rPr kumimoji="1" lang="zh-CN" altLang="en-US" sz="2800" dirty="0">
-                <a:latin typeface="Microsoft YaHei" panose="020B0503020204020204" pitchFamily="34" charset="-122"/>
-                <a:ea typeface="Microsoft YaHei" panose="020B0503020204020204" pitchFamily="34" charset="-122"/>
-              </a:rPr>
-              <a:t>二叉查找</a:t>
-            </a:r>
-            <a:endParaRPr kumimoji="1" lang="en-US" altLang="zh-CN" sz="2800" dirty="0">
-              <a:latin typeface="Microsoft YaHei" panose="020B0503020204020204" pitchFamily="34" charset="-122"/>
-              <a:ea typeface="Microsoft YaHei" panose="020B0503020204020204" pitchFamily="34" charset="-122"/>
-            </a:endParaRPr>
-          </a:p>
-          <a:p>
-            <a:pPr marL="571500" indent="-571500">
-              <a:lnSpc>
-                <a:spcPct val="150000"/>
-              </a:lnSpc>
-              <a:buFont typeface="Wingdings" pitchFamily="2" charset="2"/>
-              <a:buChar char="Ø"/>
-            </a:pPr>
-            <a:r>
-              <a:rPr kumimoji="1" lang="zh-CN" altLang="en-US" sz="2800" dirty="0">
-                <a:latin typeface="Microsoft YaHei" panose="020B0503020204020204" pitchFamily="34" charset="-122"/>
-                <a:ea typeface="Microsoft YaHei" panose="020B0503020204020204" pitchFamily="34" charset="-122"/>
-              </a:rPr>
-              <a:t>散列表</a:t>
-            </a:r>
-            <a:r>
-              <a:rPr kumimoji="1" lang="en-US" altLang="zh-CN" sz="2800" dirty="0">
-                <a:latin typeface="Microsoft YaHei" panose="020B0503020204020204" pitchFamily="34" charset="-122"/>
-                <a:ea typeface="Microsoft YaHei" panose="020B0503020204020204" pitchFamily="34" charset="-122"/>
-              </a:rPr>
-              <a:t>Hash</a:t>
-            </a:r>
-            <a:r>
-              <a:rPr kumimoji="1" lang="zh-CN" altLang="en-US" sz="2800" dirty="0">
-                <a:latin typeface="Microsoft YaHei" panose="020B0503020204020204" pitchFamily="34" charset="-122"/>
-                <a:ea typeface="Microsoft YaHei" panose="020B0503020204020204" pitchFamily="34" charset="-122"/>
-              </a:rPr>
-              <a:t>查找</a:t>
-            </a:r>
-            <a:endParaRPr kumimoji="1" lang="en-US" altLang="zh-CN" sz="2800" dirty="0">
-              <a:latin typeface="Microsoft YaHei" panose="020B0503020204020204" pitchFamily="34" charset="-122"/>
-              <a:ea typeface="Microsoft YaHei" panose="020B0503020204020204" pitchFamily="34" charset="-122"/>
-            </a:endParaRPr>
-          </a:p>
-          <a:p>
-            <a:endParaRPr kumimoji="1" lang="zh-CN" altLang="en-US" sz="2800" dirty="0">
-              <a:latin typeface="Microsoft YaHei" panose="020B0503020204020204" pitchFamily="34" charset="-122"/>
-              <a:ea typeface="Microsoft YaHei" panose="020B0503020204020204" pitchFamily="34" charset="-122"/>
-            </a:endParaRPr>
-          </a:p>
-          <a:p>
-            <a:endParaRPr kumimoji="1" lang="zh-CN" altLang="en-US" sz="2800" dirty="0"/>
-          </a:p>
-          <a:p>
-            <a:endParaRPr kumimoji="1" lang="en-US" altLang="zh-CN" sz="2800" dirty="0"/>
-          </a:p>
-          <a:p>
-            <a:r>
-              <a:rPr kumimoji="1" lang="en-US" altLang="zh-CN" sz="2800" dirty="0"/>
-              <a:t>	</a:t>
-            </a:r>
-            <a:endParaRPr kumimoji="1" lang="zh-CN" altLang="en-US" sz="2800" dirty="0"/>
-          </a:p>
-        </p:txBody>
-      </p:sp>
-    </p:spTree>
-    <p:extLst>
-      <p:ext uri="{BB962C8B-B14F-4D97-AF65-F5344CB8AC3E}">
-        <p14:creationId xmlns:p14="http://schemas.microsoft.com/office/powerpoint/2010/main" val="4038558307"/>
-      </p:ext>
-    </p:extLst>
-  </p:cSld>
-  <p:clrMapOvr>
-    <a:masterClrMapping/>
-  </p:clrMapOvr>
-</p:sld>
-</file>
-
 <file path=ppt/slides/slide3.xml><?xml version="1.0" encoding="utf-8"?>
 <p:sld xmlns:a="http://schemas.openxmlformats.org/drawingml/2006/main" xmlns:r="http://schemas.openxmlformats.org/officeDocument/2006/relationships" xmlns:p="http://schemas.openxmlformats.org/presentationml/2006/main">
   <p:cSld>
@@ -4431,188 +7571,109 @@
           <a:p>
             <a:pPr algn="ctr"/>
             <a:r>
-              <a:rPr kumimoji="1" lang="en-US" altLang="zh-CN" sz="4800" dirty="0">
-                <a:latin typeface="Microsoft YaHei" panose="020B0503020204020204" pitchFamily="34" charset="-122"/>
-                <a:ea typeface="Microsoft YaHei" panose="020B0503020204020204" pitchFamily="34" charset="-122"/>
-              </a:rPr>
-              <a:t>1.</a:t>
-            </a:r>
-            <a:r>
               <a:rPr kumimoji="1" lang="zh-CN" altLang="en-US" sz="4800" dirty="0">
                 <a:latin typeface="Microsoft YaHei" panose="020B0503020204020204" pitchFamily="34" charset="-122"/>
                 <a:ea typeface="Microsoft YaHei" panose="020B0503020204020204" pitchFamily="34" charset="-122"/>
               </a:rPr>
-              <a:t>什么是查找</a:t>
-            </a:r>
-          </a:p>
-        </p:txBody>
-      </p:sp>
-      <p:sp>
-        <p:nvSpPr>
-          <p:cNvPr id="8" name="文本框 7">
-            <a:extLst>
-              <a:ext uri="{FF2B5EF4-FFF2-40B4-BE49-F238E27FC236}">
-                <a16:creationId xmlns:a16="http://schemas.microsoft.com/office/drawing/2014/main" id="{75D7D6ED-43A8-DC4B-84B6-AB03F6270117}"/>
-              </a:ext>
-            </a:extLst>
-          </p:cNvPr>
-          <p:cNvSpPr txBox="1"/>
+              <a:t>查找无处不在</a:t>
+            </a:r>
+          </a:p>
+        </p:txBody>
+      </p:sp>
+      <p:pic>
+        <p:nvPicPr>
+          <p:cNvPr id="4" name="图片 3">
+            <a:extLst>
+              <a:ext uri="{FF2B5EF4-FFF2-40B4-BE49-F238E27FC236}">
+                <a16:creationId xmlns:a16="http://schemas.microsoft.com/office/drawing/2014/main" id="{00B11BBF-69C9-0F4E-A513-BFA0272F3BDB}"/>
+              </a:ext>
+            </a:extLst>
+          </p:cNvPr>
+          <p:cNvPicPr>
+            <a:picLocks noChangeAspect="1"/>
+          </p:cNvPicPr>
           <p:nvPr/>
-        </p:nvSpPr>
+        </p:nvPicPr>
+        <p:blipFill>
+          <a:blip r:embed="rId3"/>
+          <a:stretch>
+            <a:fillRect/>
+          </a:stretch>
+        </p:blipFill>
         <p:spPr>
           <a:xfrm>
-            <a:off x="1610042" y="2601758"/>
-            <a:ext cx="6609588" cy="523220"/>
+            <a:off x="1225550" y="1961314"/>
+            <a:ext cx="9817100" cy="1054100"/>
           </a:xfrm>
           <a:prstGeom prst="rect">
             <a:avLst/>
           </a:prstGeom>
-          <a:noFill/>
         </p:spPr>
-        <p:txBody>
-          <a:bodyPr wrap="square" rtlCol="0">
-            <a:spAutoFit/>
-          </a:bodyPr>
-          <a:lstStyle/>
-          <a:p>
-            <a:r>
-              <a:rPr kumimoji="1" lang="zh-CN" altLang="en-US" sz="2800" dirty="0">
-                <a:latin typeface="微软雅黑" panose="020B0503020204020204" pitchFamily="34" charset="-122"/>
-                <a:ea typeface="Microsoft YaHei" panose="020B0503020204020204" pitchFamily="34" charset="-122"/>
-              </a:rPr>
-              <a:t>零个或者多个元素的有限序列</a:t>
-            </a:r>
-          </a:p>
-        </p:txBody>
-      </p:sp>
-      <p:sp>
-        <p:nvSpPr>
-          <p:cNvPr id="6" name="文本框 5">
-            <a:extLst>
-              <a:ext uri="{FF2B5EF4-FFF2-40B4-BE49-F238E27FC236}">
-                <a16:creationId xmlns:a16="http://schemas.microsoft.com/office/drawing/2014/main" id="{9EFC4C1D-ECA4-5B4B-A241-92DFA4F89344}"/>
-              </a:ext>
-            </a:extLst>
-          </p:cNvPr>
-          <p:cNvSpPr txBox="1"/>
+      </p:pic>
+      <p:pic>
+        <p:nvPicPr>
+          <p:cNvPr id="5" name="图片 4">
+            <a:extLst>
+              <a:ext uri="{FF2B5EF4-FFF2-40B4-BE49-F238E27FC236}">
+                <a16:creationId xmlns:a16="http://schemas.microsoft.com/office/drawing/2014/main" id="{AA3DCE81-212C-144C-8B1A-42CDB9239A45}"/>
+              </a:ext>
+            </a:extLst>
+          </p:cNvPr>
+          <p:cNvPicPr>
+            <a:picLocks noChangeAspect="1"/>
+          </p:cNvPicPr>
           <p:nvPr/>
-        </p:nvSpPr>
+        </p:nvPicPr>
+        <p:blipFill>
+          <a:blip r:embed="rId4"/>
+          <a:stretch>
+            <a:fillRect/>
+          </a:stretch>
+        </p:blipFill>
         <p:spPr>
           <a:xfrm>
-            <a:off x="540000" y="1800000"/>
-            <a:ext cx="1070042" cy="542675"/>
+            <a:off x="1149350" y="3429000"/>
+            <a:ext cx="9893300" cy="1066800"/>
           </a:xfrm>
           <a:prstGeom prst="rect">
             <a:avLst/>
           </a:prstGeom>
-          <a:solidFill>
-            <a:schemeClr val="accent2"/>
-          </a:solidFill>
         </p:spPr>
-        <p:txBody>
-          <a:bodyPr wrap="square" rtlCol="0">
-            <a:spAutoFit/>
-          </a:bodyPr>
-          <a:lstStyle/>
-          <a:p>
-            <a:r>
-              <a:rPr kumimoji="1" lang="zh-CN" altLang="en-US" sz="2800" dirty="0">
-                <a:solidFill>
-                  <a:schemeClr val="bg1"/>
-                </a:solidFill>
-                <a:latin typeface="Microsoft YaHei" panose="020B0503020204020204" pitchFamily="34" charset="-122"/>
-                <a:ea typeface="Microsoft YaHei" panose="020B0503020204020204" pitchFamily="34" charset="-122"/>
-              </a:rPr>
-              <a:t>定义</a:t>
-            </a:r>
-          </a:p>
-        </p:txBody>
-      </p:sp>
-      <p:sp>
-        <p:nvSpPr>
-          <p:cNvPr id="7" name="文本框 6">
-            <a:extLst>
-              <a:ext uri="{FF2B5EF4-FFF2-40B4-BE49-F238E27FC236}">
-                <a16:creationId xmlns:a16="http://schemas.microsoft.com/office/drawing/2014/main" id="{E3DBEB63-A536-3344-AA3A-239CDFC4361D}"/>
-              </a:ext>
-            </a:extLst>
-          </p:cNvPr>
-          <p:cNvSpPr txBox="1"/>
+      </p:pic>
+      <p:pic>
+        <p:nvPicPr>
+          <p:cNvPr id="6" name="图片 5">
+            <a:extLst>
+              <a:ext uri="{FF2B5EF4-FFF2-40B4-BE49-F238E27FC236}">
+                <a16:creationId xmlns:a16="http://schemas.microsoft.com/office/drawing/2014/main" id="{9B0C2676-754F-D44C-BE0E-15B51D3BA22F}"/>
+              </a:ext>
+            </a:extLst>
+          </p:cNvPr>
+          <p:cNvPicPr>
+            <a:picLocks noChangeAspect="1"/>
+          </p:cNvPicPr>
           <p:nvPr/>
-        </p:nvSpPr>
+        </p:nvPicPr>
+        <p:blipFill>
+          <a:blip r:embed="rId5"/>
+          <a:stretch>
+            <a:fillRect/>
+          </a:stretch>
+        </p:blipFill>
         <p:spPr>
           <a:xfrm>
-            <a:off x="540000" y="3960000"/>
-            <a:ext cx="1070042" cy="542675"/>
+            <a:off x="2774950" y="4821718"/>
+            <a:ext cx="6718300" cy="1917700"/>
           </a:xfrm>
           <a:prstGeom prst="rect">
             <a:avLst/>
           </a:prstGeom>
-          <a:solidFill>
-            <a:schemeClr val="accent2"/>
-          </a:solidFill>
         </p:spPr>
-        <p:txBody>
-          <a:bodyPr wrap="square" rtlCol="0">
-            <a:spAutoFit/>
-          </a:bodyPr>
-          <a:lstStyle/>
-          <a:p>
-            <a:r>
-              <a:rPr kumimoji="1" lang="zh-CN" altLang="en-US" sz="2800" dirty="0">
-                <a:solidFill>
-                  <a:schemeClr val="bg1"/>
-                </a:solidFill>
-                <a:latin typeface="Microsoft YaHei" panose="020B0503020204020204" pitchFamily="34" charset="-122"/>
-                <a:ea typeface="Microsoft YaHei" panose="020B0503020204020204" pitchFamily="34" charset="-122"/>
-              </a:rPr>
-              <a:t>例子</a:t>
-            </a:r>
-          </a:p>
-        </p:txBody>
-      </p:sp>
-      <p:sp>
-        <p:nvSpPr>
-          <p:cNvPr id="9" name="文本框 8">
-            <a:extLst>
-              <a:ext uri="{FF2B5EF4-FFF2-40B4-BE49-F238E27FC236}">
-                <a16:creationId xmlns:a16="http://schemas.microsoft.com/office/drawing/2014/main" id="{EA0C047A-A5B2-374F-BD04-7B639430470F}"/>
-              </a:ext>
-            </a:extLst>
-          </p:cNvPr>
-          <p:cNvSpPr txBox="1"/>
-          <p:nvPr/>
-        </p:nvSpPr>
-        <p:spPr>
-          <a:xfrm>
-            <a:off x="1610042" y="5337697"/>
-            <a:ext cx="6609588" cy="523220"/>
-          </a:xfrm>
-          <a:prstGeom prst="rect">
-            <a:avLst/>
-          </a:prstGeom>
-          <a:noFill/>
-        </p:spPr>
-        <p:txBody>
-          <a:bodyPr wrap="square" rtlCol="0">
-            <a:spAutoFit/>
-          </a:bodyPr>
-          <a:lstStyle/>
-          <a:p>
-            <a:r>
-              <a:rPr kumimoji="1" lang="zh-CN" altLang="en-US" sz="2800" dirty="0">
-                <a:latin typeface="微软雅黑" panose="020B0503020204020204" pitchFamily="34" charset="-122"/>
-                <a:ea typeface="Microsoft YaHei" panose="020B0503020204020204" pitchFamily="34" charset="-122"/>
-              </a:rPr>
-              <a:t>排队</a:t>
-            </a:r>
-          </a:p>
-        </p:txBody>
-      </p:sp>
+      </p:pic>
     </p:spTree>
     <p:extLst>
       <p:ext uri="{BB962C8B-B14F-4D97-AF65-F5344CB8AC3E}">
-        <p14:creationId xmlns:p14="http://schemas.microsoft.com/office/powerpoint/2010/main" val="935474760"/>
+        <p14:creationId xmlns:p14="http://schemas.microsoft.com/office/powerpoint/2010/main" val="997815053"/>
       </p:ext>
     </p:extLst>
   </p:cSld>
@@ -4628,7 +7689,7 @@
     <p:bg>
       <p:bgPr>
         <a:blipFill>
-          <a:blip r:embed="rId2"/>
+          <a:blip r:embed="rId3"/>
           <a:tile tx="0" ty="0" sx="100000" sy="100000" flip="none" algn="tl"/>
         </a:blipFill>
         <a:effectLst/>
@@ -4662,7 +7723,7 @@
         </p:nvSpPr>
         <p:spPr>
           <a:xfrm>
-            <a:off x="2054352" y="630545"/>
+            <a:off x="2054352" y="751877"/>
             <a:ext cx="8083296" cy="830997"/>
           </a:xfrm>
           <a:prstGeom prst="rect">
@@ -4682,14 +7743,14 @@
                 <a:latin typeface="Microsoft YaHei" panose="020B0503020204020204" pitchFamily="34" charset="-122"/>
                 <a:ea typeface="Microsoft YaHei" panose="020B0503020204020204" pitchFamily="34" charset="-122"/>
               </a:rPr>
-              <a:t>2.</a:t>
+              <a:t>1.</a:t>
             </a:r>
             <a:r>
               <a:rPr kumimoji="1" lang="zh-CN" altLang="en-US" sz="4800" dirty="0">
                 <a:latin typeface="Microsoft YaHei" panose="020B0503020204020204" pitchFamily="34" charset="-122"/>
                 <a:ea typeface="Microsoft YaHei" panose="020B0503020204020204" pitchFamily="34" charset="-122"/>
               </a:rPr>
-              <a:t>顺序表查找</a:t>
+              <a:t>什么是查找</a:t>
             </a:r>
           </a:p>
         </p:txBody>
@@ -4708,8 +7769,8 @@
         </p:nvSpPr>
         <p:spPr>
           <a:xfrm>
-            <a:off x="1610042" y="2575710"/>
-            <a:ext cx="6609588" cy="954107"/>
+            <a:off x="1923206" y="2863055"/>
+            <a:ext cx="8894926" cy="1689052"/>
           </a:xfrm>
           <a:prstGeom prst="rect">
             <a:avLst/>
@@ -4722,166 +7783,46 @@
           </a:bodyPr>
           <a:lstStyle/>
           <a:p>
-            <a:r>
-              <a:rPr kumimoji="1" lang="zh-CN" altLang="en-US" sz="2800" dirty="0">
-                <a:latin typeface="Microsoft YaHei" panose="020B0503020204020204" pitchFamily="34" charset="-122"/>
-                <a:ea typeface="Microsoft YaHei" panose="020B0503020204020204" pitchFamily="34" charset="-122"/>
-              </a:rPr>
-              <a:t>用一段地址连续的存储单元依次存储线性表的数据元素</a:t>
-            </a:r>
-            <a:endParaRPr kumimoji="1" lang="zh-CN" altLang="en-US" sz="2800" dirty="0">
-              <a:latin typeface="微软雅黑" panose="020B0503020204020204" pitchFamily="34" charset="-122"/>
-              <a:ea typeface="Microsoft YaHei" panose="020B0503020204020204" pitchFamily="34" charset="-122"/>
-            </a:endParaRPr>
-          </a:p>
-        </p:txBody>
-      </p:sp>
-      <p:sp>
-        <p:nvSpPr>
-          <p:cNvPr id="9" name="文本框 8">
-            <a:extLst>
-              <a:ext uri="{FF2B5EF4-FFF2-40B4-BE49-F238E27FC236}">
-                <a16:creationId xmlns:a16="http://schemas.microsoft.com/office/drawing/2014/main" id="{ED9B93DC-5880-9D4B-AD03-2A9ADCF8E4D4}"/>
-              </a:ext>
-            </a:extLst>
-          </p:cNvPr>
-          <p:cNvSpPr txBox="1"/>
-          <p:nvPr/>
-        </p:nvSpPr>
-        <p:spPr>
-          <a:xfrm>
-            <a:off x="540000" y="1800000"/>
-            <a:ext cx="1070042" cy="542675"/>
-          </a:xfrm>
-          <a:prstGeom prst="rect">
-            <a:avLst/>
-          </a:prstGeom>
-          <a:solidFill>
-            <a:schemeClr val="accent2"/>
-          </a:solidFill>
-        </p:spPr>
-        <p:txBody>
-          <a:bodyPr wrap="square" rtlCol="0">
-            <a:spAutoFit/>
-          </a:bodyPr>
-          <a:lstStyle/>
-          <a:p>
-            <a:r>
-              <a:rPr kumimoji="1" lang="zh-CN" altLang="en-US" sz="2800" dirty="0">
-                <a:solidFill>
-                  <a:schemeClr val="bg1"/>
-                </a:solidFill>
-                <a:latin typeface="Microsoft YaHei" panose="020B0503020204020204" pitchFamily="34" charset="-122"/>
-                <a:ea typeface="Microsoft YaHei" panose="020B0503020204020204" pitchFamily="34" charset="-122"/>
-              </a:rPr>
-              <a:t>定义</a:t>
-            </a:r>
-          </a:p>
-        </p:txBody>
-      </p:sp>
-      <p:sp>
-        <p:nvSpPr>
-          <p:cNvPr id="10" name="文本框 9">
-            <a:extLst>
-              <a:ext uri="{FF2B5EF4-FFF2-40B4-BE49-F238E27FC236}">
-                <a16:creationId xmlns:a16="http://schemas.microsoft.com/office/drawing/2014/main" id="{5732DAF2-E38B-774A-9902-B765D16F0ED3}"/>
-              </a:ext>
-            </a:extLst>
-          </p:cNvPr>
-          <p:cNvSpPr txBox="1"/>
-          <p:nvPr/>
-        </p:nvSpPr>
-        <p:spPr>
-          <a:xfrm>
-            <a:off x="540000" y="3960000"/>
-            <a:ext cx="1070042" cy="542675"/>
-          </a:xfrm>
-          <a:prstGeom prst="rect">
-            <a:avLst/>
-          </a:prstGeom>
-          <a:solidFill>
-            <a:schemeClr val="accent2"/>
-          </a:solidFill>
-        </p:spPr>
-        <p:txBody>
-          <a:bodyPr wrap="square" rtlCol="0">
-            <a:spAutoFit/>
-          </a:bodyPr>
-          <a:lstStyle/>
-          <a:p>
-            <a:r>
-              <a:rPr kumimoji="1" lang="zh-CN" altLang="en-US" sz="2800" dirty="0">
-                <a:solidFill>
-                  <a:schemeClr val="bg1"/>
-                </a:solidFill>
-                <a:latin typeface="Microsoft YaHei" panose="020B0503020204020204" pitchFamily="34" charset="-122"/>
-                <a:ea typeface="Microsoft YaHei" panose="020B0503020204020204" pitchFamily="34" charset="-122"/>
-              </a:rPr>
-              <a:t>例子</a:t>
-            </a:r>
-          </a:p>
-        </p:txBody>
-      </p:sp>
-      <p:sp>
-        <p:nvSpPr>
-          <p:cNvPr id="11" name="文本框 10">
-            <a:extLst>
-              <a:ext uri="{FF2B5EF4-FFF2-40B4-BE49-F238E27FC236}">
-                <a16:creationId xmlns:a16="http://schemas.microsoft.com/office/drawing/2014/main" id="{EEAB9724-EED2-8C47-965D-0BB8BCC390D8}"/>
-              </a:ext>
-            </a:extLst>
-          </p:cNvPr>
-          <p:cNvSpPr txBox="1"/>
-          <p:nvPr/>
-        </p:nvSpPr>
-        <p:spPr>
-          <a:xfrm>
-            <a:off x="1610042" y="4932858"/>
-            <a:ext cx="6609588" cy="523220"/>
-          </a:xfrm>
-          <a:prstGeom prst="rect">
-            <a:avLst/>
-          </a:prstGeom>
-          <a:noFill/>
-        </p:spPr>
-        <p:txBody>
-          <a:bodyPr wrap="square" rtlCol="0">
-            <a:spAutoFit/>
-          </a:bodyPr>
-          <a:lstStyle/>
-          <a:p>
-            <a:r>
-              <a:rPr kumimoji="1" lang="zh-CN" altLang="en-US" sz="2800" dirty="0">
-                <a:latin typeface="Microsoft YaHei" panose="020B0503020204020204" pitchFamily="34" charset="-122"/>
-                <a:ea typeface="Microsoft YaHei" panose="020B0503020204020204" pitchFamily="34" charset="-122"/>
-              </a:rPr>
-              <a:t>宿舍</a:t>
-            </a:r>
-            <a:r>
-              <a:rPr kumimoji="1" lang="en-US" altLang="zh-CN" sz="2800" dirty="0">
-                <a:latin typeface="Microsoft YaHei" panose="020B0503020204020204" pitchFamily="34" charset="-122"/>
-                <a:ea typeface="Microsoft YaHei" panose="020B0503020204020204" pitchFamily="34" charset="-122"/>
-              </a:rPr>
-              <a:t>/</a:t>
-            </a:r>
-            <a:r>
-              <a:rPr kumimoji="1" lang="zh-CN" altLang="en-US" sz="2800" dirty="0">
-                <a:latin typeface="Microsoft YaHei" panose="020B0503020204020204" pitchFamily="34" charset="-122"/>
-                <a:ea typeface="Microsoft YaHei" panose="020B0503020204020204" pitchFamily="34" charset="-122"/>
-              </a:rPr>
-              <a:t>教室 分布</a:t>
-            </a:r>
-            <a:endParaRPr kumimoji="1" lang="zh-CN" altLang="en-US" sz="2800" dirty="0">
-              <a:latin typeface="微软雅黑" panose="020B0503020204020204" pitchFamily="34" charset="-122"/>
-              <a:ea typeface="Microsoft YaHei" panose="020B0503020204020204" pitchFamily="34" charset="-122"/>
-            </a:endParaRPr>
+            <a:pPr>
+              <a:lnSpc>
+                <a:spcPct val="150000"/>
+              </a:lnSpc>
+            </a:pPr>
+            <a:r>
+              <a:rPr kumimoji="1" lang="zh-CN" altLang="en-US" sz="2400" dirty="0">
+                <a:latin typeface="Microsoft YaHei" panose="020B0503020204020204" pitchFamily="34" charset="-122"/>
+                <a:ea typeface="Microsoft YaHei" panose="020B0503020204020204" pitchFamily="34" charset="-122"/>
+              </a:rPr>
+              <a:t>查找（</a:t>
+            </a:r>
+            <a:r>
+              <a:rPr kumimoji="1" lang="en-US" altLang="zh-CN" sz="2400" dirty="0">
+                <a:latin typeface="Microsoft YaHei" panose="020B0503020204020204" pitchFamily="34" charset="-122"/>
+                <a:ea typeface="Microsoft YaHei" panose="020B0503020204020204" pitchFamily="34" charset="-122"/>
+              </a:rPr>
+              <a:t>Searching</a:t>
+            </a:r>
+            <a:r>
+              <a:rPr kumimoji="1" lang="zh-CN" altLang="en-US" sz="2400" dirty="0">
+                <a:latin typeface="Microsoft YaHei" panose="020B0503020204020204" pitchFamily="34" charset="-122"/>
+                <a:ea typeface="Microsoft YaHei" panose="020B0503020204020204" pitchFamily="34" charset="-122"/>
+              </a:rPr>
+              <a:t>）就是根据给定的某个值，在查找表中确定一个其关键字等于给定值的数据元素（或记录）。在日常生活中查找又可以称为</a:t>
+            </a:r>
+            <a:r>
+              <a:rPr kumimoji="1" lang="zh-CN" altLang="en-US" sz="2400" b="1" u="sng" dirty="0">
+                <a:latin typeface="Microsoft YaHei" panose="020B0503020204020204" pitchFamily="34" charset="-122"/>
+                <a:ea typeface="Microsoft YaHei" panose="020B0503020204020204" pitchFamily="34" charset="-122"/>
+              </a:rPr>
+              <a:t>搜索</a:t>
+            </a:r>
           </a:p>
         </p:txBody>
       </p:sp>
     </p:spTree>
     <p:extLst>
       <p:ext uri="{BB962C8B-B14F-4D97-AF65-F5344CB8AC3E}">
-        <p14:creationId xmlns:p14="http://schemas.microsoft.com/office/powerpoint/2010/main" val="1022283620"/>
+        <p14:creationId xmlns:p14="http://schemas.microsoft.com/office/powerpoint/2010/main" val="935474760"/>
       </p:ext>
     </p:extLst>
   </p:cSld>
@@ -4897,7 +7838,7 @@
     <p:bg>
       <p:bgPr>
         <a:blipFill>
-          <a:blip r:embed="rId2"/>
+          <a:blip r:embed="rId3"/>
           <a:tile tx="0" ty="0" sx="100000" sy="100000" flip="none" algn="tl"/>
         </a:blipFill>
         <a:effectLst/>
@@ -4931,7 +7872,7 @@
         </p:nvSpPr>
         <p:spPr>
           <a:xfrm>
-            <a:off x="2054352" y="630545"/>
+            <a:off x="2054352" y="751877"/>
             <a:ext cx="8083296" cy="830997"/>
           </a:xfrm>
           <a:prstGeom prst="rect">
@@ -4947,18 +7888,11 @@
           <a:p>
             <a:pPr algn="ctr"/>
             <a:r>
-              <a:rPr kumimoji="1" lang="en-US" altLang="zh-CN" sz="4800" dirty="0">
-                <a:latin typeface="Microsoft YaHei" panose="020B0503020204020204" pitchFamily="34" charset="-122"/>
-                <a:ea typeface="Microsoft YaHei" panose="020B0503020204020204" pitchFamily="34" charset="-122"/>
-              </a:rPr>
-              <a:t>3.</a:t>
-            </a:r>
-            <a:r>
               <a:rPr kumimoji="1" lang="zh-CN" altLang="en-US" sz="4800" dirty="0">
                 <a:latin typeface="Microsoft YaHei" panose="020B0503020204020204" pitchFamily="34" charset="-122"/>
                 <a:ea typeface="Microsoft YaHei" panose="020B0503020204020204" pitchFamily="34" charset="-122"/>
               </a:rPr>
-              <a:t>有序表查找</a:t>
+              <a:t>查找相关的概念</a:t>
             </a:r>
           </a:p>
         </p:txBody>
@@ -4977,8 +7911,8 @@
         </p:nvSpPr>
         <p:spPr>
           <a:xfrm>
-            <a:off x="1610041" y="2576591"/>
-            <a:ext cx="9873121" cy="954107"/>
+            <a:off x="1406894" y="2679404"/>
+            <a:ext cx="9378211" cy="3247812"/>
           </a:xfrm>
           <a:prstGeom prst="rect">
             <a:avLst/>
@@ -4991,98 +7925,112 @@
           </a:bodyPr>
           <a:lstStyle/>
           <a:p>
+            <a:pPr marL="457200" indent="-457200">
+              <a:lnSpc>
+                <a:spcPct val="150000"/>
+              </a:lnSpc>
+              <a:buFont typeface="Arial" panose="020B0604020202020204" pitchFamily="34" charset="0"/>
+              <a:buChar char="•"/>
+            </a:pPr>
+            <a:r>
+              <a:rPr kumimoji="1" lang="zh-CN" altLang="en-US" sz="2800" b="1" u="sng" dirty="0">
+                <a:latin typeface="微软雅黑" panose="020B0503020204020204" pitchFamily="34" charset="-122"/>
+                <a:ea typeface="Microsoft YaHei" panose="020B0503020204020204" pitchFamily="34" charset="-122"/>
+              </a:rPr>
+              <a:t>查找表（</a:t>
+            </a:r>
+            <a:r>
+              <a:rPr kumimoji="1" lang="en-US" altLang="zh-CN" sz="2800" b="1" u="sng" dirty="0">
+                <a:latin typeface="微软雅黑" panose="020B0503020204020204" pitchFamily="34" charset="-122"/>
+                <a:ea typeface="Microsoft YaHei" panose="020B0503020204020204" pitchFamily="34" charset="-122"/>
+              </a:rPr>
+              <a:t>Search Table</a:t>
+            </a:r>
+            <a:r>
+              <a:rPr kumimoji="1" lang="zh-CN" altLang="en-US" sz="2800" b="1" u="sng" dirty="0">
+                <a:latin typeface="微软雅黑" panose="020B0503020204020204" pitchFamily="34" charset="-122"/>
+                <a:ea typeface="Microsoft YaHei" panose="020B0503020204020204" pitchFamily="34" charset="-122"/>
+              </a:rPr>
+              <a:t>）</a:t>
+            </a:r>
             <a:r>
               <a:rPr kumimoji="1" lang="zh-CN" altLang="en-US" sz="2800" dirty="0">
                 <a:latin typeface="微软雅黑" panose="020B0503020204020204" pitchFamily="34" charset="-122"/>
                 <a:ea typeface="Microsoft YaHei" panose="020B0503020204020204" pitchFamily="34" charset="-122"/>
               </a:rPr>
-              <a:t>每个数据单元不止有数据，还包含指向下一个数据地址的信息，由此数据单元串联起来的方式叫链式存储</a:t>
-            </a:r>
-          </a:p>
-        </p:txBody>
-      </p:sp>
-      <p:sp>
-        <p:nvSpPr>
-          <p:cNvPr id="9" name="文本框 8">
-            <a:extLst>
-              <a:ext uri="{FF2B5EF4-FFF2-40B4-BE49-F238E27FC236}">
-                <a16:creationId xmlns:a16="http://schemas.microsoft.com/office/drawing/2014/main" id="{ED9B93DC-5880-9D4B-AD03-2A9ADCF8E4D4}"/>
-              </a:ext>
-            </a:extLst>
-          </p:cNvPr>
-          <p:cNvSpPr txBox="1"/>
-          <p:nvPr/>
-        </p:nvSpPr>
-        <p:spPr>
-          <a:xfrm>
-            <a:off x="540000" y="1800000"/>
-            <a:ext cx="1070042" cy="542675"/>
-          </a:xfrm>
-          <a:prstGeom prst="rect">
-            <a:avLst/>
-          </a:prstGeom>
-          <a:solidFill>
-            <a:schemeClr val="accent2"/>
-          </a:solidFill>
-        </p:spPr>
-        <p:txBody>
-          <a:bodyPr wrap="square" rtlCol="0">
-            <a:spAutoFit/>
-          </a:bodyPr>
-          <a:lstStyle/>
-          <a:p>
+              <a:t>：由同一类型的数据元素（或记录）构成的集合</a:t>
+            </a:r>
+            <a:r>
+              <a:rPr kumimoji="1" lang="en-US" altLang="zh-CN" sz="2800" dirty="0">
+                <a:latin typeface="微软雅黑" panose="020B0503020204020204" pitchFamily="34" charset="-122"/>
+                <a:ea typeface="Microsoft YaHei" panose="020B0503020204020204" pitchFamily="34" charset="-122"/>
+              </a:rPr>
+              <a:t>-----</a:t>
+            </a:r>
             <a:r>
               <a:rPr kumimoji="1" lang="zh-CN" altLang="en-US" sz="2800" dirty="0">
-                <a:solidFill>
-                  <a:schemeClr val="bg1"/>
-                </a:solidFill>
-                <a:latin typeface="Microsoft YaHei" panose="020B0503020204020204" pitchFamily="34" charset="-122"/>
-                <a:ea typeface="Microsoft YaHei" panose="020B0503020204020204" pitchFamily="34" charset="-122"/>
-              </a:rPr>
-              <a:t>定义</a:t>
-            </a:r>
-          </a:p>
-        </p:txBody>
-      </p:sp>
-      <p:sp>
-        <p:nvSpPr>
-          <p:cNvPr id="10" name="文本框 9">
-            <a:extLst>
-              <a:ext uri="{FF2B5EF4-FFF2-40B4-BE49-F238E27FC236}">
-                <a16:creationId xmlns:a16="http://schemas.microsoft.com/office/drawing/2014/main" id="{5732DAF2-E38B-774A-9902-B765D16F0ED3}"/>
-              </a:ext>
-            </a:extLst>
-          </p:cNvPr>
-          <p:cNvSpPr txBox="1"/>
-          <p:nvPr/>
-        </p:nvSpPr>
-        <p:spPr>
-          <a:xfrm>
-            <a:off x="540000" y="3960000"/>
-            <a:ext cx="1070042" cy="542675"/>
-          </a:xfrm>
-          <a:prstGeom prst="rect">
-            <a:avLst/>
-          </a:prstGeom>
-          <a:solidFill>
-            <a:schemeClr val="accent2"/>
-          </a:solidFill>
-        </p:spPr>
-        <p:txBody>
-          <a:bodyPr wrap="square" rtlCol="0">
-            <a:spAutoFit/>
-          </a:bodyPr>
-          <a:lstStyle/>
-          <a:p>
+                <a:latin typeface="微软雅黑" panose="020B0503020204020204" pitchFamily="34" charset="-122"/>
+                <a:ea typeface="Microsoft YaHei" panose="020B0503020204020204" pitchFamily="34" charset="-122"/>
+              </a:rPr>
+              <a:t> </a:t>
+            </a:r>
+            <a:r>
+              <a:rPr kumimoji="1" lang="zh-CN" altLang="en-US" sz="2800" u="sng" dirty="0">
+                <a:latin typeface="微软雅黑" panose="020B0503020204020204" pitchFamily="34" charset="-122"/>
+                <a:ea typeface="Microsoft YaHei" panose="020B0503020204020204" pitchFamily="34" charset="-122"/>
+              </a:rPr>
+              <a:t>你要从这里面查找</a:t>
+            </a:r>
+          </a:p>
+          <a:p>
+            <a:pPr marL="457200" indent="-457200">
+              <a:lnSpc>
+                <a:spcPct val="150000"/>
+              </a:lnSpc>
+              <a:buFont typeface="Arial" panose="020B0604020202020204" pitchFamily="34" charset="0"/>
+              <a:buChar char="•"/>
+            </a:pPr>
+            <a:r>
+              <a:rPr kumimoji="1" lang="zh-CN" altLang="en-US" sz="2800" b="1" u="sng" dirty="0">
+                <a:latin typeface="微软雅黑" panose="020B0503020204020204" pitchFamily="34" charset="-122"/>
+                <a:ea typeface="Microsoft YaHei" panose="020B0503020204020204" pitchFamily="34" charset="-122"/>
+              </a:rPr>
+              <a:t>关键字（</a:t>
+            </a:r>
+            <a:r>
+              <a:rPr kumimoji="1" lang="en-US" altLang="zh-CN" sz="2800" b="1" u="sng" dirty="0">
+                <a:latin typeface="微软雅黑" panose="020B0503020204020204" pitchFamily="34" charset="-122"/>
+                <a:ea typeface="Microsoft YaHei" panose="020B0503020204020204" pitchFamily="34" charset="-122"/>
+              </a:rPr>
+              <a:t>Key</a:t>
+            </a:r>
+            <a:r>
+              <a:rPr kumimoji="1" lang="zh-CN" altLang="en-US" sz="2800" b="1" u="sng" dirty="0">
+                <a:latin typeface="微软雅黑" panose="020B0503020204020204" pitchFamily="34" charset="-122"/>
+                <a:ea typeface="Microsoft YaHei" panose="020B0503020204020204" pitchFamily="34" charset="-122"/>
+              </a:rPr>
+              <a:t>）</a:t>
+            </a:r>
             <a:r>
               <a:rPr kumimoji="1" lang="zh-CN" altLang="en-US" sz="2800" dirty="0">
-                <a:solidFill>
-                  <a:schemeClr val="bg1"/>
-                </a:solidFill>
-                <a:latin typeface="Microsoft YaHei" panose="020B0503020204020204" pitchFamily="34" charset="-122"/>
-                <a:ea typeface="Microsoft YaHei" panose="020B0503020204020204" pitchFamily="34" charset="-122"/>
-              </a:rPr>
-              <a:t>例子</a:t>
+                <a:latin typeface="微软雅黑" panose="020B0503020204020204" pitchFamily="34" charset="-122"/>
+                <a:ea typeface="Microsoft YaHei" panose="020B0503020204020204" pitchFamily="34" charset="-122"/>
+              </a:rPr>
+              <a:t>：数据元素中某个数据项的值，又称为键值，用它可以标识一个数据元素。</a:t>
+            </a:r>
+            <a:r>
+              <a:rPr kumimoji="1" lang="en-US" altLang="zh-CN" sz="2800" dirty="0">
+                <a:latin typeface="微软雅黑" panose="020B0503020204020204" pitchFamily="34" charset="-122"/>
+                <a:ea typeface="Microsoft YaHei" panose="020B0503020204020204" pitchFamily="34" charset="-122"/>
+              </a:rPr>
+              <a:t>-----</a:t>
+            </a:r>
+            <a:r>
+              <a:rPr kumimoji="1" lang="zh-CN" altLang="en-US" sz="2800" u="sng" dirty="0">
+                <a:latin typeface="微软雅黑" panose="020B0503020204020204" pitchFamily="34" charset="-122"/>
+                <a:ea typeface="Microsoft YaHei" panose="020B0503020204020204" pitchFamily="34" charset="-122"/>
+              </a:rPr>
+              <a:t>你要根据这个查找</a:t>
             </a:r>
           </a:p>
         </p:txBody>
@@ -5090,7 +8038,7 @@
     </p:spTree>
     <p:extLst>
       <p:ext uri="{BB962C8B-B14F-4D97-AF65-F5344CB8AC3E}">
-        <p14:creationId xmlns:p14="http://schemas.microsoft.com/office/powerpoint/2010/main" val="2691737872"/>
+        <p14:creationId xmlns:p14="http://schemas.microsoft.com/office/powerpoint/2010/main" val="3877457095"/>
       </p:ext>
     </p:extLst>
   </p:cSld>
@@ -5106,7 +8054,7 @@
     <p:bg>
       <p:bgPr>
         <a:blipFill>
-          <a:blip r:embed="rId2"/>
+          <a:blip r:embed="rId3"/>
           <a:tile tx="0" ty="0" sx="100000" sy="100000" flip="none" algn="tl"/>
         </a:blipFill>
         <a:effectLst/>
@@ -5126,12 +8074,42 @@
           <a:chExt cx="0" cy="0"/>
         </a:xfrm>
       </p:grpSpPr>
-      <p:sp>
-        <p:nvSpPr>
-          <p:cNvPr id="3" name="文本框 2">
-            <a:extLst>
-              <a:ext uri="{FF2B5EF4-FFF2-40B4-BE49-F238E27FC236}">
-                <a16:creationId xmlns:a16="http://schemas.microsoft.com/office/drawing/2014/main" id="{62BFC649-BF8E-2841-8EAF-47AFBF9D6671}"/>
+      <p:pic>
+        <p:nvPicPr>
+          <p:cNvPr id="4" name="图片 3">
+            <a:extLst>
+              <a:ext uri="{FF2B5EF4-FFF2-40B4-BE49-F238E27FC236}">
+                <a16:creationId xmlns:a16="http://schemas.microsoft.com/office/drawing/2014/main" id="{844992FA-4651-EE45-B93D-9054DF668EB3}"/>
+              </a:ext>
+            </a:extLst>
+          </p:cNvPr>
+          <p:cNvPicPr>
+            <a:picLocks noChangeAspect="1"/>
+          </p:cNvPicPr>
+          <p:nvPr/>
+        </p:nvPicPr>
+        <p:blipFill>
+          <a:blip r:embed="rId4"/>
+          <a:stretch>
+            <a:fillRect/>
+          </a:stretch>
+        </p:blipFill>
+        <p:spPr>
+          <a:xfrm>
+            <a:off x="5998932" y="1669947"/>
+            <a:ext cx="6193068" cy="5188053"/>
+          </a:xfrm>
+          <a:prstGeom prst="rect">
+            <a:avLst/>
+          </a:prstGeom>
+        </p:spPr>
+      </p:pic>
+      <p:sp>
+        <p:nvSpPr>
+          <p:cNvPr id="2" name="文本框 1">
+            <a:extLst>
+              <a:ext uri="{FF2B5EF4-FFF2-40B4-BE49-F238E27FC236}">
+                <a16:creationId xmlns:a16="http://schemas.microsoft.com/office/drawing/2014/main" id="{FEF86E44-D411-DA42-8945-3CEFCAF50379}"/>
               </a:ext>
             </a:extLst>
           </p:cNvPr>
@@ -5140,8 +8118,8 @@
         </p:nvSpPr>
         <p:spPr>
           <a:xfrm>
-            <a:off x="2054352" y="655874"/>
-            <a:ext cx="8083296" cy="830997"/>
+            <a:off x="467832" y="2828260"/>
+            <a:ext cx="5231219" cy="2243050"/>
           </a:xfrm>
           <a:prstGeom prst="rect">
             <a:avLst/>
@@ -5154,20 +8132,88 @@
           </a:bodyPr>
           <a:lstStyle/>
           <a:p>
-            <a:pPr algn="ctr"/>
-            <a:r>
-              <a:rPr kumimoji="1" lang="en-US" altLang="zh-CN" sz="4800" dirty="0">
-                <a:latin typeface="Microsoft YaHei" panose="020B0503020204020204" pitchFamily="34" charset="-122"/>
-                <a:ea typeface="Microsoft YaHei" panose="020B0503020204020204" pitchFamily="34" charset="-122"/>
-              </a:rPr>
-              <a:t>4.</a:t>
-            </a:r>
-            <a:r>
-              <a:rPr kumimoji="1" lang="zh-CN" altLang="en-US" sz="4800" dirty="0">
-                <a:latin typeface="Microsoft YaHei" panose="020B0503020204020204" pitchFamily="34" charset="-122"/>
-                <a:ea typeface="Microsoft YaHei" panose="020B0503020204020204" pitchFamily="34" charset="-122"/>
-              </a:rPr>
-              <a:t>二叉查找</a:t>
+            <a:pPr>
+              <a:lnSpc>
+                <a:spcPct val="150000"/>
+              </a:lnSpc>
+            </a:pPr>
+            <a:r>
+              <a:rPr kumimoji="1" lang="zh-CN" altLang="en-US" sz="2400" b="1" u="sng" dirty="0">
+                <a:latin typeface="Microsoft YaHei" panose="020B0503020204020204" pitchFamily="34" charset="-122"/>
+                <a:ea typeface="Microsoft YaHei" panose="020B0503020204020204" pitchFamily="34" charset="-122"/>
+              </a:rPr>
+              <a:t>查找表</a:t>
+            </a:r>
+            <a:r>
+              <a:rPr kumimoji="1" lang="zh-CN" altLang="en-US" sz="2400" dirty="0">
+                <a:latin typeface="Microsoft YaHei" panose="020B0503020204020204" pitchFamily="34" charset="-122"/>
+                <a:ea typeface="Microsoft YaHei" panose="020B0503020204020204" pitchFamily="34" charset="-122"/>
+              </a:rPr>
+              <a:t>：知乎中，有“</a:t>
+            </a:r>
+            <a:r>
+              <a:rPr kumimoji="1" lang="en-US" altLang="zh-CN" sz="2400" dirty="0">
+                <a:latin typeface="Microsoft YaHei" panose="020B0503020204020204" pitchFamily="34" charset="-122"/>
+                <a:ea typeface="Microsoft YaHei" panose="020B0503020204020204" pitchFamily="34" charset="-122"/>
+              </a:rPr>
+              <a:t>java</a:t>
+            </a:r>
+            <a:r>
+              <a:rPr kumimoji="1" lang="zh-CN" altLang="en-US" sz="2400" dirty="0">
+                <a:latin typeface="Microsoft YaHei" panose="020B0503020204020204" pitchFamily="34" charset="-122"/>
+                <a:ea typeface="Microsoft YaHei" panose="020B0503020204020204" pitchFamily="34" charset="-122"/>
+              </a:rPr>
+              <a:t>学习路线”关键字的所有页面</a:t>
+            </a:r>
+            <a:endParaRPr kumimoji="1" lang="en-US" altLang="zh-CN" sz="2400" dirty="0">
+              <a:latin typeface="Microsoft YaHei" panose="020B0503020204020204" pitchFamily="34" charset="-122"/>
+              <a:ea typeface="Microsoft YaHei" panose="020B0503020204020204" pitchFamily="34" charset="-122"/>
+            </a:endParaRPr>
+          </a:p>
+          <a:p>
+            <a:pPr>
+              <a:lnSpc>
+                <a:spcPct val="150000"/>
+              </a:lnSpc>
+            </a:pPr>
+            <a:endParaRPr kumimoji="1" lang="en-US" altLang="zh-CN" sz="2400" dirty="0">
+              <a:latin typeface="Microsoft YaHei" panose="020B0503020204020204" pitchFamily="34" charset="-122"/>
+              <a:ea typeface="Microsoft YaHei" panose="020B0503020204020204" pitchFamily="34" charset="-122"/>
+            </a:endParaRPr>
+          </a:p>
+          <a:p>
+            <a:pPr>
+              <a:lnSpc>
+                <a:spcPct val="150000"/>
+              </a:lnSpc>
+            </a:pPr>
+            <a:r>
+              <a:rPr kumimoji="1" lang="zh-CN" altLang="en-US" sz="2400" b="1" u="sng" dirty="0">
+                <a:latin typeface="Microsoft YaHei" panose="020B0503020204020204" pitchFamily="34" charset="-122"/>
+                <a:ea typeface="Microsoft YaHei" panose="020B0503020204020204" pitchFamily="34" charset="-122"/>
+              </a:rPr>
+              <a:t>关键字</a:t>
+            </a:r>
+            <a:r>
+              <a:rPr kumimoji="1" lang="zh-CN" altLang="en-US" sz="2400" dirty="0">
+                <a:latin typeface="Microsoft YaHei" panose="020B0503020204020204" pitchFamily="34" charset="-122"/>
+                <a:ea typeface="Microsoft YaHei" panose="020B0503020204020204" pitchFamily="34" charset="-122"/>
+              </a:rPr>
+              <a:t>：</a:t>
+            </a:r>
+            <a:r>
+              <a:rPr kumimoji="1" lang="en-US" altLang="zh-CN" sz="2400" dirty="0">
+                <a:latin typeface="Microsoft YaHei" panose="020B0503020204020204" pitchFamily="34" charset="-122"/>
+                <a:ea typeface="Microsoft YaHei" panose="020B0503020204020204" pitchFamily="34" charset="-122"/>
+              </a:rPr>
+              <a:t>java</a:t>
+            </a:r>
+            <a:r>
+              <a:rPr kumimoji="1" lang="zh-CN" altLang="en-US" sz="2400" dirty="0">
+                <a:latin typeface="Microsoft YaHei" panose="020B0503020204020204" pitchFamily="34" charset="-122"/>
+                <a:ea typeface="Microsoft YaHei" panose="020B0503020204020204" pitchFamily="34" charset="-122"/>
+              </a:rPr>
+              <a:t>学习路线</a:t>
             </a:r>
           </a:p>
         </p:txBody>
@@ -5175,7 +8221,7 @@
     </p:spTree>
     <p:extLst>
       <p:ext uri="{BB962C8B-B14F-4D97-AF65-F5344CB8AC3E}">
-        <p14:creationId xmlns:p14="http://schemas.microsoft.com/office/powerpoint/2010/main" val="1981531383"/>
+        <p14:creationId xmlns:p14="http://schemas.microsoft.com/office/powerpoint/2010/main" val="290996797"/>
       </p:ext>
     </p:extLst>
   </p:cSld>
@@ -5225,7 +8271,7 @@
         </p:nvSpPr>
         <p:spPr>
           <a:xfrm>
-            <a:off x="2054352" y="718220"/>
+            <a:off x="2054352" y="630545"/>
             <a:ext cx="8083296" cy="830997"/>
           </a:xfrm>
           <a:prstGeom prst="rect">
@@ -5245,24 +8291,24 @@
                 <a:latin typeface="Microsoft YaHei" panose="020B0503020204020204" pitchFamily="34" charset="-122"/>
                 <a:ea typeface="Microsoft YaHei" panose="020B0503020204020204" pitchFamily="34" charset="-122"/>
               </a:rPr>
-              <a:t>5.</a:t>
+              <a:t>2.</a:t>
             </a:r>
             <a:r>
               <a:rPr kumimoji="1" lang="zh-CN" altLang="en-US" sz="4800" dirty="0">
                 <a:latin typeface="Microsoft YaHei" panose="020B0503020204020204" pitchFamily="34" charset="-122"/>
                 <a:ea typeface="Microsoft YaHei" panose="020B0503020204020204" pitchFamily="34" charset="-122"/>
               </a:rPr>
-              <a:t>散列表查找</a:t>
-            </a:r>
-          </a:p>
-        </p:txBody>
-      </p:sp>
-      <p:sp>
-        <p:nvSpPr>
-          <p:cNvPr id="2" name="文本框 1">
-            <a:extLst>
-              <a:ext uri="{FF2B5EF4-FFF2-40B4-BE49-F238E27FC236}">
-                <a16:creationId xmlns:a16="http://schemas.microsoft.com/office/drawing/2014/main" id="{2348A353-F74A-F749-85B3-0743B6EAB0EF}"/>
+              <a:t>静态查找</a:t>
+            </a:r>
+          </a:p>
+        </p:txBody>
+      </p:sp>
+      <p:sp>
+        <p:nvSpPr>
+          <p:cNvPr id="8" name="文本框 7">
+            <a:extLst>
+              <a:ext uri="{FF2B5EF4-FFF2-40B4-BE49-F238E27FC236}">
+                <a16:creationId xmlns:a16="http://schemas.microsoft.com/office/drawing/2014/main" id="{75D7D6ED-43A8-DC4B-84B6-AB03F6270117}"/>
               </a:ext>
             </a:extLst>
           </p:cNvPr>
@@ -5271,8 +8317,8 @@
         </p:nvSpPr>
         <p:spPr>
           <a:xfrm>
-            <a:off x="2466753" y="2445488"/>
-            <a:ext cx="6039294" cy="523220"/>
+            <a:off x="2054351" y="2041450"/>
+            <a:ext cx="8556941" cy="2677656"/>
           </a:xfrm>
           <a:prstGeom prst="rect">
             <a:avLst/>
@@ -5286,16 +8332,37 @@
           <a:lstStyle/>
           <a:p>
             <a:r>
-              <a:rPr kumimoji="1" lang="zh-CN" altLang="en-US" sz="2800" dirty="0"/>
-              <a:t>基于单链表的基础，增加循环的功能</a:t>
-            </a:r>
+              <a:rPr kumimoji="1" lang="zh-CN" altLang="en-US" sz="2800" dirty="0">
+                <a:latin typeface="Microsoft YaHei" panose="020B0503020204020204" pitchFamily="34" charset="-122"/>
+                <a:ea typeface="Microsoft YaHei" panose="020B0503020204020204" pitchFamily="34" charset="-122"/>
+              </a:rPr>
+              <a:t>静态查找是“真正的查找”。因为在静态查找过程中仅仅</a:t>
+            </a:r>
+            <a:r>
+              <a:rPr kumimoji="1" lang="en-US" altLang="zh-CN" sz="2800" dirty="0">
+                <a:latin typeface="Microsoft YaHei" panose="020B0503020204020204" pitchFamily="34" charset="-122"/>
+                <a:ea typeface="Microsoft YaHei" panose="020B0503020204020204" pitchFamily="34" charset="-122"/>
+              </a:rPr>
+              <a:t>copy</a:t>
+            </a:r>
+            <a:r>
+              <a:rPr kumimoji="1" lang="zh-CN" altLang="en-US" sz="2800" dirty="0">
+                <a:latin typeface="Microsoft YaHei" panose="020B0503020204020204" pitchFamily="34" charset="-122"/>
+                <a:ea typeface="Microsoft YaHei" panose="020B0503020204020204" pitchFamily="34" charset="-122"/>
+              </a:rPr>
+              <a:t>是执行“查找”的操作，即查看某特定的关键字是否在表中（判断性查找）；检索某特定关键字数据元素的各种属性（检索性查找）。这两种操作都只是获取已经存在的一个表中的数据信息，不对表的百数据元素和结构进行任何改变。</a:t>
+            </a:r>
+            <a:endParaRPr kumimoji="1" lang="zh-CN" altLang="en-US" sz="2800" dirty="0">
+              <a:latin typeface="微软雅黑" panose="020B0503020204020204" pitchFamily="34" charset="-122"/>
+              <a:ea typeface="Microsoft YaHei" panose="020B0503020204020204" pitchFamily="34" charset="-122"/>
+            </a:endParaRPr>
           </a:p>
         </p:txBody>
       </p:sp>
     </p:spTree>
     <p:extLst>
       <p:ext uri="{BB962C8B-B14F-4D97-AF65-F5344CB8AC3E}">
-        <p14:creationId xmlns:p14="http://schemas.microsoft.com/office/powerpoint/2010/main" val="1742615019"/>
+        <p14:creationId xmlns:p14="http://schemas.microsoft.com/office/powerpoint/2010/main" val="1022283620"/>
       </p:ext>
     </p:extLst>
   </p:cSld>
@@ -5311,7 +8378,7 @@
     <p:bg>
       <p:bgPr>
         <a:blipFill>
-          <a:blip r:embed="rId3"/>
+          <a:blip r:embed="rId2"/>
           <a:tile tx="0" ty="0" sx="100000" sy="100000" flip="none" algn="tl"/>
         </a:blipFill>
         <a:effectLst/>
@@ -5333,10 +8400,10 @@
       </p:grpSpPr>
       <p:sp>
         <p:nvSpPr>
-          <p:cNvPr id="2" name="文本框 1">
-            <a:extLst>
-              <a:ext uri="{FF2B5EF4-FFF2-40B4-BE49-F238E27FC236}">
-                <a16:creationId xmlns:a16="http://schemas.microsoft.com/office/drawing/2014/main" id="{12AA8BCC-7B15-4842-80C2-48C079429338}"/>
+          <p:cNvPr id="3" name="文本框 2">
+            <a:extLst>
+              <a:ext uri="{FF2B5EF4-FFF2-40B4-BE49-F238E27FC236}">
+                <a16:creationId xmlns:a16="http://schemas.microsoft.com/office/drawing/2014/main" id="{62BFC649-BF8E-2841-8EAF-47AFBF9D6671}"/>
               </a:ext>
             </a:extLst>
           </p:cNvPr>
@@ -5345,8 +8412,8 @@
         </p:nvSpPr>
         <p:spPr>
           <a:xfrm>
-            <a:off x="2228088" y="2921168"/>
-            <a:ext cx="7735824" cy="1015663"/>
+            <a:off x="2054352" y="630545"/>
+            <a:ext cx="8083296" cy="830997"/>
           </a:xfrm>
           <a:prstGeom prst="rect">
             <a:avLst/>
@@ -5361,11 +8428,70 @@
           <a:p>
             <a:pPr algn="ctr"/>
             <a:r>
-              <a:rPr kumimoji="1" lang="zh-CN" altLang="en-US" sz="6000" dirty="0">
-                <a:latin typeface="Microsoft YaHei" panose="020B0503020204020204" pitchFamily="34" charset="-122"/>
-                <a:ea typeface="Microsoft YaHei" panose="020B0503020204020204" pitchFamily="34" charset="-122"/>
-              </a:rPr>
-              <a:t>这堂课我们学了撒？</a:t>
+              <a:rPr kumimoji="1" lang="en-US" altLang="zh-CN" sz="4800" dirty="0">
+                <a:latin typeface="Microsoft YaHei" panose="020B0503020204020204" pitchFamily="34" charset="-122"/>
+                <a:ea typeface="Microsoft YaHei" panose="020B0503020204020204" pitchFamily="34" charset="-122"/>
+              </a:rPr>
+              <a:t>2.1</a:t>
+            </a:r>
+            <a:r>
+              <a:rPr kumimoji="1" lang="zh-CN" altLang="en-US" sz="4800" dirty="0">
+                <a:latin typeface="Microsoft YaHei" panose="020B0503020204020204" pitchFamily="34" charset="-122"/>
+                <a:ea typeface="Microsoft YaHei" panose="020B0503020204020204" pitchFamily="34" charset="-122"/>
+              </a:rPr>
+              <a:t> 顺序表查找</a:t>
+            </a:r>
+          </a:p>
+        </p:txBody>
+      </p:sp>
+      <p:sp>
+        <p:nvSpPr>
+          <p:cNvPr id="8" name="文本框 7">
+            <a:extLst>
+              <a:ext uri="{FF2B5EF4-FFF2-40B4-BE49-F238E27FC236}">
+                <a16:creationId xmlns:a16="http://schemas.microsoft.com/office/drawing/2014/main" id="{75D7D6ED-43A8-DC4B-84B6-AB03F6270117}"/>
+              </a:ext>
+            </a:extLst>
+          </p:cNvPr>
+          <p:cNvSpPr txBox="1"/>
+          <p:nvPr/>
+        </p:nvSpPr>
+        <p:spPr>
+          <a:xfrm>
+            <a:off x="1610042" y="2190307"/>
+            <a:ext cx="9554144" cy="2677656"/>
+          </a:xfrm>
+          <a:prstGeom prst="rect">
+            <a:avLst/>
+          </a:prstGeom>
+          <a:noFill/>
+        </p:spPr>
+        <p:txBody>
+          <a:bodyPr wrap="square" rtlCol="0">
+            <a:spAutoFit/>
+          </a:bodyPr>
+          <a:lstStyle/>
+          <a:p>
+            <a:r>
+              <a:rPr kumimoji="1" lang="zh-CN" altLang="en-US" sz="2800" dirty="0">
+                <a:latin typeface="Microsoft YaHei" panose="020B0503020204020204" pitchFamily="34" charset="-122"/>
+                <a:ea typeface="Microsoft YaHei" panose="020B0503020204020204" pitchFamily="34" charset="-122"/>
+              </a:rPr>
+              <a:t>“顺序查找（</a:t>
+            </a:r>
+            <a:r>
+              <a:rPr kumimoji="1" lang="en-US" altLang="zh-CN" sz="2800" dirty="0">
+                <a:latin typeface="Microsoft YaHei" panose="020B0503020204020204" pitchFamily="34" charset="-122"/>
+                <a:ea typeface="Microsoft YaHei" panose="020B0503020204020204" pitchFamily="34" charset="-122"/>
+              </a:rPr>
+              <a:t>Sequential Search</a:t>
+            </a:r>
+            <a:r>
+              <a:rPr kumimoji="1" lang="zh-CN" altLang="en-US" sz="2800" dirty="0">
+                <a:latin typeface="Microsoft YaHei" panose="020B0503020204020204" pitchFamily="34" charset="-122"/>
+                <a:ea typeface="Microsoft YaHei" panose="020B0503020204020204" pitchFamily="34" charset="-122"/>
+              </a:rPr>
+              <a:t>）又叫线性查找，是最基本的查找技术，它的查找过程是：从表中第一个（或最后一个）记录开始，逐个进行记录的关键字和给定值比较，若某个记录的关键字和给定值相等，则查找成功，找到所查的记录；如果直到最后一个（或第一个）记录，其关键字和给定值比较都不等时，则表中没有所查的记录，查找不成功。</a:t>
             </a:r>
           </a:p>
         </p:txBody>
@@ -5373,7 +8499,7 @@
     </p:spTree>
     <p:extLst>
       <p:ext uri="{BB962C8B-B14F-4D97-AF65-F5344CB8AC3E}">
-        <p14:creationId xmlns:p14="http://schemas.microsoft.com/office/powerpoint/2010/main" val="3338372476"/>
+        <p14:creationId xmlns:p14="http://schemas.microsoft.com/office/powerpoint/2010/main" val="2121862201"/>
       </p:ext>
     </p:extLst>
   </p:cSld>
@@ -5389,7 +8515,7 @@
     <p:bg>
       <p:bgPr>
         <a:blipFill>
-          <a:blip r:embed="rId3"/>
+          <a:blip r:embed="rId2"/>
           <a:tile tx="0" ty="0" sx="100000" sy="100000" flip="none" algn="tl"/>
         </a:blipFill>
         <a:effectLst/>
@@ -5423,8 +8549,8 @@
         </p:nvSpPr>
         <p:spPr>
           <a:xfrm>
-            <a:off x="914400" y="581161"/>
-            <a:ext cx="10363200" cy="830997"/>
+            <a:off x="2054352" y="630545"/>
+            <a:ext cx="8083296" cy="830997"/>
           </a:xfrm>
           <a:prstGeom prst="rect">
             <a:avLst/>
@@ -5439,25 +8565,28 @@
           <a:p>
             <a:pPr algn="ctr"/>
             <a:r>
+              <a:rPr kumimoji="1" lang="en-US" altLang="zh-CN" sz="4800" dirty="0">
+                <a:latin typeface="Microsoft YaHei" panose="020B0503020204020204" pitchFamily="34" charset="-122"/>
+                <a:ea typeface="Microsoft YaHei" panose="020B0503020204020204" pitchFamily="34" charset="-122"/>
+              </a:rPr>
+              <a:t>2.1</a:t>
+            </a:r>
+            <a:r>
               <a:rPr kumimoji="1" lang="zh-CN" altLang="en-US" sz="4800" dirty="0">
                 <a:latin typeface="Microsoft YaHei" panose="020B0503020204020204" pitchFamily="34" charset="-122"/>
                 <a:ea typeface="Microsoft YaHei" panose="020B0503020204020204" pitchFamily="34" charset="-122"/>
               </a:rPr>
-              <a:t>总结</a:t>
-            </a:r>
-            <a:endParaRPr kumimoji="1" lang="en-US" altLang="zh-CN" sz="4800" dirty="0">
-              <a:latin typeface="Microsoft YaHei" panose="020B0503020204020204" pitchFamily="34" charset="-122"/>
-              <a:ea typeface="Microsoft YaHei" panose="020B0503020204020204" pitchFamily="34" charset="-122"/>
-            </a:endParaRPr>
-          </a:p>
-        </p:txBody>
-      </p:sp>
-      <p:sp>
-        <p:nvSpPr>
-          <p:cNvPr id="5" name="文本框 4">
-            <a:extLst>
-              <a:ext uri="{FF2B5EF4-FFF2-40B4-BE49-F238E27FC236}">
-                <a16:creationId xmlns:a16="http://schemas.microsoft.com/office/drawing/2014/main" id="{70A8FD9E-655D-F742-ACDB-18BF84BE05B3}"/>
+              <a:t> 顺序查找基本算法</a:t>
+            </a:r>
+          </a:p>
+        </p:txBody>
+      </p:sp>
+      <p:sp>
+        <p:nvSpPr>
+          <p:cNvPr id="4" name="文本框 3">
+            <a:extLst>
+              <a:ext uri="{FF2B5EF4-FFF2-40B4-BE49-F238E27FC236}">
+                <a16:creationId xmlns:a16="http://schemas.microsoft.com/office/drawing/2014/main" id="{5CAD91F1-C151-6948-AE9B-F1ECAE1BDA55}"/>
               </a:ext>
             </a:extLst>
           </p:cNvPr>
@@ -5466,13 +8595,15 @@
         </p:nvSpPr>
         <p:spPr>
           <a:xfrm>
-            <a:off x="765810" y="2785730"/>
-            <a:ext cx="9037409" cy="523220"/>
+            <a:off x="8245052" y="4303780"/>
+            <a:ext cx="3785191" cy="1569660"/>
           </a:xfrm>
           <a:prstGeom prst="rect">
             <a:avLst/>
           </a:prstGeom>
-          <a:noFill/>
+          <a:solidFill>
+            <a:schemeClr val="accent2"/>
+          </a:solidFill>
         </p:spPr>
         <p:txBody>
           <a:bodyPr wrap="square" rtlCol="0">
@@ -5481,30 +8612,92 @@
           <a:lstStyle/>
           <a:p>
             <a:r>
-              <a:rPr kumimoji="1" lang="zh-CN" altLang="en-US" sz="2800" dirty="0">
-                <a:latin typeface="Microsoft YaHei" panose="020B0503020204020204" pitchFamily="34" charset="-122"/>
-                <a:ea typeface="Microsoft YaHei" panose="020B0503020204020204" pitchFamily="34" charset="-122"/>
-              </a:rPr>
-              <a:t>重点： 两种存储方式 以及它们对应的</a:t>
-            </a:r>
-            <a:r>
-              <a:rPr kumimoji="1" lang="en-US" altLang="zh-CN" sz="2800" dirty="0">
-                <a:latin typeface="Microsoft YaHei" panose="020B0503020204020204" pitchFamily="34" charset="-122"/>
-                <a:ea typeface="Microsoft YaHei" panose="020B0503020204020204" pitchFamily="34" charset="-122"/>
-              </a:rPr>
-              <a:t>crud</a:t>
-            </a:r>
-            <a:endParaRPr kumimoji="1" lang="zh-CN" altLang="en-US" sz="2800" dirty="0">
-              <a:latin typeface="Microsoft YaHei" panose="020B0503020204020204" pitchFamily="34" charset="-122"/>
-              <a:ea typeface="Microsoft YaHei" panose="020B0503020204020204" pitchFamily="34" charset="-122"/>
-            </a:endParaRPr>
-          </a:p>
-        </p:txBody>
-      </p:sp>
+              <a:rPr kumimoji="1" lang="zh-CN" altLang="en-US" sz="2400" dirty="0">
+                <a:solidFill>
+                  <a:schemeClr val="bg1"/>
+                </a:solidFill>
+                <a:latin typeface="Microsoft YaHei" panose="020B0503020204020204" pitchFamily="34" charset="-122"/>
+                <a:ea typeface="Microsoft YaHei" panose="020B0503020204020204" pitchFamily="34" charset="-122"/>
+              </a:rPr>
+              <a:t>因为每次循环时都需要对</a:t>
+            </a:r>
+            <a:r>
+              <a:rPr kumimoji="1" lang="en-US" altLang="zh-CN" sz="2400" dirty="0" err="1">
+                <a:solidFill>
+                  <a:schemeClr val="bg1"/>
+                </a:solidFill>
+                <a:latin typeface="Microsoft YaHei" panose="020B0503020204020204" pitchFamily="34" charset="-122"/>
+                <a:ea typeface="Microsoft YaHei" panose="020B0503020204020204" pitchFamily="34" charset="-122"/>
+              </a:rPr>
+              <a:t>i</a:t>
+            </a:r>
+            <a:r>
+              <a:rPr kumimoji="1" lang="zh-CN" altLang="en-US" sz="2400" dirty="0">
+                <a:solidFill>
+                  <a:schemeClr val="bg1"/>
+                </a:solidFill>
+                <a:latin typeface="Microsoft YaHei" panose="020B0503020204020204" pitchFamily="34" charset="-122"/>
+                <a:ea typeface="Microsoft YaHei" panose="020B0503020204020204" pitchFamily="34" charset="-122"/>
+              </a:rPr>
+              <a:t>是否越界，即是否小于等于</a:t>
+            </a:r>
+            <a:r>
+              <a:rPr kumimoji="1" lang="en-US" altLang="zh-CN" sz="2400" dirty="0">
+                <a:solidFill>
+                  <a:schemeClr val="bg1"/>
+                </a:solidFill>
+                <a:latin typeface="Microsoft YaHei" panose="020B0503020204020204" pitchFamily="34" charset="-122"/>
+                <a:ea typeface="Microsoft YaHei" panose="020B0503020204020204" pitchFamily="34" charset="-122"/>
+              </a:rPr>
+              <a:t>n</a:t>
+            </a:r>
+            <a:r>
+              <a:rPr kumimoji="1" lang="zh-CN" altLang="en-US" sz="2400" dirty="0">
+                <a:solidFill>
+                  <a:schemeClr val="bg1"/>
+                </a:solidFill>
+                <a:latin typeface="Microsoft YaHei" panose="020B0503020204020204" pitchFamily="34" charset="-122"/>
+                <a:ea typeface="Microsoft YaHei" panose="020B0503020204020204" pitchFamily="34" charset="-122"/>
+              </a:rPr>
+              <a:t>作判断。事实上，还可以有更好一点的办法？</a:t>
+            </a:r>
+          </a:p>
+        </p:txBody>
+      </p:sp>
+      <p:pic>
+        <p:nvPicPr>
+          <p:cNvPr id="7" name="图片 6">
+            <a:extLst>
+              <a:ext uri="{FF2B5EF4-FFF2-40B4-BE49-F238E27FC236}">
+                <a16:creationId xmlns:a16="http://schemas.microsoft.com/office/drawing/2014/main" id="{F66074D8-A4C6-D041-98B0-634E8D18C10D}"/>
+              </a:ext>
+            </a:extLst>
+          </p:cNvPr>
+          <p:cNvPicPr>
+            <a:picLocks noChangeAspect="1"/>
+          </p:cNvPicPr>
+          <p:nvPr/>
+        </p:nvPicPr>
+        <p:blipFill>
+          <a:blip r:embed="rId3"/>
+          <a:stretch>
+            <a:fillRect/>
+          </a:stretch>
+        </p:blipFill>
+        <p:spPr>
+          <a:xfrm>
+            <a:off x="654616" y="2637510"/>
+            <a:ext cx="6584666" cy="3589945"/>
+          </a:xfrm>
+          <a:prstGeom prst="rect">
+            <a:avLst/>
+          </a:prstGeom>
+        </p:spPr>
+      </p:pic>
     </p:spTree>
     <p:extLst>
       <p:ext uri="{BB962C8B-B14F-4D97-AF65-F5344CB8AC3E}">
-        <p14:creationId xmlns:p14="http://schemas.microsoft.com/office/powerpoint/2010/main" val="4062917305"/>
+        <p14:creationId xmlns:p14="http://schemas.microsoft.com/office/powerpoint/2010/main" val="2416401932"/>
       </p:ext>
     </p:extLst>
   </p:cSld>
